--- a/cp.pptx
+++ b/cp.pptx
@@ -7,21 +7,62 @@
   <p:sldIdLst>
     <p:sldId id="256" r:id="rId2"/>
     <p:sldId id="257" r:id="rId3"/>
-    <p:sldId id="259" r:id="rId4"/>
-    <p:sldId id="258" r:id="rId5"/>
-    <p:sldId id="260" r:id="rId6"/>
-    <p:sldId id="261" r:id="rId7"/>
-    <p:sldId id="262" r:id="rId8"/>
-    <p:sldId id="263" r:id="rId9"/>
-    <p:sldId id="264" r:id="rId10"/>
-    <p:sldId id="266" r:id="rId11"/>
-    <p:sldId id="267" r:id="rId12"/>
-    <p:sldId id="265" r:id="rId13"/>
-    <p:sldId id="268" r:id="rId14"/>
-    <p:sldId id="269" r:id="rId15"/>
-    <p:sldId id="270" r:id="rId16"/>
-    <p:sldId id="271" r:id="rId17"/>
-    <p:sldId id="272" r:id="rId18"/>
+    <p:sldId id="273" r:id="rId4"/>
+    <p:sldId id="274" r:id="rId5"/>
+    <p:sldId id="275" r:id="rId6"/>
+    <p:sldId id="276" r:id="rId7"/>
+    <p:sldId id="277" r:id="rId8"/>
+    <p:sldId id="278" r:id="rId9"/>
+    <p:sldId id="279" r:id="rId10"/>
+    <p:sldId id="280" r:id="rId11"/>
+    <p:sldId id="281" r:id="rId12"/>
+    <p:sldId id="282" r:id="rId13"/>
+    <p:sldId id="283" r:id="rId14"/>
+    <p:sldId id="284" r:id="rId15"/>
+    <p:sldId id="285" r:id="rId16"/>
+    <p:sldId id="286" r:id="rId17"/>
+    <p:sldId id="287" r:id="rId18"/>
+    <p:sldId id="288" r:id="rId19"/>
+    <p:sldId id="289" r:id="rId20"/>
+    <p:sldId id="290" r:id="rId21"/>
+    <p:sldId id="291" r:id="rId22"/>
+    <p:sldId id="292" r:id="rId23"/>
+    <p:sldId id="293" r:id="rId24"/>
+    <p:sldId id="294" r:id="rId25"/>
+    <p:sldId id="295" r:id="rId26"/>
+    <p:sldId id="296" r:id="rId27"/>
+    <p:sldId id="297" r:id="rId28"/>
+    <p:sldId id="298" r:id="rId29"/>
+    <p:sldId id="299" r:id="rId30"/>
+    <p:sldId id="300" r:id="rId31"/>
+    <p:sldId id="301" r:id="rId32"/>
+    <p:sldId id="302" r:id="rId33"/>
+    <p:sldId id="303" r:id="rId34"/>
+    <p:sldId id="304" r:id="rId35"/>
+    <p:sldId id="305" r:id="rId36"/>
+    <p:sldId id="306" r:id="rId37"/>
+    <p:sldId id="307" r:id="rId38"/>
+    <p:sldId id="308" r:id="rId39"/>
+    <p:sldId id="309" r:id="rId40"/>
+    <p:sldId id="310" r:id="rId41"/>
+    <p:sldId id="311" r:id="rId42"/>
+    <p:sldId id="312" r:id="rId43"/>
+    <p:sldId id="313" r:id="rId44"/>
+    <p:sldId id="259" r:id="rId45"/>
+    <p:sldId id="258" r:id="rId46"/>
+    <p:sldId id="260" r:id="rId47"/>
+    <p:sldId id="261" r:id="rId48"/>
+    <p:sldId id="262" r:id="rId49"/>
+    <p:sldId id="263" r:id="rId50"/>
+    <p:sldId id="264" r:id="rId51"/>
+    <p:sldId id="266" r:id="rId52"/>
+    <p:sldId id="267" r:id="rId53"/>
+    <p:sldId id="265" r:id="rId54"/>
+    <p:sldId id="268" r:id="rId55"/>
+    <p:sldId id="269" r:id="rId56"/>
+    <p:sldId id="270" r:id="rId57"/>
+    <p:sldId id="271" r:id="rId58"/>
+    <p:sldId id="272" r:id="rId59"/>
   </p:sldIdLst>
   <p:sldSz cx="9144000" cy="6858000" type="screen4x3"/>
   <p:notesSz cx="6858000" cy="9144000"/>
@@ -318,7 +359,7 @@
             <a:fld id="{FD6A4A9F-456B-421A-A352-8A94E8DAFBE1}" type="datetimeFigureOut">
               <a:rPr lang="en-US" smtClean="0"/>
               <a:pPr/>
-              <a:t>19-Dec-20</a:t>
+              <a:t>10-Jan-21</a:t>
             </a:fld>
             <a:endParaRPr lang="en-US"/>
           </a:p>
@@ -673,7 +714,7 @@
             <a:fld id="{FD6A4A9F-456B-421A-A352-8A94E8DAFBE1}" type="datetimeFigureOut">
               <a:rPr lang="en-US" smtClean="0"/>
               <a:pPr/>
-              <a:t>19-Dec-20</a:t>
+              <a:t>10-Jan-21</a:t>
             </a:fld>
             <a:endParaRPr lang="en-US"/>
           </a:p>
@@ -850,7 +891,7 @@
             <a:fld id="{FD6A4A9F-456B-421A-A352-8A94E8DAFBE1}" type="datetimeFigureOut">
               <a:rPr lang="en-US" smtClean="0"/>
               <a:pPr/>
-              <a:t>19-Dec-20</a:t>
+              <a:t>10-Jan-21</a:t>
             </a:fld>
             <a:endParaRPr lang="en-US"/>
           </a:p>
@@ -965,7 +1006,7 @@
             <a:fld id="{FD6A4A9F-456B-421A-A352-8A94E8DAFBE1}" type="datetimeFigureOut">
               <a:rPr lang="en-US" smtClean="0"/>
               <a:pPr/>
-              <a:t>19-Dec-20</a:t>
+              <a:t>10-Jan-21</a:t>
             </a:fld>
             <a:endParaRPr lang="en-US"/>
           </a:p>
@@ -1325,7 +1366,7 @@
             <a:fld id="{FD6A4A9F-456B-421A-A352-8A94E8DAFBE1}" type="datetimeFigureOut">
               <a:rPr lang="en-US" smtClean="0"/>
               <a:pPr/>
-              <a:t>19-Dec-20</a:t>
+              <a:t>10-Jan-21</a:t>
             </a:fld>
             <a:endParaRPr lang="en-US"/>
           </a:p>
@@ -1592,7 +1633,7 @@
             <a:fld id="{FD6A4A9F-456B-421A-A352-8A94E8DAFBE1}" type="datetimeFigureOut">
               <a:rPr lang="en-US" smtClean="0"/>
               <a:pPr/>
-              <a:t>19-Dec-20</a:t>
+              <a:t>10-Jan-21</a:t>
             </a:fld>
             <a:endParaRPr lang="en-US"/>
           </a:p>
@@ -1956,7 +1997,7 @@
             <a:fld id="{FD6A4A9F-456B-421A-A352-8A94E8DAFBE1}" type="datetimeFigureOut">
               <a:rPr lang="en-US" smtClean="0"/>
               <a:pPr/>
-              <a:t>19-Dec-20</a:t>
+              <a:t>10-Jan-21</a:t>
             </a:fld>
             <a:endParaRPr lang="en-US"/>
           </a:p>
@@ -2185,7 +2226,7 @@
             <a:fld id="{FD6A4A9F-456B-421A-A352-8A94E8DAFBE1}" type="datetimeFigureOut">
               <a:rPr lang="en-US" smtClean="0"/>
               <a:pPr/>
-              <a:t>19-Dec-20</a:t>
+              <a:t>10-Jan-21</a:t>
             </a:fld>
             <a:endParaRPr lang="en-US"/>
           </a:p>
@@ -2277,7 +2318,7 @@
             <a:fld id="{FD6A4A9F-456B-421A-A352-8A94E8DAFBE1}" type="datetimeFigureOut">
               <a:rPr lang="en-US" smtClean="0"/>
               <a:pPr/>
-              <a:t>19-Dec-20</a:t>
+              <a:t>10-Jan-21</a:t>
             </a:fld>
             <a:endParaRPr lang="en-US"/>
           </a:p>
@@ -2546,7 +2587,7 @@
             <a:fld id="{FD6A4A9F-456B-421A-A352-8A94E8DAFBE1}" type="datetimeFigureOut">
               <a:rPr lang="en-US" smtClean="0"/>
               <a:pPr/>
-              <a:t>19-Dec-20</a:t>
+              <a:t>10-Jan-21</a:t>
             </a:fld>
             <a:endParaRPr lang="en-US"/>
           </a:p>
@@ -2776,7 +2817,7 @@
             <a:fld id="{FD6A4A9F-456B-421A-A352-8A94E8DAFBE1}" type="datetimeFigureOut">
               <a:rPr lang="en-US" smtClean="0"/>
               <a:pPr/>
-              <a:t>19-Dec-20</a:t>
+              <a:t>10-Jan-21</a:t>
             </a:fld>
             <a:endParaRPr lang="en-US"/>
           </a:p>
@@ -3277,7 +3318,7 @@
             <a:fld id="{FD6A4A9F-456B-421A-A352-8A94E8DAFBE1}" type="datetimeFigureOut">
               <a:rPr lang="en-US" smtClean="0"/>
               <a:pPr/>
-              <a:t>19-Dec-20</a:t>
+              <a:t>10-Jan-21</a:t>
             </a:fld>
             <a:endParaRPr lang="en-US"/>
           </a:p>
@@ -3766,6 +3807,29 @@
       </p:grpSpPr>
       <p:sp>
         <p:nvSpPr>
+          <p:cNvPr id="2" name="Title 1"/>
+          <p:cNvSpPr>
+            <a:spLocks noGrp="1"/>
+          </p:cNvSpPr>
+          <p:nvPr>
+            <p:ph type="title"/>
+          </p:nvPr>
+        </p:nvSpPr>
+        <p:spPr/>
+        <p:txBody>
+          <a:bodyPr/>
+          <a:lstStyle/>
+          <a:p>
+            <a:r>
+              <a:rPr lang="en-US" dirty="0" smtClean="0"/>
+              <a:t>Prime numbers</a:t>
+            </a:r>
+            <a:endParaRPr lang="en-US" dirty="0"/>
+          </a:p>
+        </p:txBody>
+      </p:sp>
+      <p:sp>
+        <p:nvSpPr>
           <p:cNvPr id="3" name="Content Placeholder 2"/>
           <p:cNvSpPr>
             <a:spLocks noGrp="1"/>
@@ -3774,117 +3838,12 @@
             <p:ph sz="quarter" idx="1"/>
           </p:nvPr>
         </p:nvSpPr>
-        <p:spPr>
-          <a:xfrm>
-            <a:off x="914400" y="381000"/>
-            <a:ext cx="7772400" cy="5638800"/>
-          </a:xfrm>
-        </p:spPr>
-        <p:txBody>
-          <a:bodyPr>
-            <a:normAutofit fontScale="85000" lnSpcReduction="20000"/>
-          </a:bodyPr>
-          <a:lstStyle/>
-          <a:p>
-            <a:r>
-              <a:rPr lang="en-US" dirty="0" smtClean="0"/>
-              <a:t>/Binary Exponentiation</a:t>
-            </a:r>
-          </a:p>
-          <a:p>
-            <a:endParaRPr lang="en-US" dirty="0" smtClean="0"/>
-          </a:p>
-          <a:p>
-            <a:endParaRPr lang="en-US" dirty="0" smtClean="0"/>
-          </a:p>
-          <a:p>
-            <a:r>
-              <a:rPr lang="en-US" dirty="0" smtClean="0"/>
-              <a:t>#include&lt;bits/</a:t>
-            </a:r>
-            <a:r>
-              <a:rPr lang="en-US" dirty="0" err="1" smtClean="0"/>
-              <a:t>stdc</a:t>
-            </a:r>
-            <a:r>
-              <a:rPr lang="en-US" dirty="0" smtClean="0"/>
-              <a:t>++.h&gt;</a:t>
-            </a:r>
-          </a:p>
-          <a:p>
-            <a:r>
-              <a:rPr lang="en-US" dirty="0" smtClean="0"/>
-              <a:t>using namespace std;</a:t>
-            </a:r>
-          </a:p>
-          <a:p>
-            <a:r>
-              <a:rPr lang="en-US" dirty="0" smtClean="0"/>
-              <a:t>void power(int </a:t>
-            </a:r>
-            <a:r>
-              <a:rPr lang="en-US" dirty="0" err="1" smtClean="0"/>
-              <a:t>n,int</a:t>
-            </a:r>
-            <a:r>
-              <a:rPr lang="en-US" dirty="0" smtClean="0"/>
-              <a:t> base)</a:t>
-            </a:r>
-          </a:p>
-          <a:p>
-            <a:r>
-              <a:rPr lang="en-US" dirty="0" smtClean="0"/>
-              <a:t>{</a:t>
-            </a:r>
-          </a:p>
-          <a:p>
-            <a:r>
-              <a:rPr lang="en-US" dirty="0" smtClean="0"/>
-              <a:t>	int res=1;</a:t>
-            </a:r>
-          </a:p>
-          <a:p>
-            <a:r>
-              <a:rPr lang="en-US" dirty="0" smtClean="0"/>
-              <a:t>	while(n)</a:t>
-            </a:r>
-          </a:p>
-          <a:p>
-            <a:r>
-              <a:rPr lang="en-US" dirty="0" smtClean="0"/>
-              <a:t>	{</a:t>
-            </a:r>
-          </a:p>
-          <a:p>
-            <a:r>
-              <a:rPr lang="en-US" dirty="0" smtClean="0"/>
-              <a:t>		if(n%2)</a:t>
-            </a:r>
-          </a:p>
-          <a:p>
-            <a:r>
-              <a:rPr lang="en-US" dirty="0" smtClean="0"/>
-              <a:t>		{</a:t>
-            </a:r>
-          </a:p>
-          <a:p>
-            <a:r>
-              <a:rPr lang="en-US" dirty="0" smtClean="0"/>
-              <a:t>			res*=base;</a:t>
-            </a:r>
-          </a:p>
-          <a:p>
-            <a:r>
-              <a:rPr lang="en-US" dirty="0" smtClean="0"/>
-              <a:t>			n--;</a:t>
-            </a:r>
-          </a:p>
-          <a:p>
-            <a:r>
-              <a:rPr lang="en-US" dirty="0" smtClean="0"/>
-              <a:t>		</a:t>
-            </a:r>
-            <a:endParaRPr lang="en-US" dirty="0"/>
+        <p:spPr/>
+        <p:txBody>
+          <a:bodyPr/>
+          <a:lstStyle/>
+          <a:p>
+            <a:endParaRPr lang="en-US"/>
           </a:p>
         </p:txBody>
       </p:sp>
@@ -3915,6 +3874,29 @@
       </p:grpSpPr>
       <p:sp>
         <p:nvSpPr>
+          <p:cNvPr id="2" name="Title 1"/>
+          <p:cNvSpPr>
+            <a:spLocks noGrp="1"/>
+          </p:cNvSpPr>
+          <p:nvPr>
+            <p:ph type="title"/>
+          </p:nvPr>
+        </p:nvSpPr>
+        <p:spPr/>
+        <p:txBody>
+          <a:bodyPr/>
+          <a:lstStyle/>
+          <a:p>
+            <a:r>
+              <a:rPr lang="en-US" dirty="0" smtClean="0"/>
+              <a:t>Prime numbers</a:t>
+            </a:r>
+            <a:endParaRPr lang="en-US" dirty="0"/>
+          </a:p>
+        </p:txBody>
+      </p:sp>
+      <p:sp>
+        <p:nvSpPr>
           <p:cNvPr id="3" name="Content Placeholder 2"/>
           <p:cNvSpPr>
             <a:spLocks noGrp="1"/>
@@ -3923,128 +3905,12 @@
             <p:ph sz="quarter" idx="1"/>
           </p:nvPr>
         </p:nvSpPr>
-        <p:spPr>
-          <a:xfrm>
-            <a:off x="914400" y="381000"/>
-            <a:ext cx="7772400" cy="5638800"/>
-          </a:xfrm>
-        </p:spPr>
-        <p:txBody>
-          <a:bodyPr>
-            <a:normAutofit fontScale="85000" lnSpcReduction="20000"/>
-          </a:bodyPr>
-          <a:lstStyle/>
-          <a:p>
-            <a:r>
-              <a:rPr lang="en-US" dirty="0" smtClean="0"/>
-              <a:t>}</a:t>
-            </a:r>
-          </a:p>
-          <a:p>
-            <a:r>
-              <a:rPr lang="en-US" dirty="0" smtClean="0"/>
-              <a:t>		else</a:t>
-            </a:r>
-          </a:p>
-          <a:p>
-            <a:r>
-              <a:rPr lang="en-US" dirty="0" smtClean="0"/>
-              <a:t>		{</a:t>
-            </a:r>
-          </a:p>
-          <a:p>
-            <a:r>
-              <a:rPr lang="en-US" dirty="0" smtClean="0"/>
-              <a:t>			base*=base;</a:t>
-            </a:r>
-          </a:p>
-          <a:p>
-            <a:r>
-              <a:rPr lang="en-US" dirty="0" smtClean="0"/>
-              <a:t>			n/=2;</a:t>
-            </a:r>
-          </a:p>
-          <a:p>
-            <a:r>
-              <a:rPr lang="en-US" dirty="0" smtClean="0"/>
-              <a:t>		}</a:t>
-            </a:r>
-          </a:p>
-          <a:p>
-            <a:r>
-              <a:rPr lang="en-US" dirty="0" smtClean="0"/>
-              <a:t>	}</a:t>
-            </a:r>
-          </a:p>
-          <a:p>
-            <a:r>
-              <a:rPr lang="en-US" dirty="0" smtClean="0"/>
-              <a:t>	</a:t>
-            </a:r>
-            <a:r>
-              <a:rPr lang="en-US" dirty="0" err="1" smtClean="0"/>
-              <a:t>cout</a:t>
-            </a:r>
-            <a:r>
-              <a:rPr lang="en-US" dirty="0" smtClean="0"/>
-              <a:t>&lt;&lt;res;</a:t>
-            </a:r>
-          </a:p>
-          <a:p>
-            <a:r>
-              <a:rPr lang="en-US" dirty="0" smtClean="0"/>
-              <a:t>}</a:t>
-            </a:r>
-          </a:p>
-          <a:p>
-            <a:r>
-              <a:rPr lang="en-US" dirty="0" smtClean="0"/>
-              <a:t>int main()</a:t>
-            </a:r>
-          </a:p>
-          <a:p>
-            <a:r>
-              <a:rPr lang="en-US" dirty="0" smtClean="0"/>
-              <a:t>{</a:t>
-            </a:r>
-          </a:p>
-          <a:p>
-            <a:r>
-              <a:rPr lang="en-US" dirty="0" smtClean="0"/>
-              <a:t>	int </a:t>
-            </a:r>
-            <a:r>
-              <a:rPr lang="en-US" dirty="0" err="1" smtClean="0"/>
-              <a:t>n,base</a:t>
-            </a:r>
-            <a:r>
-              <a:rPr lang="en-US" dirty="0" smtClean="0"/>
-              <a:t>;</a:t>
-            </a:r>
-          </a:p>
-          <a:p>
-            <a:r>
-              <a:rPr lang="en-US" dirty="0" smtClean="0"/>
-              <a:t>	cin&gt;&gt;n&gt;&gt;base;</a:t>
-            </a:r>
-          </a:p>
-          <a:p>
-            <a:r>
-              <a:rPr lang="en-US" dirty="0" smtClean="0"/>
-              <a:t>	power(n, base);</a:t>
-            </a:r>
-          </a:p>
-          <a:p>
-            <a:endParaRPr lang="en-US" dirty="0" smtClean="0"/>
-          </a:p>
-          <a:p>
-            <a:r>
-              <a:rPr lang="en-US" dirty="0" smtClean="0"/>
-              <a:t>}</a:t>
-            </a:r>
-          </a:p>
-          <a:p>
-            <a:endParaRPr lang="en-US" dirty="0"/>
+        <p:spPr/>
+        <p:txBody>
+          <a:bodyPr/>
+          <a:lstStyle/>
+          <a:p>
+            <a:endParaRPr lang="en-US"/>
           </a:p>
         </p:txBody>
       </p:sp>
@@ -4090,7 +3956,7 @@
           <a:p>
             <a:r>
               <a:rPr lang="en-US" dirty="0" smtClean="0"/>
-              <a:t>Prime factorization</a:t>
+              <a:t>Prime numbers</a:t>
             </a:r>
             <a:endParaRPr lang="en-US" dirty="0"/>
           </a:p>
@@ -4108,99 +3974,10 @@
         </p:nvSpPr>
         <p:spPr/>
         <p:txBody>
-          <a:bodyPr>
-            <a:normAutofit lnSpcReduction="10000"/>
-          </a:bodyPr>
-          <a:lstStyle/>
-          <a:p>
-            <a:r>
-              <a:rPr lang="en-US" dirty="0" smtClean="0"/>
-              <a:t>Brute force </a:t>
-            </a:r>
-            <a:r>
-              <a:rPr lang="en-US" dirty="0" err="1" smtClean="0"/>
-              <a:t>appraoch</a:t>
-            </a:r>
-            <a:endParaRPr lang="en-US" dirty="0" smtClean="0"/>
-          </a:p>
-          <a:p>
-            <a:r>
-              <a:rPr lang="en-US" dirty="0" smtClean="0"/>
-              <a:t>#include&lt;bits/</a:t>
-            </a:r>
-            <a:r>
-              <a:rPr lang="en-US" dirty="0" err="1" smtClean="0"/>
-              <a:t>stdc</a:t>
-            </a:r>
-            <a:r>
-              <a:rPr lang="en-US" dirty="0" smtClean="0"/>
-              <a:t>++.h&gt;</a:t>
-            </a:r>
-          </a:p>
-          <a:p>
-            <a:r>
-              <a:rPr lang="en-US" dirty="0" smtClean="0"/>
-              <a:t>using namespace std;</a:t>
-            </a:r>
-          </a:p>
-          <a:p>
-            <a:r>
-              <a:rPr lang="en-US" dirty="0" smtClean="0"/>
-              <a:t>int main()</a:t>
-            </a:r>
-          </a:p>
-          <a:p>
-            <a:r>
-              <a:rPr lang="en-US" dirty="0" smtClean="0"/>
-              <a:t>{</a:t>
-            </a:r>
-          </a:p>
-          <a:p>
-            <a:r>
-              <a:rPr lang="en-US" dirty="0" smtClean="0"/>
-              <a:t>	int n;</a:t>
-            </a:r>
-          </a:p>
-          <a:p>
-            <a:r>
-              <a:rPr lang="en-US" dirty="0" smtClean="0"/>
-              <a:t>	cin&gt;&gt;n;</a:t>
-            </a:r>
-          </a:p>
-          <a:p>
-            <a:r>
-              <a:rPr lang="en-US" dirty="0" smtClean="0"/>
-              <a:t>	for(int </a:t>
-            </a:r>
-            <a:r>
-              <a:rPr lang="en-US" dirty="0" err="1" smtClean="0"/>
-              <a:t>i</a:t>
-            </a:r>
-            <a:r>
-              <a:rPr lang="en-US" dirty="0" smtClean="0"/>
-              <a:t>=2;i&lt;=</a:t>
-            </a:r>
-            <a:r>
-              <a:rPr lang="en-US" dirty="0" err="1" smtClean="0"/>
-              <a:t>n;i</a:t>
-            </a:r>
-            <a:r>
-              <a:rPr lang="en-US" dirty="0" smtClean="0"/>
-              <a:t>++)</a:t>
-            </a:r>
-          </a:p>
-          <a:p>
-            <a:r>
-              <a:rPr lang="en-US" dirty="0" smtClean="0"/>
-              <a:t>	{</a:t>
-            </a:r>
-          </a:p>
-          <a:p>
-            <a:r>
-              <a:rPr lang="en-US" dirty="0" smtClean="0"/>
-              <a:t>		</a:t>
-            </a:r>
-            <a:endParaRPr lang="en-US" dirty="0"/>
+          <a:bodyPr/>
+          <a:lstStyle/>
+          <a:p>
+            <a:endParaRPr lang="en-US"/>
           </a:p>
         </p:txBody>
       </p:sp>
@@ -4231,6 +4008,29 @@
       </p:grpSpPr>
       <p:sp>
         <p:nvSpPr>
+          <p:cNvPr id="2" name="Title 1"/>
+          <p:cNvSpPr>
+            <a:spLocks noGrp="1"/>
+          </p:cNvSpPr>
+          <p:nvPr>
+            <p:ph type="title"/>
+          </p:nvPr>
+        </p:nvSpPr>
+        <p:spPr/>
+        <p:txBody>
+          <a:bodyPr/>
+          <a:lstStyle/>
+          <a:p>
+            <a:r>
+              <a:rPr lang="en-US" dirty="0" smtClean="0"/>
+              <a:t>Prime numbers</a:t>
+            </a:r>
+            <a:endParaRPr lang="en-US" dirty="0"/>
+          </a:p>
+        </p:txBody>
+      </p:sp>
+      <p:sp>
+        <p:nvSpPr>
           <p:cNvPr id="3" name="Content Placeholder 2"/>
           <p:cNvSpPr>
             <a:spLocks noGrp="1"/>
@@ -4239,145 +4039,12 @@
             <p:ph sz="quarter" idx="1"/>
           </p:nvPr>
         </p:nvSpPr>
-        <p:spPr>
-          <a:xfrm>
-            <a:off x="914400" y="228600"/>
-            <a:ext cx="7772400" cy="5791200"/>
-          </a:xfrm>
-        </p:spPr>
-        <p:txBody>
-          <a:bodyPr>
-            <a:normAutofit lnSpcReduction="10000"/>
-          </a:bodyPr>
-          <a:lstStyle/>
-          <a:p>
-            <a:r>
-              <a:rPr lang="en-US" dirty="0" smtClean="0"/>
-              <a:t>if(</a:t>
-            </a:r>
-            <a:r>
-              <a:rPr lang="en-US" dirty="0" err="1" smtClean="0"/>
-              <a:t>n%i</a:t>
-            </a:r>
-            <a:r>
-              <a:rPr lang="en-US" dirty="0" smtClean="0"/>
-              <a:t>==0)</a:t>
-            </a:r>
-          </a:p>
-          <a:p>
-            <a:r>
-              <a:rPr lang="en-US" dirty="0" smtClean="0"/>
-              <a:t>		{</a:t>
-            </a:r>
-          </a:p>
-          <a:p>
-            <a:r>
-              <a:rPr lang="en-US" dirty="0" smtClean="0"/>
-              <a:t>			int count=0;</a:t>
-            </a:r>
-          </a:p>
-          <a:p>
-            <a:r>
-              <a:rPr lang="en-US" dirty="0" smtClean="0"/>
-              <a:t>			while(</a:t>
-            </a:r>
-            <a:r>
-              <a:rPr lang="en-US" dirty="0" err="1" smtClean="0"/>
-              <a:t>n%i</a:t>
-            </a:r>
-            <a:r>
-              <a:rPr lang="en-US" dirty="0" smtClean="0"/>
-              <a:t>==0)</a:t>
-            </a:r>
-          </a:p>
-          <a:p>
-            <a:r>
-              <a:rPr lang="en-US" dirty="0" smtClean="0"/>
-              <a:t>			{</a:t>
-            </a:r>
-          </a:p>
-          <a:p>
-            <a:r>
-              <a:rPr lang="en-US" dirty="0" smtClean="0"/>
-              <a:t>				count++;</a:t>
-            </a:r>
-          </a:p>
-          <a:p>
-            <a:r>
-              <a:rPr lang="en-US" dirty="0" smtClean="0"/>
-              <a:t>				n/=</a:t>
-            </a:r>
-            <a:r>
-              <a:rPr lang="en-US" dirty="0" err="1" smtClean="0"/>
-              <a:t>i</a:t>
-            </a:r>
-            <a:r>
-              <a:rPr lang="en-US" dirty="0" smtClean="0"/>
-              <a:t>;</a:t>
-            </a:r>
-          </a:p>
-          <a:p>
-            <a:r>
-              <a:rPr lang="en-US" dirty="0" smtClean="0"/>
-              <a:t>				</a:t>
-            </a:r>
-          </a:p>
-          <a:p>
-            <a:r>
-              <a:rPr lang="en-US" dirty="0" smtClean="0"/>
-              <a:t>			}</a:t>
-            </a:r>
-          </a:p>
-          <a:p>
-            <a:r>
-              <a:rPr lang="en-US" dirty="0" smtClean="0"/>
-              <a:t>			</a:t>
-            </a:r>
-            <a:r>
-              <a:rPr lang="en-US" dirty="0" err="1" smtClean="0"/>
-              <a:t>cout</a:t>
-            </a:r>
-            <a:r>
-              <a:rPr lang="en-US" dirty="0" smtClean="0"/>
-              <a:t>&lt;&lt;</a:t>
-            </a:r>
-            <a:r>
-              <a:rPr lang="en-US" dirty="0" err="1" smtClean="0"/>
-              <a:t>i</a:t>
-            </a:r>
-            <a:r>
-              <a:rPr lang="en-US" dirty="0" smtClean="0"/>
-              <a:t>&lt;&lt;"^"&lt;&lt;count&lt;&lt;</a:t>
-            </a:r>
-            <a:r>
-              <a:rPr lang="en-US" dirty="0" err="1" smtClean="0"/>
-              <a:t>endl</a:t>
-            </a:r>
-            <a:r>
-              <a:rPr lang="en-US" dirty="0" smtClean="0"/>
-              <a:t>;</a:t>
-            </a:r>
-          </a:p>
-          <a:p>
-            <a:r>
-              <a:rPr lang="en-US" dirty="0" smtClean="0"/>
-              <a:t>		}</a:t>
-            </a:r>
-          </a:p>
-          <a:p>
-            <a:r>
-              <a:rPr lang="en-US" dirty="0" smtClean="0"/>
-              <a:t>	}</a:t>
-            </a:r>
-          </a:p>
-          <a:p>
-            <a:r>
-              <a:rPr lang="en-US" dirty="0" smtClean="0"/>
-              <a:t>}</a:t>
-            </a:r>
-          </a:p>
-          <a:p>
-            <a:endParaRPr lang="en-US" dirty="0"/>
+        <p:spPr/>
+        <p:txBody>
+          <a:bodyPr/>
+          <a:lstStyle/>
+          <a:p>
+            <a:endParaRPr lang="en-US"/>
           </a:p>
         </p:txBody>
       </p:sp>
@@ -4423,7 +4090,7 @@
           <a:p>
             <a:r>
               <a:rPr lang="en-US" dirty="0" smtClean="0"/>
-              <a:t>Optimized approach</a:t>
+              <a:t>Prime numbers</a:t>
             </a:r>
             <a:endParaRPr lang="en-US" dirty="0"/>
           </a:p>
@@ -4490,11 +4157,7 @@
           <a:p>
             <a:r>
               <a:rPr lang="en-US" dirty="0" smtClean="0"/>
-              <a:t>Matrix </a:t>
-            </a:r>
-            <a:r>
-              <a:rPr lang="en-US" dirty="0" err="1" smtClean="0"/>
-              <a:t>exponention</a:t>
+              <a:t>Prime numbers</a:t>
             </a:r>
             <a:endParaRPr lang="en-US" dirty="0"/>
           </a:p>
@@ -4515,47 +4178,7 @@
           <a:bodyPr/>
           <a:lstStyle/>
           <a:p>
-            <a:r>
-              <a:rPr lang="en-US" dirty="0" smtClean="0"/>
-              <a:t>Given matrix a and an integer n calculate </a:t>
-            </a:r>
-            <a:r>
-              <a:rPr lang="en-US" dirty="0" err="1" smtClean="0"/>
-              <a:t>a^n</a:t>
-            </a:r>
-            <a:endParaRPr lang="en-US" dirty="0" smtClean="0"/>
-          </a:p>
-          <a:p>
-            <a:endParaRPr lang="en-US" dirty="0" smtClean="0"/>
-          </a:p>
-          <a:p>
-            <a:r>
-              <a:rPr lang="en-US" dirty="0" smtClean="0"/>
-              <a:t>Time complexity = O(m^3*n)</a:t>
-            </a:r>
-          </a:p>
-          <a:p>
-            <a:r>
-              <a:rPr lang="en-US" dirty="0" smtClean="0"/>
-              <a:t>After modification </a:t>
-            </a:r>
-          </a:p>
-          <a:p>
-            <a:r>
-              <a:rPr lang="en-US" dirty="0" smtClean="0"/>
-              <a:t>Time complexity = O(m^3 * </a:t>
-            </a:r>
-            <a:r>
-              <a:rPr lang="en-US" dirty="0" err="1" smtClean="0"/>
-              <a:t>logn</a:t>
-            </a:r>
-            <a:r>
-              <a:rPr lang="en-US" dirty="0" smtClean="0"/>
-              <a:t>)</a:t>
-            </a:r>
-          </a:p>
-          <a:p>
-            <a:endParaRPr lang="en-US" dirty="0" smtClean="0"/>
+            <a:endParaRPr lang="en-US"/>
           </a:p>
         </p:txBody>
       </p:sp>
@@ -4568,6 +4191,4436 @@
 </file>
 
 <file path=ppt/slides/slide16.xml><?xml version="1.0" encoding="utf-8"?>
+<p:sld xmlns:a="http://schemas.openxmlformats.org/drawingml/2006/main" xmlns:r="http://schemas.openxmlformats.org/officeDocument/2006/relationships" xmlns:p="http://schemas.openxmlformats.org/presentationml/2006/main">
+  <p:cSld>
+    <p:spTree>
+      <p:nvGrpSpPr>
+        <p:cNvPr id="1" name=""/>
+        <p:cNvGrpSpPr/>
+        <p:nvPr/>
+      </p:nvGrpSpPr>
+      <p:grpSpPr>
+        <a:xfrm>
+          <a:off x="0" y="0"/>
+          <a:ext cx="0" cy="0"/>
+          <a:chOff x="0" y="0"/>
+          <a:chExt cx="0" cy="0"/>
+        </a:xfrm>
+      </p:grpSpPr>
+      <p:sp>
+        <p:nvSpPr>
+          <p:cNvPr id="2" name="Title 1"/>
+          <p:cNvSpPr>
+            <a:spLocks noGrp="1"/>
+          </p:cNvSpPr>
+          <p:nvPr>
+            <p:ph type="title"/>
+          </p:nvPr>
+        </p:nvSpPr>
+        <p:spPr/>
+        <p:txBody>
+          <a:bodyPr/>
+          <a:lstStyle/>
+          <a:p>
+            <a:r>
+              <a:rPr lang="en-US" dirty="0" smtClean="0"/>
+              <a:t>Prime numbers</a:t>
+            </a:r>
+            <a:endParaRPr lang="en-US" dirty="0"/>
+          </a:p>
+        </p:txBody>
+      </p:sp>
+      <p:sp>
+        <p:nvSpPr>
+          <p:cNvPr id="3" name="Content Placeholder 2"/>
+          <p:cNvSpPr>
+            <a:spLocks noGrp="1"/>
+          </p:cNvSpPr>
+          <p:nvPr>
+            <p:ph sz="quarter" idx="1"/>
+          </p:nvPr>
+        </p:nvSpPr>
+        <p:spPr/>
+        <p:txBody>
+          <a:bodyPr/>
+          <a:lstStyle/>
+          <a:p>
+            <a:endParaRPr lang="en-US"/>
+          </a:p>
+        </p:txBody>
+      </p:sp>
+    </p:spTree>
+  </p:cSld>
+  <p:clrMapOvr>
+    <a:masterClrMapping/>
+  </p:clrMapOvr>
+</p:sld>
+</file>
+
+<file path=ppt/slides/slide17.xml><?xml version="1.0" encoding="utf-8"?>
+<p:sld xmlns:a="http://schemas.openxmlformats.org/drawingml/2006/main" xmlns:r="http://schemas.openxmlformats.org/officeDocument/2006/relationships" xmlns:p="http://schemas.openxmlformats.org/presentationml/2006/main">
+  <p:cSld>
+    <p:spTree>
+      <p:nvGrpSpPr>
+        <p:cNvPr id="1" name=""/>
+        <p:cNvGrpSpPr/>
+        <p:nvPr/>
+      </p:nvGrpSpPr>
+      <p:grpSpPr>
+        <a:xfrm>
+          <a:off x="0" y="0"/>
+          <a:ext cx="0" cy="0"/>
+          <a:chOff x="0" y="0"/>
+          <a:chExt cx="0" cy="0"/>
+        </a:xfrm>
+      </p:grpSpPr>
+      <p:sp>
+        <p:nvSpPr>
+          <p:cNvPr id="2" name="Title 1"/>
+          <p:cNvSpPr>
+            <a:spLocks noGrp="1"/>
+          </p:cNvSpPr>
+          <p:nvPr>
+            <p:ph type="title"/>
+          </p:nvPr>
+        </p:nvSpPr>
+        <p:spPr/>
+        <p:txBody>
+          <a:bodyPr/>
+          <a:lstStyle/>
+          <a:p>
+            <a:r>
+              <a:rPr lang="en-US" dirty="0" smtClean="0"/>
+              <a:t>Prime numbers</a:t>
+            </a:r>
+            <a:endParaRPr lang="en-US" dirty="0"/>
+          </a:p>
+        </p:txBody>
+      </p:sp>
+      <p:sp>
+        <p:nvSpPr>
+          <p:cNvPr id="3" name="Content Placeholder 2"/>
+          <p:cNvSpPr>
+            <a:spLocks noGrp="1"/>
+          </p:cNvSpPr>
+          <p:nvPr>
+            <p:ph sz="quarter" idx="1"/>
+          </p:nvPr>
+        </p:nvSpPr>
+        <p:spPr/>
+        <p:txBody>
+          <a:bodyPr/>
+          <a:lstStyle/>
+          <a:p>
+            <a:endParaRPr lang="en-US"/>
+          </a:p>
+        </p:txBody>
+      </p:sp>
+    </p:spTree>
+  </p:cSld>
+  <p:clrMapOvr>
+    <a:masterClrMapping/>
+  </p:clrMapOvr>
+</p:sld>
+</file>
+
+<file path=ppt/slides/slide18.xml><?xml version="1.0" encoding="utf-8"?>
+<p:sld xmlns:a="http://schemas.openxmlformats.org/drawingml/2006/main" xmlns:r="http://schemas.openxmlformats.org/officeDocument/2006/relationships" xmlns:p="http://schemas.openxmlformats.org/presentationml/2006/main">
+  <p:cSld>
+    <p:spTree>
+      <p:nvGrpSpPr>
+        <p:cNvPr id="1" name=""/>
+        <p:cNvGrpSpPr/>
+        <p:nvPr/>
+      </p:nvGrpSpPr>
+      <p:grpSpPr>
+        <a:xfrm>
+          <a:off x="0" y="0"/>
+          <a:ext cx="0" cy="0"/>
+          <a:chOff x="0" y="0"/>
+          <a:chExt cx="0" cy="0"/>
+        </a:xfrm>
+      </p:grpSpPr>
+      <p:sp>
+        <p:nvSpPr>
+          <p:cNvPr id="2" name="Title 1"/>
+          <p:cNvSpPr>
+            <a:spLocks noGrp="1"/>
+          </p:cNvSpPr>
+          <p:nvPr>
+            <p:ph type="title"/>
+          </p:nvPr>
+        </p:nvSpPr>
+        <p:spPr/>
+        <p:txBody>
+          <a:bodyPr/>
+          <a:lstStyle/>
+          <a:p>
+            <a:r>
+              <a:rPr lang="en-US" dirty="0" smtClean="0"/>
+              <a:t>Prime numbers</a:t>
+            </a:r>
+            <a:endParaRPr lang="en-US" dirty="0"/>
+          </a:p>
+        </p:txBody>
+      </p:sp>
+      <p:sp>
+        <p:nvSpPr>
+          <p:cNvPr id="3" name="Content Placeholder 2"/>
+          <p:cNvSpPr>
+            <a:spLocks noGrp="1"/>
+          </p:cNvSpPr>
+          <p:nvPr>
+            <p:ph sz="quarter" idx="1"/>
+          </p:nvPr>
+        </p:nvSpPr>
+        <p:spPr/>
+        <p:txBody>
+          <a:bodyPr/>
+          <a:lstStyle/>
+          <a:p>
+            <a:endParaRPr lang="en-US"/>
+          </a:p>
+        </p:txBody>
+      </p:sp>
+    </p:spTree>
+  </p:cSld>
+  <p:clrMapOvr>
+    <a:masterClrMapping/>
+  </p:clrMapOvr>
+</p:sld>
+</file>
+
+<file path=ppt/slides/slide19.xml><?xml version="1.0" encoding="utf-8"?>
+<p:sld xmlns:a="http://schemas.openxmlformats.org/drawingml/2006/main" xmlns:r="http://schemas.openxmlformats.org/officeDocument/2006/relationships" xmlns:p="http://schemas.openxmlformats.org/presentationml/2006/main">
+  <p:cSld>
+    <p:spTree>
+      <p:nvGrpSpPr>
+        <p:cNvPr id="1" name=""/>
+        <p:cNvGrpSpPr/>
+        <p:nvPr/>
+      </p:nvGrpSpPr>
+      <p:grpSpPr>
+        <a:xfrm>
+          <a:off x="0" y="0"/>
+          <a:ext cx="0" cy="0"/>
+          <a:chOff x="0" y="0"/>
+          <a:chExt cx="0" cy="0"/>
+        </a:xfrm>
+      </p:grpSpPr>
+      <p:sp>
+        <p:nvSpPr>
+          <p:cNvPr id="2" name="Title 1"/>
+          <p:cNvSpPr>
+            <a:spLocks noGrp="1"/>
+          </p:cNvSpPr>
+          <p:nvPr>
+            <p:ph type="title"/>
+          </p:nvPr>
+        </p:nvSpPr>
+        <p:spPr/>
+        <p:txBody>
+          <a:bodyPr/>
+          <a:lstStyle/>
+          <a:p>
+            <a:r>
+              <a:rPr lang="en-US" dirty="0" smtClean="0"/>
+              <a:t>Prime numbers</a:t>
+            </a:r>
+            <a:endParaRPr lang="en-US" dirty="0"/>
+          </a:p>
+        </p:txBody>
+      </p:sp>
+      <p:sp>
+        <p:nvSpPr>
+          <p:cNvPr id="3" name="Content Placeholder 2"/>
+          <p:cNvSpPr>
+            <a:spLocks noGrp="1"/>
+          </p:cNvSpPr>
+          <p:nvPr>
+            <p:ph sz="quarter" idx="1"/>
+          </p:nvPr>
+        </p:nvSpPr>
+        <p:spPr/>
+        <p:txBody>
+          <a:bodyPr/>
+          <a:lstStyle/>
+          <a:p>
+            <a:endParaRPr lang="en-US"/>
+          </a:p>
+        </p:txBody>
+      </p:sp>
+    </p:spTree>
+  </p:cSld>
+  <p:clrMapOvr>
+    <a:masterClrMapping/>
+  </p:clrMapOvr>
+</p:sld>
+</file>
+
+<file path=ppt/slides/slide2.xml><?xml version="1.0" encoding="utf-8"?>
+<p:sld xmlns:a="http://schemas.openxmlformats.org/drawingml/2006/main" xmlns:r="http://schemas.openxmlformats.org/officeDocument/2006/relationships" xmlns:p="http://schemas.openxmlformats.org/presentationml/2006/main">
+  <p:cSld>
+    <p:spTree>
+      <p:nvGrpSpPr>
+        <p:cNvPr id="1" name=""/>
+        <p:cNvGrpSpPr/>
+        <p:nvPr/>
+      </p:nvGrpSpPr>
+      <p:grpSpPr>
+        <a:xfrm>
+          <a:off x="0" y="0"/>
+          <a:ext cx="0" cy="0"/>
+          <a:chOff x="0" y="0"/>
+          <a:chExt cx="0" cy="0"/>
+        </a:xfrm>
+      </p:grpSpPr>
+      <p:sp>
+        <p:nvSpPr>
+          <p:cNvPr id="2" name="Title 1"/>
+          <p:cNvSpPr>
+            <a:spLocks noGrp="1"/>
+          </p:cNvSpPr>
+          <p:nvPr>
+            <p:ph type="title"/>
+          </p:nvPr>
+        </p:nvSpPr>
+        <p:spPr/>
+        <p:txBody>
+          <a:bodyPr/>
+          <a:lstStyle/>
+          <a:p>
+            <a:r>
+              <a:rPr lang="en-US" dirty="0" smtClean="0"/>
+              <a:t>Prime numbers</a:t>
+            </a:r>
+            <a:endParaRPr lang="en-US" dirty="0"/>
+          </a:p>
+        </p:txBody>
+      </p:sp>
+      <p:sp>
+        <p:nvSpPr>
+          <p:cNvPr id="3" name="Content Placeholder 2"/>
+          <p:cNvSpPr>
+            <a:spLocks noGrp="1"/>
+          </p:cNvSpPr>
+          <p:nvPr>
+            <p:ph sz="quarter" idx="1"/>
+          </p:nvPr>
+        </p:nvSpPr>
+        <p:spPr/>
+        <p:txBody>
+          <a:bodyPr/>
+          <a:lstStyle/>
+          <a:p>
+            <a:r>
+              <a:rPr lang="en-US" dirty="0" err="1" smtClean="0"/>
+              <a:t>Seive</a:t>
+            </a:r>
+            <a:r>
+              <a:rPr lang="en-US" dirty="0" smtClean="0"/>
+              <a:t> </a:t>
+            </a:r>
+          </a:p>
+          <a:p>
+            <a:r>
+              <a:rPr lang="en-US" dirty="0" smtClean="0"/>
+              <a:t>Preprocessing time = O(</a:t>
+            </a:r>
+            <a:r>
+              <a:rPr lang="en-US" dirty="0" err="1" smtClean="0"/>
+              <a:t>Nlog</a:t>
+            </a:r>
+            <a:r>
+              <a:rPr lang="en-US" dirty="0" smtClean="0"/>
+              <a:t>(log N))</a:t>
+            </a:r>
+          </a:p>
+          <a:p>
+            <a:r>
+              <a:rPr lang="en-US" dirty="0" err="1" smtClean="0"/>
+              <a:t>Ans</a:t>
+            </a:r>
+            <a:r>
+              <a:rPr lang="en-US" dirty="0" smtClean="0"/>
+              <a:t> query O(1)</a:t>
+            </a:r>
+          </a:p>
+          <a:p>
+            <a:r>
+              <a:rPr lang="en-US" smtClean="0"/>
+              <a:t>Extra space O(N)</a:t>
+            </a:r>
+            <a:endParaRPr lang="en-US" dirty="0"/>
+          </a:p>
+        </p:txBody>
+      </p:sp>
+    </p:spTree>
+  </p:cSld>
+  <p:clrMapOvr>
+    <a:masterClrMapping/>
+  </p:clrMapOvr>
+</p:sld>
+</file>
+
+<file path=ppt/slides/slide20.xml><?xml version="1.0" encoding="utf-8"?>
+<p:sld xmlns:a="http://schemas.openxmlformats.org/drawingml/2006/main" xmlns:r="http://schemas.openxmlformats.org/officeDocument/2006/relationships" xmlns:p="http://schemas.openxmlformats.org/presentationml/2006/main">
+  <p:cSld>
+    <p:spTree>
+      <p:nvGrpSpPr>
+        <p:cNvPr id="1" name=""/>
+        <p:cNvGrpSpPr/>
+        <p:nvPr/>
+      </p:nvGrpSpPr>
+      <p:grpSpPr>
+        <a:xfrm>
+          <a:off x="0" y="0"/>
+          <a:ext cx="0" cy="0"/>
+          <a:chOff x="0" y="0"/>
+          <a:chExt cx="0" cy="0"/>
+        </a:xfrm>
+      </p:grpSpPr>
+      <p:sp>
+        <p:nvSpPr>
+          <p:cNvPr id="2" name="Title 1"/>
+          <p:cNvSpPr>
+            <a:spLocks noGrp="1"/>
+          </p:cNvSpPr>
+          <p:nvPr>
+            <p:ph type="title"/>
+          </p:nvPr>
+        </p:nvSpPr>
+        <p:spPr/>
+        <p:txBody>
+          <a:bodyPr/>
+          <a:lstStyle/>
+          <a:p>
+            <a:r>
+              <a:rPr lang="en-US" dirty="0" smtClean="0"/>
+              <a:t>Prime numbers</a:t>
+            </a:r>
+            <a:endParaRPr lang="en-US" dirty="0"/>
+          </a:p>
+        </p:txBody>
+      </p:sp>
+      <p:sp>
+        <p:nvSpPr>
+          <p:cNvPr id="3" name="Content Placeholder 2"/>
+          <p:cNvSpPr>
+            <a:spLocks noGrp="1"/>
+          </p:cNvSpPr>
+          <p:nvPr>
+            <p:ph sz="quarter" idx="1"/>
+          </p:nvPr>
+        </p:nvSpPr>
+        <p:spPr/>
+        <p:txBody>
+          <a:bodyPr/>
+          <a:lstStyle/>
+          <a:p>
+            <a:endParaRPr lang="en-US"/>
+          </a:p>
+        </p:txBody>
+      </p:sp>
+    </p:spTree>
+  </p:cSld>
+  <p:clrMapOvr>
+    <a:masterClrMapping/>
+  </p:clrMapOvr>
+</p:sld>
+</file>
+
+<file path=ppt/slides/slide21.xml><?xml version="1.0" encoding="utf-8"?>
+<p:sld xmlns:a="http://schemas.openxmlformats.org/drawingml/2006/main" xmlns:r="http://schemas.openxmlformats.org/officeDocument/2006/relationships" xmlns:p="http://schemas.openxmlformats.org/presentationml/2006/main">
+  <p:cSld>
+    <p:spTree>
+      <p:nvGrpSpPr>
+        <p:cNvPr id="1" name=""/>
+        <p:cNvGrpSpPr/>
+        <p:nvPr/>
+      </p:nvGrpSpPr>
+      <p:grpSpPr>
+        <a:xfrm>
+          <a:off x="0" y="0"/>
+          <a:ext cx="0" cy="0"/>
+          <a:chOff x="0" y="0"/>
+          <a:chExt cx="0" cy="0"/>
+        </a:xfrm>
+      </p:grpSpPr>
+      <p:sp>
+        <p:nvSpPr>
+          <p:cNvPr id="2" name="Title 1"/>
+          <p:cNvSpPr>
+            <a:spLocks noGrp="1"/>
+          </p:cNvSpPr>
+          <p:nvPr>
+            <p:ph type="title"/>
+          </p:nvPr>
+        </p:nvSpPr>
+        <p:spPr/>
+        <p:txBody>
+          <a:bodyPr/>
+          <a:lstStyle/>
+          <a:p>
+            <a:r>
+              <a:rPr lang="en-US" dirty="0" smtClean="0"/>
+              <a:t>Prime numbers</a:t>
+            </a:r>
+            <a:endParaRPr lang="en-US" dirty="0"/>
+          </a:p>
+        </p:txBody>
+      </p:sp>
+      <p:sp>
+        <p:nvSpPr>
+          <p:cNvPr id="3" name="Content Placeholder 2"/>
+          <p:cNvSpPr>
+            <a:spLocks noGrp="1"/>
+          </p:cNvSpPr>
+          <p:nvPr>
+            <p:ph sz="quarter" idx="1"/>
+          </p:nvPr>
+        </p:nvSpPr>
+        <p:spPr/>
+        <p:txBody>
+          <a:bodyPr/>
+          <a:lstStyle/>
+          <a:p>
+            <a:endParaRPr lang="en-US"/>
+          </a:p>
+        </p:txBody>
+      </p:sp>
+    </p:spTree>
+  </p:cSld>
+  <p:clrMapOvr>
+    <a:masterClrMapping/>
+  </p:clrMapOvr>
+</p:sld>
+</file>
+
+<file path=ppt/slides/slide22.xml><?xml version="1.0" encoding="utf-8"?>
+<p:sld xmlns:a="http://schemas.openxmlformats.org/drawingml/2006/main" xmlns:r="http://schemas.openxmlformats.org/officeDocument/2006/relationships" xmlns:p="http://schemas.openxmlformats.org/presentationml/2006/main">
+  <p:cSld>
+    <p:spTree>
+      <p:nvGrpSpPr>
+        <p:cNvPr id="1" name=""/>
+        <p:cNvGrpSpPr/>
+        <p:nvPr/>
+      </p:nvGrpSpPr>
+      <p:grpSpPr>
+        <a:xfrm>
+          <a:off x="0" y="0"/>
+          <a:ext cx="0" cy="0"/>
+          <a:chOff x="0" y="0"/>
+          <a:chExt cx="0" cy="0"/>
+        </a:xfrm>
+      </p:grpSpPr>
+      <p:sp>
+        <p:nvSpPr>
+          <p:cNvPr id="2" name="Title 1"/>
+          <p:cNvSpPr>
+            <a:spLocks noGrp="1"/>
+          </p:cNvSpPr>
+          <p:nvPr>
+            <p:ph type="title"/>
+          </p:nvPr>
+        </p:nvSpPr>
+        <p:spPr/>
+        <p:txBody>
+          <a:bodyPr/>
+          <a:lstStyle/>
+          <a:p>
+            <a:r>
+              <a:rPr lang="en-US" dirty="0" smtClean="0"/>
+              <a:t>Prime numbers</a:t>
+            </a:r>
+            <a:endParaRPr lang="en-US" dirty="0"/>
+          </a:p>
+        </p:txBody>
+      </p:sp>
+      <p:sp>
+        <p:nvSpPr>
+          <p:cNvPr id="3" name="Content Placeholder 2"/>
+          <p:cNvSpPr>
+            <a:spLocks noGrp="1"/>
+          </p:cNvSpPr>
+          <p:nvPr>
+            <p:ph sz="quarter" idx="1"/>
+          </p:nvPr>
+        </p:nvSpPr>
+        <p:spPr/>
+        <p:txBody>
+          <a:bodyPr/>
+          <a:lstStyle/>
+          <a:p>
+            <a:endParaRPr lang="en-US"/>
+          </a:p>
+        </p:txBody>
+      </p:sp>
+    </p:spTree>
+  </p:cSld>
+  <p:clrMapOvr>
+    <a:masterClrMapping/>
+  </p:clrMapOvr>
+</p:sld>
+</file>
+
+<file path=ppt/slides/slide23.xml><?xml version="1.0" encoding="utf-8"?>
+<p:sld xmlns:a="http://schemas.openxmlformats.org/drawingml/2006/main" xmlns:r="http://schemas.openxmlformats.org/officeDocument/2006/relationships" xmlns:p="http://schemas.openxmlformats.org/presentationml/2006/main">
+  <p:cSld>
+    <p:spTree>
+      <p:nvGrpSpPr>
+        <p:cNvPr id="1" name=""/>
+        <p:cNvGrpSpPr/>
+        <p:nvPr/>
+      </p:nvGrpSpPr>
+      <p:grpSpPr>
+        <a:xfrm>
+          <a:off x="0" y="0"/>
+          <a:ext cx="0" cy="0"/>
+          <a:chOff x="0" y="0"/>
+          <a:chExt cx="0" cy="0"/>
+        </a:xfrm>
+      </p:grpSpPr>
+      <p:sp>
+        <p:nvSpPr>
+          <p:cNvPr id="2" name="Title 1"/>
+          <p:cNvSpPr>
+            <a:spLocks noGrp="1"/>
+          </p:cNvSpPr>
+          <p:nvPr>
+            <p:ph type="title"/>
+          </p:nvPr>
+        </p:nvSpPr>
+        <p:spPr/>
+        <p:txBody>
+          <a:bodyPr/>
+          <a:lstStyle/>
+          <a:p>
+            <a:r>
+              <a:rPr lang="en-US" dirty="0" smtClean="0"/>
+              <a:t>Prime numbers</a:t>
+            </a:r>
+            <a:endParaRPr lang="en-US" dirty="0"/>
+          </a:p>
+        </p:txBody>
+      </p:sp>
+      <p:sp>
+        <p:nvSpPr>
+          <p:cNvPr id="3" name="Content Placeholder 2"/>
+          <p:cNvSpPr>
+            <a:spLocks noGrp="1"/>
+          </p:cNvSpPr>
+          <p:nvPr>
+            <p:ph sz="quarter" idx="1"/>
+          </p:nvPr>
+        </p:nvSpPr>
+        <p:spPr/>
+        <p:txBody>
+          <a:bodyPr/>
+          <a:lstStyle/>
+          <a:p>
+            <a:endParaRPr lang="en-US"/>
+          </a:p>
+        </p:txBody>
+      </p:sp>
+    </p:spTree>
+  </p:cSld>
+  <p:clrMapOvr>
+    <a:masterClrMapping/>
+  </p:clrMapOvr>
+</p:sld>
+</file>
+
+<file path=ppt/slides/slide24.xml><?xml version="1.0" encoding="utf-8"?>
+<p:sld xmlns:a="http://schemas.openxmlformats.org/drawingml/2006/main" xmlns:r="http://schemas.openxmlformats.org/officeDocument/2006/relationships" xmlns:p="http://schemas.openxmlformats.org/presentationml/2006/main">
+  <p:cSld>
+    <p:spTree>
+      <p:nvGrpSpPr>
+        <p:cNvPr id="1" name=""/>
+        <p:cNvGrpSpPr/>
+        <p:nvPr/>
+      </p:nvGrpSpPr>
+      <p:grpSpPr>
+        <a:xfrm>
+          <a:off x="0" y="0"/>
+          <a:ext cx="0" cy="0"/>
+          <a:chOff x="0" y="0"/>
+          <a:chExt cx="0" cy="0"/>
+        </a:xfrm>
+      </p:grpSpPr>
+      <p:sp>
+        <p:nvSpPr>
+          <p:cNvPr id="2" name="Title 1"/>
+          <p:cNvSpPr>
+            <a:spLocks noGrp="1"/>
+          </p:cNvSpPr>
+          <p:nvPr>
+            <p:ph type="title"/>
+          </p:nvPr>
+        </p:nvSpPr>
+        <p:spPr/>
+        <p:txBody>
+          <a:bodyPr/>
+          <a:lstStyle/>
+          <a:p>
+            <a:r>
+              <a:rPr lang="en-US" dirty="0" smtClean="0"/>
+              <a:t>Prime numbers</a:t>
+            </a:r>
+            <a:endParaRPr lang="en-US" dirty="0"/>
+          </a:p>
+        </p:txBody>
+      </p:sp>
+      <p:sp>
+        <p:nvSpPr>
+          <p:cNvPr id="3" name="Content Placeholder 2"/>
+          <p:cNvSpPr>
+            <a:spLocks noGrp="1"/>
+          </p:cNvSpPr>
+          <p:nvPr>
+            <p:ph sz="quarter" idx="1"/>
+          </p:nvPr>
+        </p:nvSpPr>
+        <p:spPr/>
+        <p:txBody>
+          <a:bodyPr/>
+          <a:lstStyle/>
+          <a:p>
+            <a:endParaRPr lang="en-US"/>
+          </a:p>
+        </p:txBody>
+      </p:sp>
+    </p:spTree>
+  </p:cSld>
+  <p:clrMapOvr>
+    <a:masterClrMapping/>
+  </p:clrMapOvr>
+</p:sld>
+</file>
+
+<file path=ppt/slides/slide25.xml><?xml version="1.0" encoding="utf-8"?>
+<p:sld xmlns:a="http://schemas.openxmlformats.org/drawingml/2006/main" xmlns:r="http://schemas.openxmlformats.org/officeDocument/2006/relationships" xmlns:p="http://schemas.openxmlformats.org/presentationml/2006/main">
+  <p:cSld>
+    <p:spTree>
+      <p:nvGrpSpPr>
+        <p:cNvPr id="1" name=""/>
+        <p:cNvGrpSpPr/>
+        <p:nvPr/>
+      </p:nvGrpSpPr>
+      <p:grpSpPr>
+        <a:xfrm>
+          <a:off x="0" y="0"/>
+          <a:ext cx="0" cy="0"/>
+          <a:chOff x="0" y="0"/>
+          <a:chExt cx="0" cy="0"/>
+        </a:xfrm>
+      </p:grpSpPr>
+      <p:sp>
+        <p:nvSpPr>
+          <p:cNvPr id="2" name="Title 1"/>
+          <p:cNvSpPr>
+            <a:spLocks noGrp="1"/>
+          </p:cNvSpPr>
+          <p:nvPr>
+            <p:ph type="title"/>
+          </p:nvPr>
+        </p:nvSpPr>
+        <p:spPr/>
+        <p:txBody>
+          <a:bodyPr/>
+          <a:lstStyle/>
+          <a:p>
+            <a:r>
+              <a:rPr lang="en-US" dirty="0" smtClean="0"/>
+              <a:t>Prime numbers</a:t>
+            </a:r>
+            <a:endParaRPr lang="en-US" dirty="0"/>
+          </a:p>
+        </p:txBody>
+      </p:sp>
+      <p:sp>
+        <p:nvSpPr>
+          <p:cNvPr id="3" name="Content Placeholder 2"/>
+          <p:cNvSpPr>
+            <a:spLocks noGrp="1"/>
+          </p:cNvSpPr>
+          <p:nvPr>
+            <p:ph sz="quarter" idx="1"/>
+          </p:nvPr>
+        </p:nvSpPr>
+        <p:spPr/>
+        <p:txBody>
+          <a:bodyPr/>
+          <a:lstStyle/>
+          <a:p>
+            <a:endParaRPr lang="en-US"/>
+          </a:p>
+        </p:txBody>
+      </p:sp>
+    </p:spTree>
+  </p:cSld>
+  <p:clrMapOvr>
+    <a:masterClrMapping/>
+  </p:clrMapOvr>
+</p:sld>
+</file>
+
+<file path=ppt/slides/slide26.xml><?xml version="1.0" encoding="utf-8"?>
+<p:sld xmlns:a="http://schemas.openxmlformats.org/drawingml/2006/main" xmlns:r="http://schemas.openxmlformats.org/officeDocument/2006/relationships" xmlns:p="http://schemas.openxmlformats.org/presentationml/2006/main">
+  <p:cSld>
+    <p:spTree>
+      <p:nvGrpSpPr>
+        <p:cNvPr id="1" name=""/>
+        <p:cNvGrpSpPr/>
+        <p:nvPr/>
+      </p:nvGrpSpPr>
+      <p:grpSpPr>
+        <a:xfrm>
+          <a:off x="0" y="0"/>
+          <a:ext cx="0" cy="0"/>
+          <a:chOff x="0" y="0"/>
+          <a:chExt cx="0" cy="0"/>
+        </a:xfrm>
+      </p:grpSpPr>
+      <p:sp>
+        <p:nvSpPr>
+          <p:cNvPr id="2" name="Title 1"/>
+          <p:cNvSpPr>
+            <a:spLocks noGrp="1"/>
+          </p:cNvSpPr>
+          <p:nvPr>
+            <p:ph type="title"/>
+          </p:nvPr>
+        </p:nvSpPr>
+        <p:spPr/>
+        <p:txBody>
+          <a:bodyPr/>
+          <a:lstStyle/>
+          <a:p>
+            <a:r>
+              <a:rPr lang="en-US" dirty="0" smtClean="0"/>
+              <a:t>Prime numbers</a:t>
+            </a:r>
+            <a:endParaRPr lang="en-US" dirty="0"/>
+          </a:p>
+        </p:txBody>
+      </p:sp>
+      <p:sp>
+        <p:nvSpPr>
+          <p:cNvPr id="3" name="Content Placeholder 2"/>
+          <p:cNvSpPr>
+            <a:spLocks noGrp="1"/>
+          </p:cNvSpPr>
+          <p:nvPr>
+            <p:ph sz="quarter" idx="1"/>
+          </p:nvPr>
+        </p:nvSpPr>
+        <p:spPr/>
+        <p:txBody>
+          <a:bodyPr/>
+          <a:lstStyle/>
+          <a:p>
+            <a:endParaRPr lang="en-US"/>
+          </a:p>
+        </p:txBody>
+      </p:sp>
+    </p:spTree>
+  </p:cSld>
+  <p:clrMapOvr>
+    <a:masterClrMapping/>
+  </p:clrMapOvr>
+</p:sld>
+</file>
+
+<file path=ppt/slides/slide27.xml><?xml version="1.0" encoding="utf-8"?>
+<p:sld xmlns:a="http://schemas.openxmlformats.org/drawingml/2006/main" xmlns:r="http://schemas.openxmlformats.org/officeDocument/2006/relationships" xmlns:p="http://schemas.openxmlformats.org/presentationml/2006/main">
+  <p:cSld>
+    <p:spTree>
+      <p:nvGrpSpPr>
+        <p:cNvPr id="1" name=""/>
+        <p:cNvGrpSpPr/>
+        <p:nvPr/>
+      </p:nvGrpSpPr>
+      <p:grpSpPr>
+        <a:xfrm>
+          <a:off x="0" y="0"/>
+          <a:ext cx="0" cy="0"/>
+          <a:chOff x="0" y="0"/>
+          <a:chExt cx="0" cy="0"/>
+        </a:xfrm>
+      </p:grpSpPr>
+      <p:sp>
+        <p:nvSpPr>
+          <p:cNvPr id="2" name="Title 1"/>
+          <p:cNvSpPr>
+            <a:spLocks noGrp="1"/>
+          </p:cNvSpPr>
+          <p:nvPr>
+            <p:ph type="title"/>
+          </p:nvPr>
+        </p:nvSpPr>
+        <p:spPr/>
+        <p:txBody>
+          <a:bodyPr/>
+          <a:lstStyle/>
+          <a:p>
+            <a:r>
+              <a:rPr lang="en-US" dirty="0" smtClean="0"/>
+              <a:t>Prime numbers</a:t>
+            </a:r>
+            <a:endParaRPr lang="en-US" dirty="0"/>
+          </a:p>
+        </p:txBody>
+      </p:sp>
+      <p:sp>
+        <p:nvSpPr>
+          <p:cNvPr id="3" name="Content Placeholder 2"/>
+          <p:cNvSpPr>
+            <a:spLocks noGrp="1"/>
+          </p:cNvSpPr>
+          <p:nvPr>
+            <p:ph sz="quarter" idx="1"/>
+          </p:nvPr>
+        </p:nvSpPr>
+        <p:spPr/>
+        <p:txBody>
+          <a:bodyPr/>
+          <a:lstStyle/>
+          <a:p>
+            <a:endParaRPr lang="en-US"/>
+          </a:p>
+        </p:txBody>
+      </p:sp>
+    </p:spTree>
+  </p:cSld>
+  <p:clrMapOvr>
+    <a:masterClrMapping/>
+  </p:clrMapOvr>
+</p:sld>
+</file>
+
+<file path=ppt/slides/slide28.xml><?xml version="1.0" encoding="utf-8"?>
+<p:sld xmlns:a="http://schemas.openxmlformats.org/drawingml/2006/main" xmlns:r="http://schemas.openxmlformats.org/officeDocument/2006/relationships" xmlns:p="http://schemas.openxmlformats.org/presentationml/2006/main">
+  <p:cSld>
+    <p:spTree>
+      <p:nvGrpSpPr>
+        <p:cNvPr id="1" name=""/>
+        <p:cNvGrpSpPr/>
+        <p:nvPr/>
+      </p:nvGrpSpPr>
+      <p:grpSpPr>
+        <a:xfrm>
+          <a:off x="0" y="0"/>
+          <a:ext cx="0" cy="0"/>
+          <a:chOff x="0" y="0"/>
+          <a:chExt cx="0" cy="0"/>
+        </a:xfrm>
+      </p:grpSpPr>
+      <p:sp>
+        <p:nvSpPr>
+          <p:cNvPr id="2" name="Title 1"/>
+          <p:cNvSpPr>
+            <a:spLocks noGrp="1"/>
+          </p:cNvSpPr>
+          <p:nvPr>
+            <p:ph type="title"/>
+          </p:nvPr>
+        </p:nvSpPr>
+        <p:spPr/>
+        <p:txBody>
+          <a:bodyPr/>
+          <a:lstStyle/>
+          <a:p>
+            <a:r>
+              <a:rPr lang="en-US" dirty="0" smtClean="0"/>
+              <a:t>Prime numbers</a:t>
+            </a:r>
+            <a:endParaRPr lang="en-US" dirty="0"/>
+          </a:p>
+        </p:txBody>
+      </p:sp>
+      <p:sp>
+        <p:nvSpPr>
+          <p:cNvPr id="3" name="Content Placeholder 2"/>
+          <p:cNvSpPr>
+            <a:spLocks noGrp="1"/>
+          </p:cNvSpPr>
+          <p:nvPr>
+            <p:ph sz="quarter" idx="1"/>
+          </p:nvPr>
+        </p:nvSpPr>
+        <p:spPr/>
+        <p:txBody>
+          <a:bodyPr/>
+          <a:lstStyle/>
+          <a:p>
+            <a:endParaRPr lang="en-US"/>
+          </a:p>
+        </p:txBody>
+      </p:sp>
+    </p:spTree>
+  </p:cSld>
+  <p:clrMapOvr>
+    <a:masterClrMapping/>
+  </p:clrMapOvr>
+</p:sld>
+</file>
+
+<file path=ppt/slides/slide29.xml><?xml version="1.0" encoding="utf-8"?>
+<p:sld xmlns:a="http://schemas.openxmlformats.org/drawingml/2006/main" xmlns:r="http://schemas.openxmlformats.org/officeDocument/2006/relationships" xmlns:p="http://schemas.openxmlformats.org/presentationml/2006/main">
+  <p:cSld>
+    <p:spTree>
+      <p:nvGrpSpPr>
+        <p:cNvPr id="1" name=""/>
+        <p:cNvGrpSpPr/>
+        <p:nvPr/>
+      </p:nvGrpSpPr>
+      <p:grpSpPr>
+        <a:xfrm>
+          <a:off x="0" y="0"/>
+          <a:ext cx="0" cy="0"/>
+          <a:chOff x="0" y="0"/>
+          <a:chExt cx="0" cy="0"/>
+        </a:xfrm>
+      </p:grpSpPr>
+      <p:sp>
+        <p:nvSpPr>
+          <p:cNvPr id="2" name="Title 1"/>
+          <p:cNvSpPr>
+            <a:spLocks noGrp="1"/>
+          </p:cNvSpPr>
+          <p:nvPr>
+            <p:ph type="title"/>
+          </p:nvPr>
+        </p:nvSpPr>
+        <p:spPr/>
+        <p:txBody>
+          <a:bodyPr/>
+          <a:lstStyle/>
+          <a:p>
+            <a:r>
+              <a:rPr lang="en-US" dirty="0" smtClean="0"/>
+              <a:t>Prime numbers</a:t>
+            </a:r>
+            <a:endParaRPr lang="en-US" dirty="0"/>
+          </a:p>
+        </p:txBody>
+      </p:sp>
+      <p:sp>
+        <p:nvSpPr>
+          <p:cNvPr id="3" name="Content Placeholder 2"/>
+          <p:cNvSpPr>
+            <a:spLocks noGrp="1"/>
+          </p:cNvSpPr>
+          <p:nvPr>
+            <p:ph sz="quarter" idx="1"/>
+          </p:nvPr>
+        </p:nvSpPr>
+        <p:spPr/>
+        <p:txBody>
+          <a:bodyPr/>
+          <a:lstStyle/>
+          <a:p>
+            <a:endParaRPr lang="en-US"/>
+          </a:p>
+        </p:txBody>
+      </p:sp>
+    </p:spTree>
+  </p:cSld>
+  <p:clrMapOvr>
+    <a:masterClrMapping/>
+  </p:clrMapOvr>
+</p:sld>
+</file>
+
+<file path=ppt/slides/slide3.xml><?xml version="1.0" encoding="utf-8"?>
+<p:sld xmlns:a="http://schemas.openxmlformats.org/drawingml/2006/main" xmlns:r="http://schemas.openxmlformats.org/officeDocument/2006/relationships" xmlns:p="http://schemas.openxmlformats.org/presentationml/2006/main">
+  <p:cSld>
+    <p:spTree>
+      <p:nvGrpSpPr>
+        <p:cNvPr id="1" name=""/>
+        <p:cNvGrpSpPr/>
+        <p:nvPr/>
+      </p:nvGrpSpPr>
+      <p:grpSpPr>
+        <a:xfrm>
+          <a:off x="0" y="0"/>
+          <a:ext cx="0" cy="0"/>
+          <a:chOff x="0" y="0"/>
+          <a:chExt cx="0" cy="0"/>
+        </a:xfrm>
+      </p:grpSpPr>
+      <p:sp>
+        <p:nvSpPr>
+          <p:cNvPr id="2" name="Title 1"/>
+          <p:cNvSpPr>
+            <a:spLocks noGrp="1"/>
+          </p:cNvSpPr>
+          <p:nvPr>
+            <p:ph type="title"/>
+          </p:nvPr>
+        </p:nvSpPr>
+        <p:spPr/>
+        <p:txBody>
+          <a:bodyPr/>
+          <a:lstStyle/>
+          <a:p>
+            <a:r>
+              <a:rPr lang="en-US" dirty="0" smtClean="0"/>
+              <a:t>Prime numbers</a:t>
+            </a:r>
+            <a:endParaRPr lang="en-US" dirty="0"/>
+          </a:p>
+        </p:txBody>
+      </p:sp>
+      <p:sp>
+        <p:nvSpPr>
+          <p:cNvPr id="3" name="Content Placeholder 2"/>
+          <p:cNvSpPr>
+            <a:spLocks noGrp="1"/>
+          </p:cNvSpPr>
+          <p:nvPr>
+            <p:ph sz="quarter" idx="1"/>
+          </p:nvPr>
+        </p:nvSpPr>
+        <p:spPr/>
+        <p:txBody>
+          <a:bodyPr/>
+          <a:lstStyle/>
+          <a:p>
+            <a:endParaRPr lang="en-US"/>
+          </a:p>
+        </p:txBody>
+      </p:sp>
+    </p:spTree>
+  </p:cSld>
+  <p:clrMapOvr>
+    <a:masterClrMapping/>
+  </p:clrMapOvr>
+</p:sld>
+</file>
+
+<file path=ppt/slides/slide30.xml><?xml version="1.0" encoding="utf-8"?>
+<p:sld xmlns:a="http://schemas.openxmlformats.org/drawingml/2006/main" xmlns:r="http://schemas.openxmlformats.org/officeDocument/2006/relationships" xmlns:p="http://schemas.openxmlformats.org/presentationml/2006/main">
+  <p:cSld>
+    <p:spTree>
+      <p:nvGrpSpPr>
+        <p:cNvPr id="1" name=""/>
+        <p:cNvGrpSpPr/>
+        <p:nvPr/>
+      </p:nvGrpSpPr>
+      <p:grpSpPr>
+        <a:xfrm>
+          <a:off x="0" y="0"/>
+          <a:ext cx="0" cy="0"/>
+          <a:chOff x="0" y="0"/>
+          <a:chExt cx="0" cy="0"/>
+        </a:xfrm>
+      </p:grpSpPr>
+      <p:sp>
+        <p:nvSpPr>
+          <p:cNvPr id="2" name="Title 1"/>
+          <p:cNvSpPr>
+            <a:spLocks noGrp="1"/>
+          </p:cNvSpPr>
+          <p:nvPr>
+            <p:ph type="title"/>
+          </p:nvPr>
+        </p:nvSpPr>
+        <p:spPr/>
+        <p:txBody>
+          <a:bodyPr/>
+          <a:lstStyle/>
+          <a:p>
+            <a:r>
+              <a:rPr lang="en-US" dirty="0" smtClean="0"/>
+              <a:t>Prime numbers</a:t>
+            </a:r>
+            <a:endParaRPr lang="en-US" dirty="0"/>
+          </a:p>
+        </p:txBody>
+      </p:sp>
+      <p:sp>
+        <p:nvSpPr>
+          <p:cNvPr id="3" name="Content Placeholder 2"/>
+          <p:cNvSpPr>
+            <a:spLocks noGrp="1"/>
+          </p:cNvSpPr>
+          <p:nvPr>
+            <p:ph sz="quarter" idx="1"/>
+          </p:nvPr>
+        </p:nvSpPr>
+        <p:spPr/>
+        <p:txBody>
+          <a:bodyPr/>
+          <a:lstStyle/>
+          <a:p>
+            <a:endParaRPr lang="en-US"/>
+          </a:p>
+        </p:txBody>
+      </p:sp>
+    </p:spTree>
+  </p:cSld>
+  <p:clrMapOvr>
+    <a:masterClrMapping/>
+  </p:clrMapOvr>
+</p:sld>
+</file>
+
+<file path=ppt/slides/slide31.xml><?xml version="1.0" encoding="utf-8"?>
+<p:sld xmlns:a="http://schemas.openxmlformats.org/drawingml/2006/main" xmlns:r="http://schemas.openxmlformats.org/officeDocument/2006/relationships" xmlns:p="http://schemas.openxmlformats.org/presentationml/2006/main">
+  <p:cSld>
+    <p:spTree>
+      <p:nvGrpSpPr>
+        <p:cNvPr id="1" name=""/>
+        <p:cNvGrpSpPr/>
+        <p:nvPr/>
+      </p:nvGrpSpPr>
+      <p:grpSpPr>
+        <a:xfrm>
+          <a:off x="0" y="0"/>
+          <a:ext cx="0" cy="0"/>
+          <a:chOff x="0" y="0"/>
+          <a:chExt cx="0" cy="0"/>
+        </a:xfrm>
+      </p:grpSpPr>
+      <p:sp>
+        <p:nvSpPr>
+          <p:cNvPr id="2" name="Title 1"/>
+          <p:cNvSpPr>
+            <a:spLocks noGrp="1"/>
+          </p:cNvSpPr>
+          <p:nvPr>
+            <p:ph type="title"/>
+          </p:nvPr>
+        </p:nvSpPr>
+        <p:spPr/>
+        <p:txBody>
+          <a:bodyPr/>
+          <a:lstStyle/>
+          <a:p>
+            <a:r>
+              <a:rPr lang="en-US" dirty="0" smtClean="0"/>
+              <a:t>Prime numbers</a:t>
+            </a:r>
+            <a:endParaRPr lang="en-US" dirty="0"/>
+          </a:p>
+        </p:txBody>
+      </p:sp>
+      <p:sp>
+        <p:nvSpPr>
+          <p:cNvPr id="3" name="Content Placeholder 2"/>
+          <p:cNvSpPr>
+            <a:spLocks noGrp="1"/>
+          </p:cNvSpPr>
+          <p:nvPr>
+            <p:ph sz="quarter" idx="1"/>
+          </p:nvPr>
+        </p:nvSpPr>
+        <p:spPr/>
+        <p:txBody>
+          <a:bodyPr/>
+          <a:lstStyle/>
+          <a:p>
+            <a:endParaRPr lang="en-US"/>
+          </a:p>
+        </p:txBody>
+      </p:sp>
+    </p:spTree>
+  </p:cSld>
+  <p:clrMapOvr>
+    <a:masterClrMapping/>
+  </p:clrMapOvr>
+</p:sld>
+</file>
+
+<file path=ppt/slides/slide32.xml><?xml version="1.0" encoding="utf-8"?>
+<p:sld xmlns:a="http://schemas.openxmlformats.org/drawingml/2006/main" xmlns:r="http://schemas.openxmlformats.org/officeDocument/2006/relationships" xmlns:p="http://schemas.openxmlformats.org/presentationml/2006/main">
+  <p:cSld>
+    <p:spTree>
+      <p:nvGrpSpPr>
+        <p:cNvPr id="1" name=""/>
+        <p:cNvGrpSpPr/>
+        <p:nvPr/>
+      </p:nvGrpSpPr>
+      <p:grpSpPr>
+        <a:xfrm>
+          <a:off x="0" y="0"/>
+          <a:ext cx="0" cy="0"/>
+          <a:chOff x="0" y="0"/>
+          <a:chExt cx="0" cy="0"/>
+        </a:xfrm>
+      </p:grpSpPr>
+      <p:sp>
+        <p:nvSpPr>
+          <p:cNvPr id="2" name="Title 1"/>
+          <p:cNvSpPr>
+            <a:spLocks noGrp="1"/>
+          </p:cNvSpPr>
+          <p:nvPr>
+            <p:ph type="title"/>
+          </p:nvPr>
+        </p:nvSpPr>
+        <p:spPr/>
+        <p:txBody>
+          <a:bodyPr/>
+          <a:lstStyle/>
+          <a:p>
+            <a:r>
+              <a:rPr lang="en-US" dirty="0" smtClean="0"/>
+              <a:t>Prime numbers</a:t>
+            </a:r>
+            <a:endParaRPr lang="en-US" dirty="0"/>
+          </a:p>
+        </p:txBody>
+      </p:sp>
+      <p:sp>
+        <p:nvSpPr>
+          <p:cNvPr id="3" name="Content Placeholder 2"/>
+          <p:cNvSpPr>
+            <a:spLocks noGrp="1"/>
+          </p:cNvSpPr>
+          <p:nvPr>
+            <p:ph sz="quarter" idx="1"/>
+          </p:nvPr>
+        </p:nvSpPr>
+        <p:spPr/>
+        <p:txBody>
+          <a:bodyPr/>
+          <a:lstStyle/>
+          <a:p>
+            <a:endParaRPr lang="en-US"/>
+          </a:p>
+        </p:txBody>
+      </p:sp>
+    </p:spTree>
+  </p:cSld>
+  <p:clrMapOvr>
+    <a:masterClrMapping/>
+  </p:clrMapOvr>
+</p:sld>
+</file>
+
+<file path=ppt/slides/slide33.xml><?xml version="1.0" encoding="utf-8"?>
+<p:sld xmlns:a="http://schemas.openxmlformats.org/drawingml/2006/main" xmlns:r="http://schemas.openxmlformats.org/officeDocument/2006/relationships" xmlns:p="http://schemas.openxmlformats.org/presentationml/2006/main">
+  <p:cSld>
+    <p:spTree>
+      <p:nvGrpSpPr>
+        <p:cNvPr id="1" name=""/>
+        <p:cNvGrpSpPr/>
+        <p:nvPr/>
+      </p:nvGrpSpPr>
+      <p:grpSpPr>
+        <a:xfrm>
+          <a:off x="0" y="0"/>
+          <a:ext cx="0" cy="0"/>
+          <a:chOff x="0" y="0"/>
+          <a:chExt cx="0" cy="0"/>
+        </a:xfrm>
+      </p:grpSpPr>
+      <p:sp>
+        <p:nvSpPr>
+          <p:cNvPr id="2" name="Title 1"/>
+          <p:cNvSpPr>
+            <a:spLocks noGrp="1"/>
+          </p:cNvSpPr>
+          <p:nvPr>
+            <p:ph type="title"/>
+          </p:nvPr>
+        </p:nvSpPr>
+        <p:spPr/>
+        <p:txBody>
+          <a:bodyPr/>
+          <a:lstStyle/>
+          <a:p>
+            <a:r>
+              <a:rPr lang="en-US" dirty="0" smtClean="0"/>
+              <a:t>Prime numbers</a:t>
+            </a:r>
+            <a:endParaRPr lang="en-US" dirty="0"/>
+          </a:p>
+        </p:txBody>
+      </p:sp>
+      <p:sp>
+        <p:nvSpPr>
+          <p:cNvPr id="3" name="Content Placeholder 2"/>
+          <p:cNvSpPr>
+            <a:spLocks noGrp="1"/>
+          </p:cNvSpPr>
+          <p:nvPr>
+            <p:ph sz="quarter" idx="1"/>
+          </p:nvPr>
+        </p:nvSpPr>
+        <p:spPr/>
+        <p:txBody>
+          <a:bodyPr/>
+          <a:lstStyle/>
+          <a:p>
+            <a:endParaRPr lang="en-US"/>
+          </a:p>
+        </p:txBody>
+      </p:sp>
+    </p:spTree>
+  </p:cSld>
+  <p:clrMapOvr>
+    <a:masterClrMapping/>
+  </p:clrMapOvr>
+</p:sld>
+</file>
+
+<file path=ppt/slides/slide34.xml><?xml version="1.0" encoding="utf-8"?>
+<p:sld xmlns:a="http://schemas.openxmlformats.org/drawingml/2006/main" xmlns:r="http://schemas.openxmlformats.org/officeDocument/2006/relationships" xmlns:p="http://schemas.openxmlformats.org/presentationml/2006/main">
+  <p:cSld>
+    <p:spTree>
+      <p:nvGrpSpPr>
+        <p:cNvPr id="1" name=""/>
+        <p:cNvGrpSpPr/>
+        <p:nvPr/>
+      </p:nvGrpSpPr>
+      <p:grpSpPr>
+        <a:xfrm>
+          <a:off x="0" y="0"/>
+          <a:ext cx="0" cy="0"/>
+          <a:chOff x="0" y="0"/>
+          <a:chExt cx="0" cy="0"/>
+        </a:xfrm>
+      </p:grpSpPr>
+      <p:sp>
+        <p:nvSpPr>
+          <p:cNvPr id="2" name="Title 1"/>
+          <p:cNvSpPr>
+            <a:spLocks noGrp="1"/>
+          </p:cNvSpPr>
+          <p:nvPr>
+            <p:ph type="title"/>
+          </p:nvPr>
+        </p:nvSpPr>
+        <p:spPr/>
+        <p:txBody>
+          <a:bodyPr/>
+          <a:lstStyle/>
+          <a:p>
+            <a:r>
+              <a:rPr lang="en-US" dirty="0" smtClean="0"/>
+              <a:t>Prime numbers</a:t>
+            </a:r>
+            <a:endParaRPr lang="en-US" dirty="0"/>
+          </a:p>
+        </p:txBody>
+      </p:sp>
+      <p:sp>
+        <p:nvSpPr>
+          <p:cNvPr id="3" name="Content Placeholder 2"/>
+          <p:cNvSpPr>
+            <a:spLocks noGrp="1"/>
+          </p:cNvSpPr>
+          <p:nvPr>
+            <p:ph sz="quarter" idx="1"/>
+          </p:nvPr>
+        </p:nvSpPr>
+        <p:spPr/>
+        <p:txBody>
+          <a:bodyPr/>
+          <a:lstStyle/>
+          <a:p>
+            <a:endParaRPr lang="en-US"/>
+          </a:p>
+        </p:txBody>
+      </p:sp>
+    </p:spTree>
+  </p:cSld>
+  <p:clrMapOvr>
+    <a:masterClrMapping/>
+  </p:clrMapOvr>
+</p:sld>
+</file>
+
+<file path=ppt/slides/slide35.xml><?xml version="1.0" encoding="utf-8"?>
+<p:sld xmlns:a="http://schemas.openxmlformats.org/drawingml/2006/main" xmlns:r="http://schemas.openxmlformats.org/officeDocument/2006/relationships" xmlns:p="http://schemas.openxmlformats.org/presentationml/2006/main">
+  <p:cSld>
+    <p:spTree>
+      <p:nvGrpSpPr>
+        <p:cNvPr id="1" name=""/>
+        <p:cNvGrpSpPr/>
+        <p:nvPr/>
+      </p:nvGrpSpPr>
+      <p:grpSpPr>
+        <a:xfrm>
+          <a:off x="0" y="0"/>
+          <a:ext cx="0" cy="0"/>
+          <a:chOff x="0" y="0"/>
+          <a:chExt cx="0" cy="0"/>
+        </a:xfrm>
+      </p:grpSpPr>
+      <p:sp>
+        <p:nvSpPr>
+          <p:cNvPr id="2" name="Title 1"/>
+          <p:cNvSpPr>
+            <a:spLocks noGrp="1"/>
+          </p:cNvSpPr>
+          <p:nvPr>
+            <p:ph type="title"/>
+          </p:nvPr>
+        </p:nvSpPr>
+        <p:spPr/>
+        <p:txBody>
+          <a:bodyPr/>
+          <a:lstStyle/>
+          <a:p>
+            <a:r>
+              <a:rPr lang="en-US" dirty="0" smtClean="0"/>
+              <a:t>Prime numbers</a:t>
+            </a:r>
+            <a:endParaRPr lang="en-US" dirty="0"/>
+          </a:p>
+        </p:txBody>
+      </p:sp>
+      <p:sp>
+        <p:nvSpPr>
+          <p:cNvPr id="3" name="Content Placeholder 2"/>
+          <p:cNvSpPr>
+            <a:spLocks noGrp="1"/>
+          </p:cNvSpPr>
+          <p:nvPr>
+            <p:ph sz="quarter" idx="1"/>
+          </p:nvPr>
+        </p:nvSpPr>
+        <p:spPr/>
+        <p:txBody>
+          <a:bodyPr/>
+          <a:lstStyle/>
+          <a:p>
+            <a:endParaRPr lang="en-US"/>
+          </a:p>
+        </p:txBody>
+      </p:sp>
+    </p:spTree>
+  </p:cSld>
+  <p:clrMapOvr>
+    <a:masterClrMapping/>
+  </p:clrMapOvr>
+</p:sld>
+</file>
+
+<file path=ppt/slides/slide36.xml><?xml version="1.0" encoding="utf-8"?>
+<p:sld xmlns:a="http://schemas.openxmlformats.org/drawingml/2006/main" xmlns:r="http://schemas.openxmlformats.org/officeDocument/2006/relationships" xmlns:p="http://schemas.openxmlformats.org/presentationml/2006/main">
+  <p:cSld>
+    <p:spTree>
+      <p:nvGrpSpPr>
+        <p:cNvPr id="1" name=""/>
+        <p:cNvGrpSpPr/>
+        <p:nvPr/>
+      </p:nvGrpSpPr>
+      <p:grpSpPr>
+        <a:xfrm>
+          <a:off x="0" y="0"/>
+          <a:ext cx="0" cy="0"/>
+          <a:chOff x="0" y="0"/>
+          <a:chExt cx="0" cy="0"/>
+        </a:xfrm>
+      </p:grpSpPr>
+      <p:sp>
+        <p:nvSpPr>
+          <p:cNvPr id="2" name="Title 1"/>
+          <p:cNvSpPr>
+            <a:spLocks noGrp="1"/>
+          </p:cNvSpPr>
+          <p:nvPr>
+            <p:ph type="title"/>
+          </p:nvPr>
+        </p:nvSpPr>
+        <p:spPr/>
+        <p:txBody>
+          <a:bodyPr/>
+          <a:lstStyle/>
+          <a:p>
+            <a:r>
+              <a:rPr lang="en-US" dirty="0" smtClean="0"/>
+              <a:t>Prime numbers</a:t>
+            </a:r>
+            <a:endParaRPr lang="en-US" dirty="0"/>
+          </a:p>
+        </p:txBody>
+      </p:sp>
+      <p:sp>
+        <p:nvSpPr>
+          <p:cNvPr id="3" name="Content Placeholder 2"/>
+          <p:cNvSpPr>
+            <a:spLocks noGrp="1"/>
+          </p:cNvSpPr>
+          <p:nvPr>
+            <p:ph sz="quarter" idx="1"/>
+          </p:nvPr>
+        </p:nvSpPr>
+        <p:spPr/>
+        <p:txBody>
+          <a:bodyPr/>
+          <a:lstStyle/>
+          <a:p>
+            <a:endParaRPr lang="en-US"/>
+          </a:p>
+        </p:txBody>
+      </p:sp>
+    </p:spTree>
+  </p:cSld>
+  <p:clrMapOvr>
+    <a:masterClrMapping/>
+  </p:clrMapOvr>
+</p:sld>
+</file>
+
+<file path=ppt/slides/slide37.xml><?xml version="1.0" encoding="utf-8"?>
+<p:sld xmlns:a="http://schemas.openxmlformats.org/drawingml/2006/main" xmlns:r="http://schemas.openxmlformats.org/officeDocument/2006/relationships" xmlns:p="http://schemas.openxmlformats.org/presentationml/2006/main">
+  <p:cSld>
+    <p:spTree>
+      <p:nvGrpSpPr>
+        <p:cNvPr id="1" name=""/>
+        <p:cNvGrpSpPr/>
+        <p:nvPr/>
+      </p:nvGrpSpPr>
+      <p:grpSpPr>
+        <a:xfrm>
+          <a:off x="0" y="0"/>
+          <a:ext cx="0" cy="0"/>
+          <a:chOff x="0" y="0"/>
+          <a:chExt cx="0" cy="0"/>
+        </a:xfrm>
+      </p:grpSpPr>
+      <p:sp>
+        <p:nvSpPr>
+          <p:cNvPr id="2" name="Title 1"/>
+          <p:cNvSpPr>
+            <a:spLocks noGrp="1"/>
+          </p:cNvSpPr>
+          <p:nvPr>
+            <p:ph type="title"/>
+          </p:nvPr>
+        </p:nvSpPr>
+        <p:spPr/>
+        <p:txBody>
+          <a:bodyPr/>
+          <a:lstStyle/>
+          <a:p>
+            <a:r>
+              <a:rPr lang="en-US" dirty="0" smtClean="0"/>
+              <a:t>Prime numbers</a:t>
+            </a:r>
+            <a:endParaRPr lang="en-US" dirty="0"/>
+          </a:p>
+        </p:txBody>
+      </p:sp>
+      <p:sp>
+        <p:nvSpPr>
+          <p:cNvPr id="3" name="Content Placeholder 2"/>
+          <p:cNvSpPr>
+            <a:spLocks noGrp="1"/>
+          </p:cNvSpPr>
+          <p:nvPr>
+            <p:ph sz="quarter" idx="1"/>
+          </p:nvPr>
+        </p:nvSpPr>
+        <p:spPr/>
+        <p:txBody>
+          <a:bodyPr/>
+          <a:lstStyle/>
+          <a:p>
+            <a:endParaRPr lang="en-US"/>
+          </a:p>
+        </p:txBody>
+      </p:sp>
+    </p:spTree>
+  </p:cSld>
+  <p:clrMapOvr>
+    <a:masterClrMapping/>
+  </p:clrMapOvr>
+</p:sld>
+</file>
+
+<file path=ppt/slides/slide38.xml><?xml version="1.0" encoding="utf-8"?>
+<p:sld xmlns:a="http://schemas.openxmlformats.org/drawingml/2006/main" xmlns:r="http://schemas.openxmlformats.org/officeDocument/2006/relationships" xmlns:p="http://schemas.openxmlformats.org/presentationml/2006/main">
+  <p:cSld>
+    <p:spTree>
+      <p:nvGrpSpPr>
+        <p:cNvPr id="1" name=""/>
+        <p:cNvGrpSpPr/>
+        <p:nvPr/>
+      </p:nvGrpSpPr>
+      <p:grpSpPr>
+        <a:xfrm>
+          <a:off x="0" y="0"/>
+          <a:ext cx="0" cy="0"/>
+          <a:chOff x="0" y="0"/>
+          <a:chExt cx="0" cy="0"/>
+        </a:xfrm>
+      </p:grpSpPr>
+      <p:sp>
+        <p:nvSpPr>
+          <p:cNvPr id="2" name="Title 1"/>
+          <p:cNvSpPr>
+            <a:spLocks noGrp="1"/>
+          </p:cNvSpPr>
+          <p:nvPr>
+            <p:ph type="title"/>
+          </p:nvPr>
+        </p:nvSpPr>
+        <p:spPr/>
+        <p:txBody>
+          <a:bodyPr/>
+          <a:lstStyle/>
+          <a:p>
+            <a:r>
+              <a:rPr lang="en-US" dirty="0" smtClean="0"/>
+              <a:t>Prime numbers</a:t>
+            </a:r>
+            <a:endParaRPr lang="en-US" dirty="0"/>
+          </a:p>
+        </p:txBody>
+      </p:sp>
+      <p:sp>
+        <p:nvSpPr>
+          <p:cNvPr id="3" name="Content Placeholder 2"/>
+          <p:cNvSpPr>
+            <a:spLocks noGrp="1"/>
+          </p:cNvSpPr>
+          <p:nvPr>
+            <p:ph sz="quarter" idx="1"/>
+          </p:nvPr>
+        </p:nvSpPr>
+        <p:spPr/>
+        <p:txBody>
+          <a:bodyPr/>
+          <a:lstStyle/>
+          <a:p>
+            <a:endParaRPr lang="en-US"/>
+          </a:p>
+        </p:txBody>
+      </p:sp>
+    </p:spTree>
+  </p:cSld>
+  <p:clrMapOvr>
+    <a:masterClrMapping/>
+  </p:clrMapOvr>
+</p:sld>
+</file>
+
+<file path=ppt/slides/slide39.xml><?xml version="1.0" encoding="utf-8"?>
+<p:sld xmlns:a="http://schemas.openxmlformats.org/drawingml/2006/main" xmlns:r="http://schemas.openxmlformats.org/officeDocument/2006/relationships" xmlns:p="http://schemas.openxmlformats.org/presentationml/2006/main">
+  <p:cSld>
+    <p:spTree>
+      <p:nvGrpSpPr>
+        <p:cNvPr id="1" name=""/>
+        <p:cNvGrpSpPr/>
+        <p:nvPr/>
+      </p:nvGrpSpPr>
+      <p:grpSpPr>
+        <a:xfrm>
+          <a:off x="0" y="0"/>
+          <a:ext cx="0" cy="0"/>
+          <a:chOff x="0" y="0"/>
+          <a:chExt cx="0" cy="0"/>
+        </a:xfrm>
+      </p:grpSpPr>
+      <p:sp>
+        <p:nvSpPr>
+          <p:cNvPr id="2" name="Title 1"/>
+          <p:cNvSpPr>
+            <a:spLocks noGrp="1"/>
+          </p:cNvSpPr>
+          <p:nvPr>
+            <p:ph type="title"/>
+          </p:nvPr>
+        </p:nvSpPr>
+        <p:spPr/>
+        <p:txBody>
+          <a:bodyPr/>
+          <a:lstStyle/>
+          <a:p>
+            <a:r>
+              <a:rPr lang="en-US" dirty="0" smtClean="0"/>
+              <a:t>Prime numbers</a:t>
+            </a:r>
+            <a:endParaRPr lang="en-US" dirty="0"/>
+          </a:p>
+        </p:txBody>
+      </p:sp>
+      <p:sp>
+        <p:nvSpPr>
+          <p:cNvPr id="3" name="Content Placeholder 2"/>
+          <p:cNvSpPr>
+            <a:spLocks noGrp="1"/>
+          </p:cNvSpPr>
+          <p:nvPr>
+            <p:ph sz="quarter" idx="1"/>
+          </p:nvPr>
+        </p:nvSpPr>
+        <p:spPr/>
+        <p:txBody>
+          <a:bodyPr/>
+          <a:lstStyle/>
+          <a:p>
+            <a:endParaRPr lang="en-US"/>
+          </a:p>
+        </p:txBody>
+      </p:sp>
+    </p:spTree>
+  </p:cSld>
+  <p:clrMapOvr>
+    <a:masterClrMapping/>
+  </p:clrMapOvr>
+</p:sld>
+</file>
+
+<file path=ppt/slides/slide4.xml><?xml version="1.0" encoding="utf-8"?>
+<p:sld xmlns:a="http://schemas.openxmlformats.org/drawingml/2006/main" xmlns:r="http://schemas.openxmlformats.org/officeDocument/2006/relationships" xmlns:p="http://schemas.openxmlformats.org/presentationml/2006/main">
+  <p:cSld>
+    <p:spTree>
+      <p:nvGrpSpPr>
+        <p:cNvPr id="1" name=""/>
+        <p:cNvGrpSpPr/>
+        <p:nvPr/>
+      </p:nvGrpSpPr>
+      <p:grpSpPr>
+        <a:xfrm>
+          <a:off x="0" y="0"/>
+          <a:ext cx="0" cy="0"/>
+          <a:chOff x="0" y="0"/>
+          <a:chExt cx="0" cy="0"/>
+        </a:xfrm>
+      </p:grpSpPr>
+      <p:sp>
+        <p:nvSpPr>
+          <p:cNvPr id="2" name="Title 1"/>
+          <p:cNvSpPr>
+            <a:spLocks noGrp="1"/>
+          </p:cNvSpPr>
+          <p:nvPr>
+            <p:ph type="title"/>
+          </p:nvPr>
+        </p:nvSpPr>
+        <p:spPr/>
+        <p:txBody>
+          <a:bodyPr/>
+          <a:lstStyle/>
+          <a:p>
+            <a:r>
+              <a:rPr lang="en-US" dirty="0" smtClean="0"/>
+              <a:t>Prime numbers</a:t>
+            </a:r>
+            <a:endParaRPr lang="en-US" dirty="0"/>
+          </a:p>
+        </p:txBody>
+      </p:sp>
+      <p:sp>
+        <p:nvSpPr>
+          <p:cNvPr id="3" name="Content Placeholder 2"/>
+          <p:cNvSpPr>
+            <a:spLocks noGrp="1"/>
+          </p:cNvSpPr>
+          <p:nvPr>
+            <p:ph sz="quarter" idx="1"/>
+          </p:nvPr>
+        </p:nvSpPr>
+        <p:spPr/>
+        <p:txBody>
+          <a:bodyPr/>
+          <a:lstStyle/>
+          <a:p>
+            <a:endParaRPr lang="en-US"/>
+          </a:p>
+        </p:txBody>
+      </p:sp>
+    </p:spTree>
+  </p:cSld>
+  <p:clrMapOvr>
+    <a:masterClrMapping/>
+  </p:clrMapOvr>
+</p:sld>
+</file>
+
+<file path=ppt/slides/slide40.xml><?xml version="1.0" encoding="utf-8"?>
+<p:sld xmlns:a="http://schemas.openxmlformats.org/drawingml/2006/main" xmlns:r="http://schemas.openxmlformats.org/officeDocument/2006/relationships" xmlns:p="http://schemas.openxmlformats.org/presentationml/2006/main">
+  <p:cSld>
+    <p:spTree>
+      <p:nvGrpSpPr>
+        <p:cNvPr id="1" name=""/>
+        <p:cNvGrpSpPr/>
+        <p:nvPr/>
+      </p:nvGrpSpPr>
+      <p:grpSpPr>
+        <a:xfrm>
+          <a:off x="0" y="0"/>
+          <a:ext cx="0" cy="0"/>
+          <a:chOff x="0" y="0"/>
+          <a:chExt cx="0" cy="0"/>
+        </a:xfrm>
+      </p:grpSpPr>
+      <p:sp>
+        <p:nvSpPr>
+          <p:cNvPr id="2" name="Title 1"/>
+          <p:cNvSpPr>
+            <a:spLocks noGrp="1"/>
+          </p:cNvSpPr>
+          <p:nvPr>
+            <p:ph type="title"/>
+          </p:nvPr>
+        </p:nvSpPr>
+        <p:spPr/>
+        <p:txBody>
+          <a:bodyPr/>
+          <a:lstStyle/>
+          <a:p>
+            <a:r>
+              <a:rPr lang="en-US" dirty="0" smtClean="0"/>
+              <a:t>Prime numbers</a:t>
+            </a:r>
+            <a:endParaRPr lang="en-US" dirty="0"/>
+          </a:p>
+        </p:txBody>
+      </p:sp>
+      <p:sp>
+        <p:nvSpPr>
+          <p:cNvPr id="3" name="Content Placeholder 2"/>
+          <p:cNvSpPr>
+            <a:spLocks noGrp="1"/>
+          </p:cNvSpPr>
+          <p:nvPr>
+            <p:ph sz="quarter" idx="1"/>
+          </p:nvPr>
+        </p:nvSpPr>
+        <p:spPr/>
+        <p:txBody>
+          <a:bodyPr/>
+          <a:lstStyle/>
+          <a:p>
+            <a:endParaRPr lang="en-US"/>
+          </a:p>
+        </p:txBody>
+      </p:sp>
+    </p:spTree>
+  </p:cSld>
+  <p:clrMapOvr>
+    <a:masterClrMapping/>
+  </p:clrMapOvr>
+</p:sld>
+</file>
+
+<file path=ppt/slides/slide41.xml><?xml version="1.0" encoding="utf-8"?>
+<p:sld xmlns:a="http://schemas.openxmlformats.org/drawingml/2006/main" xmlns:r="http://schemas.openxmlformats.org/officeDocument/2006/relationships" xmlns:p="http://schemas.openxmlformats.org/presentationml/2006/main">
+  <p:cSld>
+    <p:spTree>
+      <p:nvGrpSpPr>
+        <p:cNvPr id="1" name=""/>
+        <p:cNvGrpSpPr/>
+        <p:nvPr/>
+      </p:nvGrpSpPr>
+      <p:grpSpPr>
+        <a:xfrm>
+          <a:off x="0" y="0"/>
+          <a:ext cx="0" cy="0"/>
+          <a:chOff x="0" y="0"/>
+          <a:chExt cx="0" cy="0"/>
+        </a:xfrm>
+      </p:grpSpPr>
+      <p:sp>
+        <p:nvSpPr>
+          <p:cNvPr id="2" name="Title 1"/>
+          <p:cNvSpPr>
+            <a:spLocks noGrp="1"/>
+          </p:cNvSpPr>
+          <p:nvPr>
+            <p:ph type="title"/>
+          </p:nvPr>
+        </p:nvSpPr>
+        <p:spPr/>
+        <p:txBody>
+          <a:bodyPr/>
+          <a:lstStyle/>
+          <a:p>
+            <a:r>
+              <a:rPr lang="en-US" dirty="0" smtClean="0"/>
+              <a:t>Prime numbers</a:t>
+            </a:r>
+            <a:endParaRPr lang="en-US" dirty="0"/>
+          </a:p>
+        </p:txBody>
+      </p:sp>
+      <p:sp>
+        <p:nvSpPr>
+          <p:cNvPr id="3" name="Content Placeholder 2"/>
+          <p:cNvSpPr>
+            <a:spLocks noGrp="1"/>
+          </p:cNvSpPr>
+          <p:nvPr>
+            <p:ph sz="quarter" idx="1"/>
+          </p:nvPr>
+        </p:nvSpPr>
+        <p:spPr/>
+        <p:txBody>
+          <a:bodyPr/>
+          <a:lstStyle/>
+          <a:p>
+            <a:endParaRPr lang="en-US"/>
+          </a:p>
+        </p:txBody>
+      </p:sp>
+    </p:spTree>
+  </p:cSld>
+  <p:clrMapOvr>
+    <a:masterClrMapping/>
+  </p:clrMapOvr>
+</p:sld>
+</file>
+
+<file path=ppt/slides/slide42.xml><?xml version="1.0" encoding="utf-8"?>
+<p:sld xmlns:a="http://schemas.openxmlformats.org/drawingml/2006/main" xmlns:r="http://schemas.openxmlformats.org/officeDocument/2006/relationships" xmlns:p="http://schemas.openxmlformats.org/presentationml/2006/main">
+  <p:cSld>
+    <p:spTree>
+      <p:nvGrpSpPr>
+        <p:cNvPr id="1" name=""/>
+        <p:cNvGrpSpPr/>
+        <p:nvPr/>
+      </p:nvGrpSpPr>
+      <p:grpSpPr>
+        <a:xfrm>
+          <a:off x="0" y="0"/>
+          <a:ext cx="0" cy="0"/>
+          <a:chOff x="0" y="0"/>
+          <a:chExt cx="0" cy="0"/>
+        </a:xfrm>
+      </p:grpSpPr>
+      <p:sp>
+        <p:nvSpPr>
+          <p:cNvPr id="2" name="Title 1"/>
+          <p:cNvSpPr>
+            <a:spLocks noGrp="1"/>
+          </p:cNvSpPr>
+          <p:nvPr>
+            <p:ph type="title"/>
+          </p:nvPr>
+        </p:nvSpPr>
+        <p:spPr/>
+        <p:txBody>
+          <a:bodyPr/>
+          <a:lstStyle/>
+          <a:p>
+            <a:r>
+              <a:rPr lang="en-US" dirty="0" smtClean="0"/>
+              <a:t>Prime numbers</a:t>
+            </a:r>
+            <a:endParaRPr lang="en-US" dirty="0"/>
+          </a:p>
+        </p:txBody>
+      </p:sp>
+      <p:sp>
+        <p:nvSpPr>
+          <p:cNvPr id="3" name="Content Placeholder 2"/>
+          <p:cNvSpPr>
+            <a:spLocks noGrp="1"/>
+          </p:cNvSpPr>
+          <p:nvPr>
+            <p:ph sz="quarter" idx="1"/>
+          </p:nvPr>
+        </p:nvSpPr>
+        <p:spPr/>
+        <p:txBody>
+          <a:bodyPr/>
+          <a:lstStyle/>
+          <a:p>
+            <a:endParaRPr lang="en-US"/>
+          </a:p>
+        </p:txBody>
+      </p:sp>
+    </p:spTree>
+  </p:cSld>
+  <p:clrMapOvr>
+    <a:masterClrMapping/>
+  </p:clrMapOvr>
+</p:sld>
+</file>
+
+<file path=ppt/slides/slide43.xml><?xml version="1.0" encoding="utf-8"?>
+<p:sld xmlns:a="http://schemas.openxmlformats.org/drawingml/2006/main" xmlns:r="http://schemas.openxmlformats.org/officeDocument/2006/relationships" xmlns:p="http://schemas.openxmlformats.org/presentationml/2006/main">
+  <p:cSld>
+    <p:spTree>
+      <p:nvGrpSpPr>
+        <p:cNvPr id="1" name=""/>
+        <p:cNvGrpSpPr/>
+        <p:nvPr/>
+      </p:nvGrpSpPr>
+      <p:grpSpPr>
+        <a:xfrm>
+          <a:off x="0" y="0"/>
+          <a:ext cx="0" cy="0"/>
+          <a:chOff x="0" y="0"/>
+          <a:chExt cx="0" cy="0"/>
+        </a:xfrm>
+      </p:grpSpPr>
+      <p:sp>
+        <p:nvSpPr>
+          <p:cNvPr id="2" name="Title 1"/>
+          <p:cNvSpPr>
+            <a:spLocks noGrp="1"/>
+          </p:cNvSpPr>
+          <p:nvPr>
+            <p:ph type="title"/>
+          </p:nvPr>
+        </p:nvSpPr>
+        <p:spPr/>
+        <p:txBody>
+          <a:bodyPr/>
+          <a:lstStyle/>
+          <a:p>
+            <a:r>
+              <a:rPr lang="en-US" dirty="0" smtClean="0"/>
+              <a:t>Prime numbers</a:t>
+            </a:r>
+            <a:endParaRPr lang="en-US" dirty="0"/>
+          </a:p>
+        </p:txBody>
+      </p:sp>
+      <p:sp>
+        <p:nvSpPr>
+          <p:cNvPr id="3" name="Content Placeholder 2"/>
+          <p:cNvSpPr>
+            <a:spLocks noGrp="1"/>
+          </p:cNvSpPr>
+          <p:nvPr>
+            <p:ph sz="quarter" idx="1"/>
+          </p:nvPr>
+        </p:nvSpPr>
+        <p:spPr/>
+        <p:txBody>
+          <a:bodyPr/>
+          <a:lstStyle/>
+          <a:p>
+            <a:endParaRPr lang="en-US"/>
+          </a:p>
+        </p:txBody>
+      </p:sp>
+    </p:spTree>
+  </p:cSld>
+  <p:clrMapOvr>
+    <a:masterClrMapping/>
+  </p:clrMapOvr>
+</p:sld>
+</file>
+
+<file path=ppt/slides/slide44.xml><?xml version="1.0" encoding="utf-8"?>
+<p:sld xmlns:a="http://schemas.openxmlformats.org/drawingml/2006/main" xmlns:r="http://schemas.openxmlformats.org/officeDocument/2006/relationships" xmlns:p="http://schemas.openxmlformats.org/presentationml/2006/main">
+  <p:cSld>
+    <p:spTree>
+      <p:nvGrpSpPr>
+        <p:cNvPr id="1" name=""/>
+        <p:cNvGrpSpPr/>
+        <p:nvPr/>
+      </p:nvGrpSpPr>
+      <p:grpSpPr>
+        <a:xfrm>
+          <a:off x="0" y="0"/>
+          <a:ext cx="0" cy="0"/>
+          <a:chOff x="0" y="0"/>
+          <a:chExt cx="0" cy="0"/>
+        </a:xfrm>
+      </p:grpSpPr>
+      <p:sp>
+        <p:nvSpPr>
+          <p:cNvPr id="2" name="Title 1"/>
+          <p:cNvSpPr>
+            <a:spLocks noGrp="1"/>
+          </p:cNvSpPr>
+          <p:nvPr>
+            <p:ph type="title"/>
+          </p:nvPr>
+        </p:nvSpPr>
+        <p:spPr/>
+        <p:txBody>
+          <a:bodyPr/>
+          <a:lstStyle/>
+          <a:p>
+            <a:r>
+              <a:rPr lang="en-US" dirty="0" smtClean="0"/>
+              <a:t>Better way</a:t>
+            </a:r>
+            <a:endParaRPr lang="en-US" dirty="0"/>
+          </a:p>
+        </p:txBody>
+      </p:sp>
+      <p:sp>
+        <p:nvSpPr>
+          <p:cNvPr id="3" name="Content Placeholder 2"/>
+          <p:cNvSpPr>
+            <a:spLocks noGrp="1"/>
+          </p:cNvSpPr>
+          <p:nvPr>
+            <p:ph sz="quarter" idx="1"/>
+          </p:nvPr>
+        </p:nvSpPr>
+        <p:spPr/>
+        <p:txBody>
+          <a:bodyPr>
+            <a:normAutofit fontScale="62500" lnSpcReduction="20000"/>
+          </a:bodyPr>
+          <a:lstStyle/>
+          <a:p>
+            <a:r>
+              <a:rPr lang="en-US" dirty="0" smtClean="0"/>
+              <a:t>#include&lt;bits/</a:t>
+            </a:r>
+            <a:r>
+              <a:rPr lang="en-US" dirty="0" err="1" smtClean="0"/>
+              <a:t>stdc</a:t>
+            </a:r>
+            <a:r>
+              <a:rPr lang="en-US" dirty="0" smtClean="0"/>
+              <a:t>++.h&gt;</a:t>
+            </a:r>
+          </a:p>
+          <a:p>
+            <a:r>
+              <a:rPr lang="en-US" dirty="0" smtClean="0"/>
+              <a:t>using namespace std;</a:t>
+            </a:r>
+          </a:p>
+          <a:p>
+            <a:r>
+              <a:rPr lang="en-US" dirty="0" smtClean="0"/>
+              <a:t>int main()</a:t>
+            </a:r>
+          </a:p>
+          <a:p>
+            <a:r>
+              <a:rPr lang="en-US" dirty="0" smtClean="0"/>
+              <a:t>{</a:t>
+            </a:r>
+          </a:p>
+          <a:p>
+            <a:r>
+              <a:rPr lang="en-US" dirty="0" smtClean="0"/>
+              <a:t>	int n,count =0;</a:t>
+            </a:r>
+          </a:p>
+          <a:p>
+            <a:r>
+              <a:rPr lang="en-US" dirty="0" smtClean="0"/>
+              <a:t>	cin&gt;&gt;n;</a:t>
+            </a:r>
+          </a:p>
+          <a:p>
+            <a:r>
+              <a:rPr lang="en-US" dirty="0" smtClean="0"/>
+              <a:t>	for(int  </a:t>
+            </a:r>
+            <a:r>
+              <a:rPr lang="en-US" dirty="0" err="1" smtClean="0"/>
+              <a:t>i</a:t>
+            </a:r>
+            <a:r>
+              <a:rPr lang="en-US" dirty="0" smtClean="0"/>
+              <a:t>=2;i*</a:t>
+            </a:r>
+            <a:r>
+              <a:rPr lang="en-US" dirty="0" err="1" smtClean="0"/>
+              <a:t>i</a:t>
+            </a:r>
+            <a:r>
+              <a:rPr lang="en-US" dirty="0" smtClean="0"/>
+              <a:t>&lt;=</a:t>
+            </a:r>
+            <a:r>
+              <a:rPr lang="en-US" dirty="0" err="1" smtClean="0"/>
+              <a:t>n;i</a:t>
+            </a:r>
+            <a:r>
+              <a:rPr lang="en-US" dirty="0" smtClean="0"/>
+              <a:t>++)</a:t>
+            </a:r>
+          </a:p>
+          <a:p>
+            <a:r>
+              <a:rPr lang="en-US" dirty="0" smtClean="0"/>
+              <a:t>	{</a:t>
+            </a:r>
+          </a:p>
+          <a:p>
+            <a:r>
+              <a:rPr lang="en-US" dirty="0" smtClean="0"/>
+              <a:t>		if(</a:t>
+            </a:r>
+            <a:r>
+              <a:rPr lang="en-US" dirty="0" err="1" smtClean="0"/>
+              <a:t>n%i</a:t>
+            </a:r>
+            <a:r>
+              <a:rPr lang="en-US" dirty="0" smtClean="0"/>
+              <a:t>==0)</a:t>
+            </a:r>
+          </a:p>
+          <a:p>
+            <a:r>
+              <a:rPr lang="en-US" dirty="0" smtClean="0"/>
+              <a:t>		{</a:t>
+            </a:r>
+          </a:p>
+          <a:p>
+            <a:r>
+              <a:rPr lang="en-US" dirty="0" smtClean="0"/>
+              <a:t>			</a:t>
+            </a:r>
+            <a:r>
+              <a:rPr lang="en-US" dirty="0" err="1" smtClean="0"/>
+              <a:t>cout</a:t>
+            </a:r>
+            <a:r>
+              <a:rPr lang="en-US" dirty="0" smtClean="0"/>
+              <a:t>&lt;&lt;"no"&lt;&lt;</a:t>
+            </a:r>
+            <a:r>
+              <a:rPr lang="en-US" dirty="0" err="1" smtClean="0"/>
+              <a:t>endl</a:t>
+            </a:r>
+            <a:r>
+              <a:rPr lang="en-US" dirty="0" smtClean="0"/>
+              <a:t>;</a:t>
+            </a:r>
+          </a:p>
+          <a:p>
+            <a:r>
+              <a:rPr lang="en-US" dirty="0" smtClean="0"/>
+              <a:t>			exit(0);</a:t>
+            </a:r>
+          </a:p>
+          <a:p>
+            <a:r>
+              <a:rPr lang="en-US" dirty="0" smtClean="0"/>
+              <a:t>		}</a:t>
+            </a:r>
+          </a:p>
+          <a:p>
+            <a:r>
+              <a:rPr lang="en-US" dirty="0" smtClean="0"/>
+              <a:t>	}</a:t>
+            </a:r>
+          </a:p>
+          <a:p>
+            <a:r>
+              <a:rPr lang="en-US" dirty="0" smtClean="0"/>
+              <a:t>	</a:t>
+            </a:r>
+            <a:r>
+              <a:rPr lang="en-US" dirty="0" err="1" smtClean="0"/>
+              <a:t>cout</a:t>
+            </a:r>
+            <a:r>
+              <a:rPr lang="en-US" dirty="0" smtClean="0"/>
+              <a:t>&lt;&lt;"true";</a:t>
+            </a:r>
+          </a:p>
+          <a:p>
+            <a:r>
+              <a:rPr lang="en-US" dirty="0" smtClean="0"/>
+              <a:t>}</a:t>
+            </a:r>
+          </a:p>
+          <a:p>
+            <a:endParaRPr lang="en-US" dirty="0"/>
+          </a:p>
+        </p:txBody>
+      </p:sp>
+    </p:spTree>
+  </p:cSld>
+  <p:clrMapOvr>
+    <a:masterClrMapping/>
+  </p:clrMapOvr>
+</p:sld>
+</file>
+
+<file path=ppt/slides/slide45.xml><?xml version="1.0" encoding="utf-8"?>
+<p:sld xmlns:a="http://schemas.openxmlformats.org/drawingml/2006/main" xmlns:r="http://schemas.openxmlformats.org/officeDocument/2006/relationships" xmlns:p="http://schemas.openxmlformats.org/presentationml/2006/main">
+  <p:cSld>
+    <p:spTree>
+      <p:nvGrpSpPr>
+        <p:cNvPr id="1" name=""/>
+        <p:cNvGrpSpPr/>
+        <p:nvPr/>
+      </p:nvGrpSpPr>
+      <p:grpSpPr>
+        <a:xfrm>
+          <a:off x="0" y="0"/>
+          <a:ext cx="0" cy="0"/>
+          <a:chOff x="0" y="0"/>
+          <a:chExt cx="0" cy="0"/>
+        </a:xfrm>
+      </p:grpSpPr>
+      <p:sp>
+        <p:nvSpPr>
+          <p:cNvPr id="2" name="Title 1"/>
+          <p:cNvSpPr>
+            <a:spLocks noGrp="1"/>
+          </p:cNvSpPr>
+          <p:nvPr>
+            <p:ph type="title"/>
+          </p:nvPr>
+        </p:nvSpPr>
+        <p:spPr/>
+        <p:txBody>
+          <a:bodyPr/>
+          <a:lstStyle/>
+          <a:p>
+            <a:r>
+              <a:rPr lang="en-US" dirty="0" smtClean="0"/>
+              <a:t>Naïve approach</a:t>
+            </a:r>
+            <a:endParaRPr lang="en-US" dirty="0"/>
+          </a:p>
+        </p:txBody>
+      </p:sp>
+      <p:sp>
+        <p:nvSpPr>
+          <p:cNvPr id="3" name="Content Placeholder 2"/>
+          <p:cNvSpPr>
+            <a:spLocks noGrp="1"/>
+          </p:cNvSpPr>
+          <p:nvPr>
+            <p:ph sz="quarter" idx="1"/>
+          </p:nvPr>
+        </p:nvSpPr>
+        <p:spPr/>
+        <p:txBody>
+          <a:bodyPr/>
+          <a:lstStyle/>
+          <a:p>
+            <a:endParaRPr lang="en-US"/>
+          </a:p>
+        </p:txBody>
+      </p:sp>
+    </p:spTree>
+  </p:cSld>
+  <p:clrMapOvr>
+    <a:masterClrMapping/>
+  </p:clrMapOvr>
+</p:sld>
+</file>
+
+<file path=ppt/slides/slide46.xml><?xml version="1.0" encoding="utf-8"?>
+<p:sld xmlns:a="http://schemas.openxmlformats.org/drawingml/2006/main" xmlns:r="http://schemas.openxmlformats.org/officeDocument/2006/relationships" xmlns:p="http://schemas.openxmlformats.org/presentationml/2006/main">
+  <p:cSld>
+    <p:spTree>
+      <p:nvGrpSpPr>
+        <p:cNvPr id="1" name=""/>
+        <p:cNvGrpSpPr/>
+        <p:nvPr/>
+      </p:nvGrpSpPr>
+      <p:grpSpPr>
+        <a:xfrm>
+          <a:off x="0" y="0"/>
+          <a:ext cx="0" cy="0"/>
+          <a:chOff x="0" y="0"/>
+          <a:chExt cx="0" cy="0"/>
+        </a:xfrm>
+      </p:grpSpPr>
+      <p:sp>
+        <p:nvSpPr>
+          <p:cNvPr id="2" name="Title 1"/>
+          <p:cNvSpPr>
+            <a:spLocks noGrp="1"/>
+          </p:cNvSpPr>
+          <p:nvPr>
+            <p:ph type="title"/>
+          </p:nvPr>
+        </p:nvSpPr>
+        <p:spPr/>
+        <p:txBody>
+          <a:bodyPr/>
+          <a:lstStyle/>
+          <a:p>
+            <a:r>
+              <a:rPr lang="en-US" dirty="0" smtClean="0"/>
+              <a:t>Why we need sieve?</a:t>
+            </a:r>
+            <a:endParaRPr lang="en-US" dirty="0"/>
+          </a:p>
+        </p:txBody>
+      </p:sp>
+      <p:sp>
+        <p:nvSpPr>
+          <p:cNvPr id="3" name="Content Placeholder 2"/>
+          <p:cNvSpPr>
+            <a:spLocks noGrp="1"/>
+          </p:cNvSpPr>
+          <p:nvPr>
+            <p:ph sz="quarter" idx="1"/>
+          </p:nvPr>
+        </p:nvSpPr>
+        <p:spPr/>
+        <p:txBody>
+          <a:bodyPr/>
+          <a:lstStyle/>
+          <a:p>
+            <a:r>
+              <a:rPr lang="en-US" dirty="0" err="1" smtClean="0"/>
+              <a:t>Preprossing</a:t>
+            </a:r>
+            <a:r>
+              <a:rPr lang="en-US" dirty="0" smtClean="0"/>
+              <a:t> time : O(</a:t>
+            </a:r>
+            <a:r>
+              <a:rPr lang="en-US" dirty="0" err="1" smtClean="0"/>
+              <a:t>Nlog</a:t>
+            </a:r>
+            <a:r>
+              <a:rPr lang="en-US" dirty="0" smtClean="0"/>
+              <a:t>(</a:t>
+            </a:r>
+            <a:r>
+              <a:rPr lang="en-US" dirty="0" err="1" smtClean="0"/>
+              <a:t>lonN</a:t>
+            </a:r>
+            <a:r>
+              <a:rPr lang="en-US" dirty="0" smtClean="0"/>
+              <a:t>))</a:t>
+            </a:r>
+          </a:p>
+          <a:p>
+            <a:r>
+              <a:rPr lang="en-US" dirty="0" smtClean="0"/>
+              <a:t>Answers query: O(1)</a:t>
+            </a:r>
+          </a:p>
+          <a:p>
+            <a:r>
+              <a:rPr lang="en-US" dirty="0" smtClean="0"/>
+              <a:t>Extra space: O(N)</a:t>
+            </a:r>
+          </a:p>
+          <a:p>
+            <a:r>
+              <a:rPr lang="en-US" dirty="0" smtClean="0"/>
+              <a:t>Run a loop till </a:t>
+            </a:r>
+            <a:r>
+              <a:rPr lang="en-US" dirty="0" err="1" smtClean="0"/>
+              <a:t>sqrt</a:t>
+            </a:r>
+            <a:r>
+              <a:rPr lang="en-US" smtClean="0"/>
+              <a:t> of (n)</a:t>
+            </a:r>
+          </a:p>
+          <a:p>
+            <a:endParaRPr lang="en-US"/>
+          </a:p>
+        </p:txBody>
+      </p:sp>
+    </p:spTree>
+  </p:cSld>
+  <p:clrMapOvr>
+    <a:masterClrMapping/>
+  </p:clrMapOvr>
+</p:sld>
+</file>
+
+<file path=ppt/slides/slide47.xml><?xml version="1.0" encoding="utf-8"?>
+<p:sld xmlns:a="http://schemas.openxmlformats.org/drawingml/2006/main" xmlns:r="http://schemas.openxmlformats.org/officeDocument/2006/relationships" xmlns:p="http://schemas.openxmlformats.org/presentationml/2006/main">
+  <p:cSld>
+    <p:spTree>
+      <p:nvGrpSpPr>
+        <p:cNvPr id="1" name=""/>
+        <p:cNvGrpSpPr/>
+        <p:nvPr/>
+      </p:nvGrpSpPr>
+      <p:grpSpPr>
+        <a:xfrm>
+          <a:off x="0" y="0"/>
+          <a:ext cx="0" cy="0"/>
+          <a:chOff x="0" y="0"/>
+          <a:chExt cx="0" cy="0"/>
+        </a:xfrm>
+      </p:grpSpPr>
+      <p:sp>
+        <p:nvSpPr>
+          <p:cNvPr id="2" name="Title 1"/>
+          <p:cNvSpPr>
+            <a:spLocks noGrp="1"/>
+          </p:cNvSpPr>
+          <p:nvPr>
+            <p:ph type="title"/>
+          </p:nvPr>
+        </p:nvSpPr>
+        <p:spPr/>
+        <p:txBody>
+          <a:bodyPr/>
+          <a:lstStyle/>
+          <a:p>
+            <a:r>
+              <a:rPr lang="en-US" dirty="0" smtClean="0"/>
+              <a:t>sieve</a:t>
+            </a:r>
+            <a:endParaRPr lang="en-US" dirty="0"/>
+          </a:p>
+        </p:txBody>
+      </p:sp>
+      <p:sp>
+        <p:nvSpPr>
+          <p:cNvPr id="3" name="Content Placeholder 2"/>
+          <p:cNvSpPr>
+            <a:spLocks noGrp="1"/>
+          </p:cNvSpPr>
+          <p:nvPr>
+            <p:ph sz="quarter" idx="1"/>
+          </p:nvPr>
+        </p:nvSpPr>
+        <p:spPr/>
+        <p:txBody>
+          <a:bodyPr>
+            <a:noAutofit/>
+          </a:bodyPr>
+          <a:lstStyle/>
+          <a:p>
+            <a:r>
+              <a:rPr lang="en-US" sz="2400" dirty="0" smtClean="0"/>
+              <a:t>#include &lt;bits/</a:t>
+            </a:r>
+            <a:r>
+              <a:rPr lang="en-US" sz="2400" dirty="0" err="1" smtClean="0"/>
+              <a:t>stdc</a:t>
+            </a:r>
+            <a:r>
+              <a:rPr lang="en-US" sz="2400" dirty="0" smtClean="0"/>
+              <a:t>++.h&gt; </a:t>
+            </a:r>
+          </a:p>
+          <a:p>
+            <a:r>
+              <a:rPr lang="en-US" sz="2400" dirty="0" smtClean="0"/>
+              <a:t>using namespace std; </a:t>
+            </a:r>
+          </a:p>
+          <a:p>
+            <a:r>
+              <a:rPr lang="en-US" sz="2400" dirty="0" smtClean="0"/>
+              <a:t>  </a:t>
+            </a:r>
+          </a:p>
+          <a:p>
+            <a:r>
+              <a:rPr lang="en-US" sz="2400" dirty="0" smtClean="0"/>
+              <a:t>void </a:t>
+            </a:r>
+            <a:r>
+              <a:rPr lang="en-US" sz="2400" dirty="0" err="1" smtClean="0"/>
+              <a:t>SieveOfEratosthenes</a:t>
+            </a:r>
+            <a:r>
+              <a:rPr lang="en-US" sz="2400" dirty="0" smtClean="0"/>
+              <a:t>(int n) </a:t>
+            </a:r>
+          </a:p>
+          <a:p>
+            <a:r>
+              <a:rPr lang="en-US" sz="2400" dirty="0" smtClean="0"/>
+              <a:t>{ </a:t>
+            </a:r>
+          </a:p>
+          <a:p>
+            <a:r>
+              <a:rPr lang="en-US" sz="2400" dirty="0" smtClean="0"/>
+              <a:t>    </a:t>
+            </a:r>
+            <a:r>
+              <a:rPr lang="en-US" sz="2400" dirty="0" err="1" smtClean="0"/>
+              <a:t>bool</a:t>
+            </a:r>
+            <a:r>
+              <a:rPr lang="en-US" sz="2400" dirty="0" smtClean="0"/>
+              <a:t> prime[n+1]; </a:t>
+            </a:r>
+          </a:p>
+          <a:p>
+            <a:r>
+              <a:rPr lang="en-US" sz="2400" dirty="0" smtClean="0"/>
+              <a:t>    </a:t>
+            </a:r>
+            <a:r>
+              <a:rPr lang="en-US" sz="2400" dirty="0" err="1" smtClean="0"/>
+              <a:t>memset</a:t>
+            </a:r>
+            <a:r>
+              <a:rPr lang="en-US" sz="2400" dirty="0" smtClean="0"/>
+              <a:t>(prime, true, </a:t>
+            </a:r>
+            <a:r>
+              <a:rPr lang="en-US" sz="2400" dirty="0" err="1" smtClean="0"/>
+              <a:t>sizeof</a:t>
+            </a:r>
+            <a:r>
+              <a:rPr lang="en-US" sz="2400" dirty="0" smtClean="0"/>
+              <a:t>(prime)); </a:t>
+            </a:r>
+          </a:p>
+          <a:p>
+            <a:r>
+              <a:rPr lang="en-US" sz="2400" dirty="0" smtClean="0"/>
+              <a:t>  </a:t>
+            </a:r>
+          </a:p>
+          <a:p>
+            <a:r>
+              <a:rPr lang="en-US" sz="2400" dirty="0" smtClean="0"/>
+              <a:t>    for (int p=2; p*p&lt;=n; p++) </a:t>
+            </a:r>
+          </a:p>
+          <a:p>
+            <a:r>
+              <a:rPr lang="en-US" sz="2400" dirty="0" smtClean="0"/>
+              <a:t>    { </a:t>
+            </a:r>
+          </a:p>
+          <a:p>
+            <a:r>
+              <a:rPr lang="en-US" sz="2400" dirty="0" smtClean="0"/>
+              <a:t>        if (prime[p] == true) </a:t>
+            </a:r>
+          </a:p>
+          <a:p>
+            <a:r>
+              <a:rPr lang="en-US" sz="2400" dirty="0" smtClean="0"/>
+              <a:t>        { </a:t>
+            </a:r>
+          </a:p>
+          <a:p>
+            <a:r>
+              <a:rPr lang="en-US" sz="2400" dirty="0" smtClean="0"/>
+              <a:t>            for (int </a:t>
+            </a:r>
+            <a:r>
+              <a:rPr lang="en-US" sz="2400" dirty="0" err="1" smtClean="0"/>
+              <a:t>i</a:t>
+            </a:r>
+            <a:r>
+              <a:rPr lang="en-US" sz="2400" dirty="0" smtClean="0"/>
+              <a:t>=p*2; </a:t>
+            </a:r>
+            <a:r>
+              <a:rPr lang="en-US" sz="2400" dirty="0" err="1" smtClean="0"/>
+              <a:t>i</a:t>
+            </a:r>
+            <a:r>
+              <a:rPr lang="en-US" sz="2400" dirty="0" smtClean="0"/>
+              <a:t>&lt;=n; </a:t>
+            </a:r>
+            <a:r>
+              <a:rPr lang="en-US" sz="2400" dirty="0" err="1" smtClean="0"/>
+              <a:t>i</a:t>
+            </a:r>
+            <a:r>
+              <a:rPr lang="en-US" sz="2400" dirty="0" smtClean="0"/>
+              <a:t> += p) </a:t>
+            </a:r>
+          </a:p>
+          <a:p>
+            <a:r>
+              <a:rPr lang="en-US" sz="2400" dirty="0" smtClean="0"/>
+              <a:t>                prime[</a:t>
+            </a:r>
+            <a:r>
+              <a:rPr lang="en-US" sz="2400" dirty="0" err="1" smtClean="0"/>
+              <a:t>i</a:t>
+            </a:r>
+            <a:r>
+              <a:rPr lang="en-US" sz="2400" dirty="0" smtClean="0"/>
+              <a:t>] = false; </a:t>
+            </a:r>
+          </a:p>
+          <a:p>
+            <a:r>
+              <a:rPr lang="en-US" sz="2400" dirty="0" smtClean="0"/>
+              <a:t>        } </a:t>
+            </a:r>
+          </a:p>
+          <a:p>
+            <a:r>
+              <a:rPr lang="en-US" sz="2400" dirty="0" smtClean="0"/>
+              <a:t>    } </a:t>
+            </a:r>
+          </a:p>
+          <a:p>
+            <a:r>
+              <a:rPr lang="en-US" sz="2400" dirty="0" smtClean="0"/>
+              <a:t>  </a:t>
+            </a:r>
+          </a:p>
+          <a:p>
+            <a:r>
+              <a:rPr lang="en-US" sz="2400" dirty="0" smtClean="0"/>
+              <a:t>    for (int p=2; p&lt;=n; p++) </a:t>
+            </a:r>
+          </a:p>
+          <a:p>
+            <a:r>
+              <a:rPr lang="en-US" sz="2400" dirty="0" smtClean="0"/>
+              <a:t>       if (prime[p]) </a:t>
+            </a:r>
+          </a:p>
+          <a:p>
+            <a:r>
+              <a:rPr lang="en-US" sz="2400" dirty="0" smtClean="0"/>
+              <a:t>          </a:t>
+            </a:r>
+            <a:r>
+              <a:rPr lang="en-US" sz="2400" dirty="0" err="1" smtClean="0"/>
+              <a:t>cout</a:t>
+            </a:r>
+            <a:r>
+              <a:rPr lang="en-US" sz="2400" dirty="0" smtClean="0"/>
+              <a:t> &lt;&lt; p &lt;&lt; " "; </a:t>
+            </a:r>
+          </a:p>
+          <a:p>
+            <a:r>
+              <a:rPr lang="en-US" sz="2400" dirty="0" smtClean="0"/>
+              <a:t>} </a:t>
+            </a:r>
+          </a:p>
+          <a:p>
+            <a:r>
+              <a:rPr lang="en-US" sz="2400" dirty="0" smtClean="0"/>
+              <a:t>  </a:t>
+            </a:r>
+          </a:p>
+          <a:p>
+            <a:r>
+              <a:rPr lang="en-US" sz="2400" dirty="0" smtClean="0"/>
+              <a:t>int main() </a:t>
+            </a:r>
+          </a:p>
+          <a:p>
+            <a:r>
+              <a:rPr lang="en-US" sz="2400" dirty="0" smtClean="0"/>
+              <a:t>{ </a:t>
+            </a:r>
+          </a:p>
+          <a:p>
+            <a:r>
+              <a:rPr lang="en-US" sz="2400" dirty="0" smtClean="0"/>
+              <a:t>    int n; </a:t>
+            </a:r>
+          </a:p>
+          <a:p>
+            <a:r>
+              <a:rPr lang="en-US" sz="2400" dirty="0" smtClean="0"/>
+              <a:t>    cin&gt;&gt;n;</a:t>
+            </a:r>
+          </a:p>
+          <a:p>
+            <a:r>
+              <a:rPr lang="en-US" sz="2400" dirty="0" smtClean="0"/>
+              <a:t>    </a:t>
+            </a:r>
+            <a:r>
+              <a:rPr lang="en-US" sz="2400" dirty="0" err="1" smtClean="0"/>
+              <a:t>cout</a:t>
+            </a:r>
+            <a:r>
+              <a:rPr lang="en-US" sz="2400" dirty="0" smtClean="0"/>
+              <a:t> &lt;&lt; "Following are the prime numbers smaller "</a:t>
+            </a:r>
+          </a:p>
+          <a:p>
+            <a:r>
+              <a:rPr lang="en-US" sz="2400" dirty="0" smtClean="0"/>
+              <a:t>         &lt;&lt; " than or equal to " &lt;&lt; n &lt;&lt; </a:t>
+            </a:r>
+            <a:r>
+              <a:rPr lang="en-US" sz="2400" dirty="0" err="1" smtClean="0"/>
+              <a:t>endl</a:t>
+            </a:r>
+            <a:r>
+              <a:rPr lang="en-US" sz="2400" dirty="0" smtClean="0"/>
+              <a:t>; </a:t>
+            </a:r>
+          </a:p>
+          <a:p>
+            <a:r>
+              <a:rPr lang="en-US" sz="2400" dirty="0" smtClean="0"/>
+              <a:t>    </a:t>
+            </a:r>
+            <a:r>
+              <a:rPr lang="en-US" sz="2400" dirty="0" err="1" smtClean="0"/>
+              <a:t>SieveOfEratosthenes</a:t>
+            </a:r>
+            <a:r>
+              <a:rPr lang="en-US" sz="2400" dirty="0" smtClean="0"/>
+              <a:t>(n); </a:t>
+            </a:r>
+          </a:p>
+          <a:p>
+            <a:r>
+              <a:rPr lang="en-US" sz="2400" dirty="0" smtClean="0"/>
+              <a:t>    return 0; </a:t>
+            </a:r>
+          </a:p>
+          <a:p>
+            <a:r>
+              <a:rPr lang="en-US" sz="2400" dirty="0" smtClean="0"/>
+              <a:t>} </a:t>
+            </a:r>
+            <a:endParaRPr lang="en-US" sz="2400" dirty="0"/>
+          </a:p>
+        </p:txBody>
+      </p:sp>
+    </p:spTree>
+  </p:cSld>
+  <p:clrMapOvr>
+    <a:masterClrMapping/>
+  </p:clrMapOvr>
+</p:sld>
+</file>
+
+<file path=ppt/slides/slide48.xml><?xml version="1.0" encoding="utf-8"?>
+<p:sld xmlns:a="http://schemas.openxmlformats.org/drawingml/2006/main" xmlns:r="http://schemas.openxmlformats.org/officeDocument/2006/relationships" xmlns:p="http://schemas.openxmlformats.org/presentationml/2006/main">
+  <p:cSld>
+    <p:spTree>
+      <p:nvGrpSpPr>
+        <p:cNvPr id="1" name=""/>
+        <p:cNvGrpSpPr/>
+        <p:nvPr/>
+      </p:nvGrpSpPr>
+      <p:grpSpPr>
+        <a:xfrm>
+          <a:off x="0" y="0"/>
+          <a:ext cx="0" cy="0"/>
+          <a:chOff x="0" y="0"/>
+          <a:chExt cx="0" cy="0"/>
+        </a:xfrm>
+      </p:grpSpPr>
+      <p:sp>
+        <p:nvSpPr>
+          <p:cNvPr id="2" name="Title 1"/>
+          <p:cNvSpPr>
+            <a:spLocks noGrp="1"/>
+          </p:cNvSpPr>
+          <p:nvPr>
+            <p:ph type="title"/>
+          </p:nvPr>
+        </p:nvSpPr>
+        <p:spPr/>
+        <p:txBody>
+          <a:bodyPr/>
+          <a:lstStyle/>
+          <a:p>
+            <a:r>
+              <a:rPr lang="en-US" dirty="0" smtClean="0"/>
+              <a:t>Nth prime number</a:t>
+            </a:r>
+            <a:endParaRPr lang="en-US" dirty="0"/>
+          </a:p>
+        </p:txBody>
+      </p:sp>
+      <p:sp>
+        <p:nvSpPr>
+          <p:cNvPr id="3" name="Content Placeholder 2"/>
+          <p:cNvSpPr>
+            <a:spLocks noGrp="1"/>
+          </p:cNvSpPr>
+          <p:nvPr>
+            <p:ph sz="quarter" idx="1"/>
+          </p:nvPr>
+        </p:nvSpPr>
+        <p:spPr/>
+        <p:txBody>
+          <a:bodyPr>
+            <a:normAutofit fontScale="25000" lnSpcReduction="20000"/>
+          </a:bodyPr>
+          <a:lstStyle/>
+          <a:p>
+            <a:r>
+              <a:rPr lang="en-US" sz="11200" dirty="0" smtClean="0"/>
+              <a:t>#include&lt;bits/</a:t>
+            </a:r>
+            <a:r>
+              <a:rPr lang="en-US" sz="11200" dirty="0" err="1" smtClean="0"/>
+              <a:t>stdc</a:t>
+            </a:r>
+            <a:r>
+              <a:rPr lang="en-US" sz="11200" dirty="0" smtClean="0"/>
+              <a:t>++.h&gt;</a:t>
+            </a:r>
+          </a:p>
+          <a:p>
+            <a:r>
+              <a:rPr lang="en-US" sz="11200" dirty="0" smtClean="0"/>
+              <a:t>#define vi vector&lt;int&gt;</a:t>
+            </a:r>
+          </a:p>
+          <a:p>
+            <a:r>
+              <a:rPr lang="en-US" sz="11200" dirty="0" smtClean="0"/>
+              <a:t>using namespace std;</a:t>
+            </a:r>
+          </a:p>
+          <a:p>
+            <a:r>
+              <a:rPr lang="en-US" sz="9600" dirty="0" smtClean="0"/>
+              <a:t>vi primes;</a:t>
+            </a:r>
+          </a:p>
+          <a:p>
+            <a:r>
+              <a:rPr lang="en-US" sz="9600" dirty="0" smtClean="0"/>
+              <a:t>	</a:t>
+            </a:r>
+            <a:r>
+              <a:rPr lang="en-US" sz="9600" dirty="0" err="1" smtClean="0"/>
+              <a:t>bool</a:t>
+            </a:r>
+            <a:r>
+              <a:rPr lang="en-US" sz="9600" dirty="0" smtClean="0"/>
+              <a:t> </a:t>
+            </a:r>
+            <a:r>
+              <a:rPr lang="en-US" sz="9600" dirty="0" err="1" smtClean="0"/>
+              <a:t>ar</a:t>
+            </a:r>
+            <a:r>
+              <a:rPr lang="en-US" sz="9600" dirty="0" smtClean="0"/>
+              <a:t>[90000001];</a:t>
+            </a:r>
+          </a:p>
+          <a:p>
+            <a:r>
+              <a:rPr lang="en-US" sz="9600" dirty="0" smtClean="0"/>
+              <a:t>void sieve()</a:t>
+            </a:r>
+          </a:p>
+          <a:p>
+            <a:r>
+              <a:rPr lang="en-US" sz="9600" dirty="0" smtClean="0"/>
+              <a:t>{</a:t>
+            </a:r>
+          </a:p>
+          <a:p>
+            <a:r>
+              <a:rPr lang="en-US" sz="9600" dirty="0" smtClean="0"/>
+              <a:t>	</a:t>
+            </a:r>
+          </a:p>
+          <a:p>
+            <a:r>
+              <a:rPr lang="en-US" sz="9600" dirty="0" smtClean="0"/>
+              <a:t>	long </a:t>
+            </a:r>
+            <a:r>
+              <a:rPr lang="en-US" sz="9600" dirty="0" err="1" smtClean="0"/>
+              <a:t>long</a:t>
+            </a:r>
+            <a:r>
+              <a:rPr lang="en-US" sz="9600" dirty="0" smtClean="0"/>
+              <a:t> </a:t>
+            </a:r>
+            <a:r>
+              <a:rPr lang="en-US" sz="9600" dirty="0" err="1" smtClean="0"/>
+              <a:t>maxn</a:t>
+            </a:r>
+            <a:r>
+              <a:rPr lang="en-US" sz="9600" dirty="0" smtClean="0"/>
+              <a:t>=9000000;</a:t>
+            </a:r>
+          </a:p>
+          <a:p>
+            <a:r>
+              <a:rPr lang="en-US" sz="9600" dirty="0" smtClean="0"/>
+              <a:t>	</a:t>
+            </a:r>
+            <a:r>
+              <a:rPr lang="en-US" sz="9600" dirty="0" err="1" smtClean="0"/>
+              <a:t>ar</a:t>
+            </a:r>
+            <a:r>
+              <a:rPr lang="en-US" sz="9600" dirty="0" smtClean="0"/>
+              <a:t>[0]=</a:t>
+            </a:r>
+            <a:r>
+              <a:rPr lang="en-US" sz="9600" dirty="0" err="1" smtClean="0"/>
+              <a:t>ar</a:t>
+            </a:r>
+            <a:r>
+              <a:rPr lang="en-US" sz="9600" dirty="0" smtClean="0"/>
+              <a:t>[1]=true;</a:t>
+            </a:r>
+          </a:p>
+          <a:p>
+            <a:r>
+              <a:rPr lang="en-US" sz="9600" dirty="0" smtClean="0"/>
+              <a:t>	for(int </a:t>
+            </a:r>
+            <a:r>
+              <a:rPr lang="en-US" sz="9600" dirty="0" err="1" smtClean="0"/>
+              <a:t>i</a:t>
+            </a:r>
+            <a:r>
+              <a:rPr lang="en-US" sz="9600" dirty="0" smtClean="0"/>
+              <a:t>=1;i*</a:t>
+            </a:r>
+            <a:r>
+              <a:rPr lang="en-US" sz="9600" dirty="0" err="1" smtClean="0"/>
+              <a:t>i</a:t>
+            </a:r>
+            <a:r>
+              <a:rPr lang="en-US" sz="9600" dirty="0" smtClean="0"/>
+              <a:t>&lt;=</a:t>
+            </a:r>
+            <a:r>
+              <a:rPr lang="en-US" sz="9600" dirty="0" err="1" smtClean="0"/>
+              <a:t>maxn;i</a:t>
+            </a:r>
+            <a:r>
+              <a:rPr lang="en-US" sz="9600" dirty="0" smtClean="0"/>
+              <a:t>++)</a:t>
+            </a:r>
+          </a:p>
+          <a:p>
+            <a:r>
+              <a:rPr lang="en-US" sz="9600" dirty="0" smtClean="0"/>
+              <a:t>	{</a:t>
+            </a:r>
+          </a:p>
+          <a:p>
+            <a:r>
+              <a:rPr lang="en-US" dirty="0" smtClean="0"/>
+              <a:t>		</a:t>
+            </a:r>
+            <a:endParaRPr lang="en-US" dirty="0"/>
+          </a:p>
+        </p:txBody>
+      </p:sp>
+    </p:spTree>
+  </p:cSld>
+  <p:clrMapOvr>
+    <a:masterClrMapping/>
+  </p:clrMapOvr>
+</p:sld>
+</file>
+
+<file path=ppt/slides/slide49.xml><?xml version="1.0" encoding="utf-8"?>
+<p:sld xmlns:a="http://schemas.openxmlformats.org/drawingml/2006/main" xmlns:r="http://schemas.openxmlformats.org/officeDocument/2006/relationships" xmlns:p="http://schemas.openxmlformats.org/presentationml/2006/main">
+  <p:cSld>
+    <p:spTree>
+      <p:nvGrpSpPr>
+        <p:cNvPr id="1" name=""/>
+        <p:cNvGrpSpPr/>
+        <p:nvPr/>
+      </p:nvGrpSpPr>
+      <p:grpSpPr>
+        <a:xfrm>
+          <a:off x="0" y="0"/>
+          <a:ext cx="0" cy="0"/>
+          <a:chOff x="0" y="0"/>
+          <a:chExt cx="0" cy="0"/>
+        </a:xfrm>
+      </p:grpSpPr>
+      <p:sp>
+        <p:nvSpPr>
+          <p:cNvPr id="2" name="Title 1"/>
+          <p:cNvSpPr>
+            <a:spLocks noGrp="1"/>
+          </p:cNvSpPr>
+          <p:nvPr>
+            <p:ph type="title"/>
+          </p:nvPr>
+        </p:nvSpPr>
+        <p:spPr/>
+        <p:txBody>
+          <a:bodyPr/>
+          <a:lstStyle/>
+          <a:p>
+            <a:endParaRPr lang="en-US" dirty="0"/>
+          </a:p>
+        </p:txBody>
+      </p:sp>
+      <p:sp>
+        <p:nvSpPr>
+          <p:cNvPr id="3" name="Content Placeholder 2"/>
+          <p:cNvSpPr>
+            <a:spLocks noGrp="1"/>
+          </p:cNvSpPr>
+          <p:nvPr>
+            <p:ph sz="quarter" idx="1"/>
+          </p:nvPr>
+        </p:nvSpPr>
+        <p:spPr>
+          <a:xfrm>
+            <a:off x="914400" y="1447800"/>
+            <a:ext cx="7772400" cy="5105400"/>
+          </a:xfrm>
+        </p:spPr>
+        <p:txBody>
+          <a:bodyPr>
+            <a:normAutofit fontScale="25000" lnSpcReduction="20000"/>
+          </a:bodyPr>
+          <a:lstStyle/>
+          <a:p>
+            <a:r>
+              <a:rPr lang="en-US" sz="9600" dirty="0" smtClean="0"/>
+              <a:t>if(</a:t>
+            </a:r>
+            <a:r>
+              <a:rPr lang="en-US" sz="9600" dirty="0" err="1" smtClean="0"/>
+              <a:t>ar</a:t>
+            </a:r>
+            <a:r>
+              <a:rPr lang="en-US" sz="9600" dirty="0" smtClean="0"/>
+              <a:t>[</a:t>
+            </a:r>
+            <a:r>
+              <a:rPr lang="en-US" sz="9600" dirty="0" err="1" smtClean="0"/>
+              <a:t>i</a:t>
+            </a:r>
+            <a:r>
+              <a:rPr lang="en-US" sz="9600" dirty="0" smtClean="0"/>
+              <a:t>]==false)</a:t>
+            </a:r>
+          </a:p>
+          <a:p>
+            <a:r>
+              <a:rPr lang="en-US" sz="9600" dirty="0" smtClean="0"/>
+              <a:t>		{</a:t>
+            </a:r>
+          </a:p>
+          <a:p>
+            <a:r>
+              <a:rPr lang="en-US" sz="9600" dirty="0" smtClean="0"/>
+              <a:t>			for(int j=</a:t>
+            </a:r>
+            <a:r>
+              <a:rPr lang="en-US" sz="9600" dirty="0" err="1" smtClean="0"/>
+              <a:t>i</a:t>
+            </a:r>
+            <a:r>
+              <a:rPr lang="en-US" sz="9600" dirty="0" smtClean="0"/>
+              <a:t>*</a:t>
+            </a:r>
+            <a:r>
+              <a:rPr lang="en-US" sz="9600" dirty="0" err="1" smtClean="0"/>
+              <a:t>i;j</a:t>
+            </a:r>
+            <a:r>
+              <a:rPr lang="en-US" sz="9600" dirty="0" smtClean="0"/>
+              <a:t>&lt;=</a:t>
+            </a:r>
+            <a:r>
+              <a:rPr lang="en-US" sz="9600" dirty="0" err="1" smtClean="0"/>
+              <a:t>maxn;j</a:t>
+            </a:r>
+            <a:r>
+              <a:rPr lang="en-US" sz="9600" dirty="0" smtClean="0"/>
+              <a:t>+=</a:t>
+            </a:r>
+            <a:r>
+              <a:rPr lang="en-US" sz="9600" dirty="0" err="1" smtClean="0"/>
+              <a:t>i</a:t>
+            </a:r>
+            <a:r>
+              <a:rPr lang="en-US" sz="9600" dirty="0" smtClean="0"/>
+              <a:t>)</a:t>
+            </a:r>
+          </a:p>
+          <a:p>
+            <a:r>
+              <a:rPr lang="en-US" sz="9600" dirty="0" smtClean="0"/>
+              <a:t>			{</a:t>
+            </a:r>
+          </a:p>
+          <a:p>
+            <a:r>
+              <a:rPr lang="en-US" sz="9600" dirty="0" smtClean="0"/>
+              <a:t>				</a:t>
+            </a:r>
+            <a:r>
+              <a:rPr lang="en-US" sz="9600" dirty="0" err="1" smtClean="0"/>
+              <a:t>ar</a:t>
+            </a:r>
+            <a:r>
+              <a:rPr lang="en-US" sz="9600" dirty="0" smtClean="0"/>
+              <a:t>[j]=true;</a:t>
+            </a:r>
+          </a:p>
+          <a:p>
+            <a:r>
+              <a:rPr lang="en-US" sz="9600" dirty="0" smtClean="0"/>
+              <a:t>			}</a:t>
+            </a:r>
+          </a:p>
+          <a:p>
+            <a:r>
+              <a:rPr lang="en-US" sz="9600" dirty="0" smtClean="0"/>
+              <a:t>		}</a:t>
+            </a:r>
+          </a:p>
+          <a:p>
+            <a:r>
+              <a:rPr lang="en-US" sz="9600" dirty="0" smtClean="0"/>
+              <a:t>	}</a:t>
+            </a:r>
+          </a:p>
+          <a:p>
+            <a:r>
+              <a:rPr lang="en-US" sz="9600" dirty="0" smtClean="0"/>
+              <a:t>	for(int </a:t>
+            </a:r>
+            <a:r>
+              <a:rPr lang="en-US" sz="9600" dirty="0" err="1" smtClean="0"/>
+              <a:t>i</a:t>
+            </a:r>
+            <a:r>
+              <a:rPr lang="en-US" sz="9600" dirty="0" smtClean="0"/>
+              <a:t>=2;i&lt;=</a:t>
+            </a:r>
+            <a:r>
+              <a:rPr lang="en-US" sz="9600" dirty="0" err="1" smtClean="0"/>
+              <a:t>maxn;i</a:t>
+            </a:r>
+            <a:r>
+              <a:rPr lang="en-US" sz="9600" dirty="0" smtClean="0"/>
+              <a:t>++)</a:t>
+            </a:r>
+          </a:p>
+          <a:p>
+            <a:r>
+              <a:rPr lang="en-US" sz="9600" dirty="0" smtClean="0"/>
+              <a:t>	{</a:t>
+            </a:r>
+          </a:p>
+          <a:p>
+            <a:r>
+              <a:rPr lang="en-US" sz="9600" dirty="0" smtClean="0"/>
+              <a:t>		if(</a:t>
+            </a:r>
+            <a:r>
+              <a:rPr lang="en-US" sz="9600" dirty="0" err="1" smtClean="0"/>
+              <a:t>ar</a:t>
+            </a:r>
+            <a:r>
+              <a:rPr lang="en-US" sz="9600" dirty="0" smtClean="0"/>
+              <a:t>[</a:t>
+            </a:r>
+            <a:r>
+              <a:rPr lang="en-US" sz="9600" dirty="0" err="1" smtClean="0"/>
+              <a:t>i</a:t>
+            </a:r>
+            <a:r>
+              <a:rPr lang="en-US" sz="9600" dirty="0" smtClean="0"/>
+              <a:t>]==false)</a:t>
+            </a:r>
+          </a:p>
+          <a:p>
+            <a:r>
+              <a:rPr lang="en-US" sz="9600" dirty="0" smtClean="0"/>
+              <a:t>		</a:t>
+            </a:r>
+            <a:r>
+              <a:rPr lang="en-US" sz="9600" dirty="0" err="1" smtClean="0"/>
+              <a:t>primes.push_back</a:t>
+            </a:r>
+            <a:r>
+              <a:rPr lang="en-US" sz="9600" dirty="0" smtClean="0"/>
+              <a:t>(</a:t>
+            </a:r>
+            <a:r>
+              <a:rPr lang="en-US" sz="9600" dirty="0" err="1" smtClean="0"/>
+              <a:t>i</a:t>
+            </a:r>
+            <a:r>
+              <a:rPr lang="en-US" sz="9600" dirty="0" smtClean="0"/>
+              <a:t>);</a:t>
+            </a:r>
+          </a:p>
+          <a:p>
+            <a:r>
+              <a:rPr lang="en-US" sz="9600" dirty="0" smtClean="0"/>
+              <a:t>	}</a:t>
+            </a:r>
+          </a:p>
+          <a:p>
+            <a:r>
+              <a:rPr lang="en-US" dirty="0" smtClean="0"/>
+              <a:t>	</a:t>
+            </a:r>
+          </a:p>
+        </p:txBody>
+      </p:sp>
+    </p:spTree>
+  </p:cSld>
+  <p:clrMapOvr>
+    <a:masterClrMapping/>
+  </p:clrMapOvr>
+</p:sld>
+</file>
+
+<file path=ppt/slides/slide5.xml><?xml version="1.0" encoding="utf-8"?>
+<p:sld xmlns:a="http://schemas.openxmlformats.org/drawingml/2006/main" xmlns:r="http://schemas.openxmlformats.org/officeDocument/2006/relationships" xmlns:p="http://schemas.openxmlformats.org/presentationml/2006/main">
+  <p:cSld>
+    <p:spTree>
+      <p:nvGrpSpPr>
+        <p:cNvPr id="1" name=""/>
+        <p:cNvGrpSpPr/>
+        <p:nvPr/>
+      </p:nvGrpSpPr>
+      <p:grpSpPr>
+        <a:xfrm>
+          <a:off x="0" y="0"/>
+          <a:ext cx="0" cy="0"/>
+          <a:chOff x="0" y="0"/>
+          <a:chExt cx="0" cy="0"/>
+        </a:xfrm>
+      </p:grpSpPr>
+      <p:sp>
+        <p:nvSpPr>
+          <p:cNvPr id="2" name="Title 1"/>
+          <p:cNvSpPr>
+            <a:spLocks noGrp="1"/>
+          </p:cNvSpPr>
+          <p:nvPr>
+            <p:ph type="title"/>
+          </p:nvPr>
+        </p:nvSpPr>
+        <p:spPr/>
+        <p:txBody>
+          <a:bodyPr/>
+          <a:lstStyle/>
+          <a:p>
+            <a:r>
+              <a:rPr lang="en-US" dirty="0" smtClean="0"/>
+              <a:t>Prime numbers</a:t>
+            </a:r>
+            <a:endParaRPr lang="en-US" dirty="0"/>
+          </a:p>
+        </p:txBody>
+      </p:sp>
+      <p:sp>
+        <p:nvSpPr>
+          <p:cNvPr id="3" name="Content Placeholder 2"/>
+          <p:cNvSpPr>
+            <a:spLocks noGrp="1"/>
+          </p:cNvSpPr>
+          <p:nvPr>
+            <p:ph sz="quarter" idx="1"/>
+          </p:nvPr>
+        </p:nvSpPr>
+        <p:spPr/>
+        <p:txBody>
+          <a:bodyPr/>
+          <a:lstStyle/>
+          <a:p>
+            <a:endParaRPr lang="en-US"/>
+          </a:p>
+        </p:txBody>
+      </p:sp>
+    </p:spTree>
+  </p:cSld>
+  <p:clrMapOvr>
+    <a:masterClrMapping/>
+  </p:clrMapOvr>
+</p:sld>
+</file>
+
+<file path=ppt/slides/slide50.xml><?xml version="1.0" encoding="utf-8"?>
+<p:sld xmlns:a="http://schemas.openxmlformats.org/drawingml/2006/main" xmlns:r="http://schemas.openxmlformats.org/officeDocument/2006/relationships" xmlns:p="http://schemas.openxmlformats.org/presentationml/2006/main">
+  <p:cSld>
+    <p:spTree>
+      <p:nvGrpSpPr>
+        <p:cNvPr id="1" name=""/>
+        <p:cNvGrpSpPr/>
+        <p:nvPr/>
+      </p:nvGrpSpPr>
+      <p:grpSpPr>
+        <a:xfrm>
+          <a:off x="0" y="0"/>
+          <a:ext cx="0" cy="0"/>
+          <a:chOff x="0" y="0"/>
+          <a:chExt cx="0" cy="0"/>
+        </a:xfrm>
+      </p:grpSpPr>
+      <p:sp>
+        <p:nvSpPr>
+          <p:cNvPr id="2" name="Title 1"/>
+          <p:cNvSpPr>
+            <a:spLocks noGrp="1"/>
+          </p:cNvSpPr>
+          <p:nvPr>
+            <p:ph type="title"/>
+          </p:nvPr>
+        </p:nvSpPr>
+        <p:spPr/>
+        <p:txBody>
+          <a:bodyPr/>
+          <a:lstStyle/>
+          <a:p>
+            <a:endParaRPr lang="en-US"/>
+          </a:p>
+        </p:txBody>
+      </p:sp>
+      <p:sp>
+        <p:nvSpPr>
+          <p:cNvPr id="3" name="Content Placeholder 2"/>
+          <p:cNvSpPr>
+            <a:spLocks noGrp="1"/>
+          </p:cNvSpPr>
+          <p:nvPr>
+            <p:ph sz="quarter" idx="1"/>
+          </p:nvPr>
+        </p:nvSpPr>
+        <p:spPr/>
+        <p:txBody>
+          <a:bodyPr>
+            <a:normAutofit fontScale="77500" lnSpcReduction="20000"/>
+          </a:bodyPr>
+          <a:lstStyle/>
+          <a:p>
+            <a:r>
+              <a:rPr lang="en-US" dirty="0" smtClean="0"/>
+              <a:t>}</a:t>
+            </a:r>
+          </a:p>
+          <a:p>
+            <a:r>
+              <a:rPr lang="en-US" dirty="0" smtClean="0"/>
+              <a:t>int main()</a:t>
+            </a:r>
+          </a:p>
+          <a:p>
+            <a:r>
+              <a:rPr lang="en-US" dirty="0" smtClean="0"/>
+              <a:t>{</a:t>
+            </a:r>
+          </a:p>
+          <a:p>
+            <a:r>
+              <a:rPr lang="en-US" dirty="0" smtClean="0"/>
+              <a:t>	int q;</a:t>
+            </a:r>
+          </a:p>
+          <a:p>
+            <a:r>
+              <a:rPr lang="en-US" dirty="0" smtClean="0"/>
+              <a:t>	long </a:t>
+            </a:r>
+            <a:r>
+              <a:rPr lang="en-US" dirty="0" err="1" smtClean="0"/>
+              <a:t>long</a:t>
+            </a:r>
+            <a:r>
+              <a:rPr lang="en-US" dirty="0" smtClean="0"/>
+              <a:t> n;</a:t>
+            </a:r>
+          </a:p>
+          <a:p>
+            <a:r>
+              <a:rPr lang="en-US" dirty="0" smtClean="0"/>
+              <a:t>	cin&gt;&gt;q;</a:t>
+            </a:r>
+          </a:p>
+          <a:p>
+            <a:r>
+              <a:rPr lang="en-US" dirty="0" smtClean="0"/>
+              <a:t>	sieve();</a:t>
+            </a:r>
+          </a:p>
+          <a:p>
+            <a:r>
+              <a:rPr lang="en-US" dirty="0" smtClean="0"/>
+              <a:t>	while(q--)</a:t>
+            </a:r>
+          </a:p>
+          <a:p>
+            <a:r>
+              <a:rPr lang="en-US" dirty="0" smtClean="0"/>
+              <a:t>	{</a:t>
+            </a:r>
+          </a:p>
+          <a:p>
+            <a:r>
+              <a:rPr lang="en-US" dirty="0" smtClean="0"/>
+              <a:t>		cin&gt;&gt;n;</a:t>
+            </a:r>
+          </a:p>
+          <a:p>
+            <a:r>
+              <a:rPr lang="en-US" dirty="0" smtClean="0"/>
+              <a:t>		</a:t>
+            </a:r>
+            <a:r>
+              <a:rPr lang="en-US" dirty="0" err="1" smtClean="0"/>
+              <a:t>cout</a:t>
+            </a:r>
+            <a:r>
+              <a:rPr lang="en-US" dirty="0" smtClean="0"/>
+              <a:t>&lt;&lt;primes[n-1]&lt;&lt;</a:t>
+            </a:r>
+            <a:r>
+              <a:rPr lang="en-US" dirty="0" err="1" smtClean="0"/>
+              <a:t>endl</a:t>
+            </a:r>
+            <a:r>
+              <a:rPr lang="en-US" dirty="0" smtClean="0"/>
+              <a:t>;</a:t>
+            </a:r>
+          </a:p>
+          <a:p>
+            <a:r>
+              <a:rPr lang="en-US" dirty="0" smtClean="0"/>
+              <a:t>	}</a:t>
+            </a:r>
+          </a:p>
+          <a:p>
+            <a:r>
+              <a:rPr lang="en-US" dirty="0" smtClean="0"/>
+              <a:t>	return 0;</a:t>
+            </a:r>
+          </a:p>
+          <a:p>
+            <a:r>
+              <a:rPr lang="en-US" dirty="0" smtClean="0"/>
+              <a:t>}</a:t>
+            </a:r>
+          </a:p>
+          <a:p>
+            <a:endParaRPr lang="en-US" dirty="0" smtClean="0"/>
+          </a:p>
+          <a:p>
+            <a:endParaRPr lang="en-US" dirty="0"/>
+          </a:p>
+        </p:txBody>
+      </p:sp>
+    </p:spTree>
+  </p:cSld>
+  <p:clrMapOvr>
+    <a:masterClrMapping/>
+  </p:clrMapOvr>
+</p:sld>
+</file>
+
+<file path=ppt/slides/slide51.xml><?xml version="1.0" encoding="utf-8"?>
+<p:sld xmlns:a="http://schemas.openxmlformats.org/drawingml/2006/main" xmlns:r="http://schemas.openxmlformats.org/officeDocument/2006/relationships" xmlns:p="http://schemas.openxmlformats.org/presentationml/2006/main">
+  <p:cSld>
+    <p:spTree>
+      <p:nvGrpSpPr>
+        <p:cNvPr id="1" name=""/>
+        <p:cNvGrpSpPr/>
+        <p:nvPr/>
+      </p:nvGrpSpPr>
+      <p:grpSpPr>
+        <a:xfrm>
+          <a:off x="0" y="0"/>
+          <a:ext cx="0" cy="0"/>
+          <a:chOff x="0" y="0"/>
+          <a:chExt cx="0" cy="0"/>
+        </a:xfrm>
+      </p:grpSpPr>
+      <p:sp>
+        <p:nvSpPr>
+          <p:cNvPr id="3" name="Content Placeholder 2"/>
+          <p:cNvSpPr>
+            <a:spLocks noGrp="1"/>
+          </p:cNvSpPr>
+          <p:nvPr>
+            <p:ph sz="quarter" idx="1"/>
+          </p:nvPr>
+        </p:nvSpPr>
+        <p:spPr>
+          <a:xfrm>
+            <a:off x="914400" y="381000"/>
+            <a:ext cx="7772400" cy="5638800"/>
+          </a:xfrm>
+        </p:spPr>
+        <p:txBody>
+          <a:bodyPr>
+            <a:normAutofit fontScale="85000" lnSpcReduction="20000"/>
+          </a:bodyPr>
+          <a:lstStyle/>
+          <a:p>
+            <a:r>
+              <a:rPr lang="en-US" dirty="0" smtClean="0"/>
+              <a:t>/Binary Exponentiation</a:t>
+            </a:r>
+          </a:p>
+          <a:p>
+            <a:endParaRPr lang="en-US" dirty="0" smtClean="0"/>
+          </a:p>
+          <a:p>
+            <a:endParaRPr lang="en-US" dirty="0" smtClean="0"/>
+          </a:p>
+          <a:p>
+            <a:r>
+              <a:rPr lang="en-US" dirty="0" smtClean="0"/>
+              <a:t>#include&lt;bits/</a:t>
+            </a:r>
+            <a:r>
+              <a:rPr lang="en-US" dirty="0" err="1" smtClean="0"/>
+              <a:t>stdc</a:t>
+            </a:r>
+            <a:r>
+              <a:rPr lang="en-US" dirty="0" smtClean="0"/>
+              <a:t>++.h&gt;</a:t>
+            </a:r>
+          </a:p>
+          <a:p>
+            <a:r>
+              <a:rPr lang="en-US" dirty="0" smtClean="0"/>
+              <a:t>using namespace std;</a:t>
+            </a:r>
+          </a:p>
+          <a:p>
+            <a:r>
+              <a:rPr lang="en-US" dirty="0" smtClean="0"/>
+              <a:t>void power(int </a:t>
+            </a:r>
+            <a:r>
+              <a:rPr lang="en-US" dirty="0" err="1" smtClean="0"/>
+              <a:t>n,int</a:t>
+            </a:r>
+            <a:r>
+              <a:rPr lang="en-US" dirty="0" smtClean="0"/>
+              <a:t> base)</a:t>
+            </a:r>
+          </a:p>
+          <a:p>
+            <a:r>
+              <a:rPr lang="en-US" dirty="0" smtClean="0"/>
+              <a:t>{</a:t>
+            </a:r>
+          </a:p>
+          <a:p>
+            <a:r>
+              <a:rPr lang="en-US" dirty="0" smtClean="0"/>
+              <a:t>	int res=1;</a:t>
+            </a:r>
+          </a:p>
+          <a:p>
+            <a:r>
+              <a:rPr lang="en-US" dirty="0" smtClean="0"/>
+              <a:t>	while(n)</a:t>
+            </a:r>
+          </a:p>
+          <a:p>
+            <a:r>
+              <a:rPr lang="en-US" dirty="0" smtClean="0"/>
+              <a:t>	{</a:t>
+            </a:r>
+          </a:p>
+          <a:p>
+            <a:r>
+              <a:rPr lang="en-US" dirty="0" smtClean="0"/>
+              <a:t>		if(n%2)</a:t>
+            </a:r>
+          </a:p>
+          <a:p>
+            <a:r>
+              <a:rPr lang="en-US" dirty="0" smtClean="0"/>
+              <a:t>		{</a:t>
+            </a:r>
+          </a:p>
+          <a:p>
+            <a:r>
+              <a:rPr lang="en-US" dirty="0" smtClean="0"/>
+              <a:t>			res*=base;</a:t>
+            </a:r>
+          </a:p>
+          <a:p>
+            <a:r>
+              <a:rPr lang="en-US" dirty="0" smtClean="0"/>
+              <a:t>			n--;</a:t>
+            </a:r>
+          </a:p>
+          <a:p>
+            <a:r>
+              <a:rPr lang="en-US" dirty="0" smtClean="0"/>
+              <a:t>		</a:t>
+            </a:r>
+            <a:endParaRPr lang="en-US" dirty="0"/>
+          </a:p>
+        </p:txBody>
+      </p:sp>
+    </p:spTree>
+  </p:cSld>
+  <p:clrMapOvr>
+    <a:masterClrMapping/>
+  </p:clrMapOvr>
+</p:sld>
+</file>
+
+<file path=ppt/slides/slide52.xml><?xml version="1.0" encoding="utf-8"?>
+<p:sld xmlns:a="http://schemas.openxmlformats.org/drawingml/2006/main" xmlns:r="http://schemas.openxmlformats.org/officeDocument/2006/relationships" xmlns:p="http://schemas.openxmlformats.org/presentationml/2006/main">
+  <p:cSld>
+    <p:spTree>
+      <p:nvGrpSpPr>
+        <p:cNvPr id="1" name=""/>
+        <p:cNvGrpSpPr/>
+        <p:nvPr/>
+      </p:nvGrpSpPr>
+      <p:grpSpPr>
+        <a:xfrm>
+          <a:off x="0" y="0"/>
+          <a:ext cx="0" cy="0"/>
+          <a:chOff x="0" y="0"/>
+          <a:chExt cx="0" cy="0"/>
+        </a:xfrm>
+      </p:grpSpPr>
+      <p:sp>
+        <p:nvSpPr>
+          <p:cNvPr id="3" name="Content Placeholder 2"/>
+          <p:cNvSpPr>
+            <a:spLocks noGrp="1"/>
+          </p:cNvSpPr>
+          <p:nvPr>
+            <p:ph sz="quarter" idx="1"/>
+          </p:nvPr>
+        </p:nvSpPr>
+        <p:spPr>
+          <a:xfrm>
+            <a:off x="914400" y="381000"/>
+            <a:ext cx="7772400" cy="5638800"/>
+          </a:xfrm>
+        </p:spPr>
+        <p:txBody>
+          <a:bodyPr>
+            <a:normAutofit fontScale="85000" lnSpcReduction="20000"/>
+          </a:bodyPr>
+          <a:lstStyle/>
+          <a:p>
+            <a:r>
+              <a:rPr lang="en-US" dirty="0" smtClean="0"/>
+              <a:t>}</a:t>
+            </a:r>
+          </a:p>
+          <a:p>
+            <a:r>
+              <a:rPr lang="en-US" dirty="0" smtClean="0"/>
+              <a:t>		else</a:t>
+            </a:r>
+          </a:p>
+          <a:p>
+            <a:r>
+              <a:rPr lang="en-US" dirty="0" smtClean="0"/>
+              <a:t>		{</a:t>
+            </a:r>
+          </a:p>
+          <a:p>
+            <a:r>
+              <a:rPr lang="en-US" dirty="0" smtClean="0"/>
+              <a:t>			base*=base;</a:t>
+            </a:r>
+          </a:p>
+          <a:p>
+            <a:r>
+              <a:rPr lang="en-US" dirty="0" smtClean="0"/>
+              <a:t>			n/=2;</a:t>
+            </a:r>
+          </a:p>
+          <a:p>
+            <a:r>
+              <a:rPr lang="en-US" dirty="0" smtClean="0"/>
+              <a:t>		}</a:t>
+            </a:r>
+          </a:p>
+          <a:p>
+            <a:r>
+              <a:rPr lang="en-US" dirty="0" smtClean="0"/>
+              <a:t>	}</a:t>
+            </a:r>
+          </a:p>
+          <a:p>
+            <a:r>
+              <a:rPr lang="en-US" dirty="0" smtClean="0"/>
+              <a:t>	</a:t>
+            </a:r>
+            <a:r>
+              <a:rPr lang="en-US" dirty="0" err="1" smtClean="0"/>
+              <a:t>cout</a:t>
+            </a:r>
+            <a:r>
+              <a:rPr lang="en-US" dirty="0" smtClean="0"/>
+              <a:t>&lt;&lt;res;</a:t>
+            </a:r>
+          </a:p>
+          <a:p>
+            <a:r>
+              <a:rPr lang="en-US" dirty="0" smtClean="0"/>
+              <a:t>}</a:t>
+            </a:r>
+          </a:p>
+          <a:p>
+            <a:r>
+              <a:rPr lang="en-US" dirty="0" smtClean="0"/>
+              <a:t>int main()</a:t>
+            </a:r>
+          </a:p>
+          <a:p>
+            <a:r>
+              <a:rPr lang="en-US" dirty="0" smtClean="0"/>
+              <a:t>{</a:t>
+            </a:r>
+          </a:p>
+          <a:p>
+            <a:r>
+              <a:rPr lang="en-US" dirty="0" smtClean="0"/>
+              <a:t>	int </a:t>
+            </a:r>
+            <a:r>
+              <a:rPr lang="en-US" dirty="0" err="1" smtClean="0"/>
+              <a:t>n,base</a:t>
+            </a:r>
+            <a:r>
+              <a:rPr lang="en-US" dirty="0" smtClean="0"/>
+              <a:t>;</a:t>
+            </a:r>
+          </a:p>
+          <a:p>
+            <a:r>
+              <a:rPr lang="en-US" dirty="0" smtClean="0"/>
+              <a:t>	cin&gt;&gt;n&gt;&gt;base;</a:t>
+            </a:r>
+          </a:p>
+          <a:p>
+            <a:r>
+              <a:rPr lang="en-US" dirty="0" smtClean="0"/>
+              <a:t>	power(n, base);</a:t>
+            </a:r>
+          </a:p>
+          <a:p>
+            <a:endParaRPr lang="en-US" dirty="0" smtClean="0"/>
+          </a:p>
+          <a:p>
+            <a:r>
+              <a:rPr lang="en-US" dirty="0" smtClean="0"/>
+              <a:t>}</a:t>
+            </a:r>
+          </a:p>
+          <a:p>
+            <a:endParaRPr lang="en-US" dirty="0"/>
+          </a:p>
+        </p:txBody>
+      </p:sp>
+    </p:spTree>
+  </p:cSld>
+  <p:clrMapOvr>
+    <a:masterClrMapping/>
+  </p:clrMapOvr>
+</p:sld>
+</file>
+
+<file path=ppt/slides/slide53.xml><?xml version="1.0" encoding="utf-8"?>
+<p:sld xmlns:a="http://schemas.openxmlformats.org/drawingml/2006/main" xmlns:r="http://schemas.openxmlformats.org/officeDocument/2006/relationships" xmlns:p="http://schemas.openxmlformats.org/presentationml/2006/main">
+  <p:cSld>
+    <p:spTree>
+      <p:nvGrpSpPr>
+        <p:cNvPr id="1" name=""/>
+        <p:cNvGrpSpPr/>
+        <p:nvPr/>
+      </p:nvGrpSpPr>
+      <p:grpSpPr>
+        <a:xfrm>
+          <a:off x="0" y="0"/>
+          <a:ext cx="0" cy="0"/>
+          <a:chOff x="0" y="0"/>
+          <a:chExt cx="0" cy="0"/>
+        </a:xfrm>
+      </p:grpSpPr>
+      <p:sp>
+        <p:nvSpPr>
+          <p:cNvPr id="2" name="Title 1"/>
+          <p:cNvSpPr>
+            <a:spLocks noGrp="1"/>
+          </p:cNvSpPr>
+          <p:nvPr>
+            <p:ph type="title"/>
+          </p:nvPr>
+        </p:nvSpPr>
+        <p:spPr/>
+        <p:txBody>
+          <a:bodyPr/>
+          <a:lstStyle/>
+          <a:p>
+            <a:r>
+              <a:rPr lang="en-US" dirty="0" smtClean="0"/>
+              <a:t>Prime factorization</a:t>
+            </a:r>
+            <a:endParaRPr lang="en-US" dirty="0"/>
+          </a:p>
+        </p:txBody>
+      </p:sp>
+      <p:sp>
+        <p:nvSpPr>
+          <p:cNvPr id="3" name="Content Placeholder 2"/>
+          <p:cNvSpPr>
+            <a:spLocks noGrp="1"/>
+          </p:cNvSpPr>
+          <p:nvPr>
+            <p:ph sz="quarter" idx="1"/>
+          </p:nvPr>
+        </p:nvSpPr>
+        <p:spPr/>
+        <p:txBody>
+          <a:bodyPr>
+            <a:normAutofit lnSpcReduction="10000"/>
+          </a:bodyPr>
+          <a:lstStyle/>
+          <a:p>
+            <a:r>
+              <a:rPr lang="en-US" dirty="0" smtClean="0"/>
+              <a:t>Brute force </a:t>
+            </a:r>
+            <a:r>
+              <a:rPr lang="en-US" dirty="0" err="1" smtClean="0"/>
+              <a:t>appraoch</a:t>
+            </a:r>
+            <a:endParaRPr lang="en-US" dirty="0" smtClean="0"/>
+          </a:p>
+          <a:p>
+            <a:r>
+              <a:rPr lang="en-US" dirty="0" smtClean="0"/>
+              <a:t>#include&lt;bits/</a:t>
+            </a:r>
+            <a:r>
+              <a:rPr lang="en-US" dirty="0" err="1" smtClean="0"/>
+              <a:t>stdc</a:t>
+            </a:r>
+            <a:r>
+              <a:rPr lang="en-US" dirty="0" smtClean="0"/>
+              <a:t>++.h&gt;</a:t>
+            </a:r>
+          </a:p>
+          <a:p>
+            <a:r>
+              <a:rPr lang="en-US" dirty="0" smtClean="0"/>
+              <a:t>using namespace std;</a:t>
+            </a:r>
+          </a:p>
+          <a:p>
+            <a:r>
+              <a:rPr lang="en-US" dirty="0" smtClean="0"/>
+              <a:t>int main()</a:t>
+            </a:r>
+          </a:p>
+          <a:p>
+            <a:r>
+              <a:rPr lang="en-US" dirty="0" smtClean="0"/>
+              <a:t>{</a:t>
+            </a:r>
+          </a:p>
+          <a:p>
+            <a:r>
+              <a:rPr lang="en-US" dirty="0" smtClean="0"/>
+              <a:t>	int n;</a:t>
+            </a:r>
+          </a:p>
+          <a:p>
+            <a:r>
+              <a:rPr lang="en-US" dirty="0" smtClean="0"/>
+              <a:t>	cin&gt;&gt;n;</a:t>
+            </a:r>
+          </a:p>
+          <a:p>
+            <a:r>
+              <a:rPr lang="en-US" dirty="0" smtClean="0"/>
+              <a:t>	for(int </a:t>
+            </a:r>
+            <a:r>
+              <a:rPr lang="en-US" dirty="0" err="1" smtClean="0"/>
+              <a:t>i</a:t>
+            </a:r>
+            <a:r>
+              <a:rPr lang="en-US" dirty="0" smtClean="0"/>
+              <a:t>=2;i&lt;=</a:t>
+            </a:r>
+            <a:r>
+              <a:rPr lang="en-US" dirty="0" err="1" smtClean="0"/>
+              <a:t>n;i</a:t>
+            </a:r>
+            <a:r>
+              <a:rPr lang="en-US" dirty="0" smtClean="0"/>
+              <a:t>++)</a:t>
+            </a:r>
+          </a:p>
+          <a:p>
+            <a:r>
+              <a:rPr lang="en-US" dirty="0" smtClean="0"/>
+              <a:t>	{</a:t>
+            </a:r>
+          </a:p>
+          <a:p>
+            <a:r>
+              <a:rPr lang="en-US" dirty="0" smtClean="0"/>
+              <a:t>		</a:t>
+            </a:r>
+            <a:endParaRPr lang="en-US" dirty="0"/>
+          </a:p>
+        </p:txBody>
+      </p:sp>
+    </p:spTree>
+  </p:cSld>
+  <p:clrMapOvr>
+    <a:masterClrMapping/>
+  </p:clrMapOvr>
+</p:sld>
+</file>
+
+<file path=ppt/slides/slide54.xml><?xml version="1.0" encoding="utf-8"?>
+<p:sld xmlns:a="http://schemas.openxmlformats.org/drawingml/2006/main" xmlns:r="http://schemas.openxmlformats.org/officeDocument/2006/relationships" xmlns:p="http://schemas.openxmlformats.org/presentationml/2006/main">
+  <p:cSld>
+    <p:spTree>
+      <p:nvGrpSpPr>
+        <p:cNvPr id="1" name=""/>
+        <p:cNvGrpSpPr/>
+        <p:nvPr/>
+      </p:nvGrpSpPr>
+      <p:grpSpPr>
+        <a:xfrm>
+          <a:off x="0" y="0"/>
+          <a:ext cx="0" cy="0"/>
+          <a:chOff x="0" y="0"/>
+          <a:chExt cx="0" cy="0"/>
+        </a:xfrm>
+      </p:grpSpPr>
+      <p:sp>
+        <p:nvSpPr>
+          <p:cNvPr id="3" name="Content Placeholder 2"/>
+          <p:cNvSpPr>
+            <a:spLocks noGrp="1"/>
+          </p:cNvSpPr>
+          <p:nvPr>
+            <p:ph sz="quarter" idx="1"/>
+          </p:nvPr>
+        </p:nvSpPr>
+        <p:spPr>
+          <a:xfrm>
+            <a:off x="914400" y="228600"/>
+            <a:ext cx="7772400" cy="5791200"/>
+          </a:xfrm>
+        </p:spPr>
+        <p:txBody>
+          <a:bodyPr>
+            <a:normAutofit lnSpcReduction="10000"/>
+          </a:bodyPr>
+          <a:lstStyle/>
+          <a:p>
+            <a:r>
+              <a:rPr lang="en-US" dirty="0" smtClean="0"/>
+              <a:t>if(</a:t>
+            </a:r>
+            <a:r>
+              <a:rPr lang="en-US" dirty="0" err="1" smtClean="0"/>
+              <a:t>n%i</a:t>
+            </a:r>
+            <a:r>
+              <a:rPr lang="en-US" dirty="0" smtClean="0"/>
+              <a:t>==0)</a:t>
+            </a:r>
+          </a:p>
+          <a:p>
+            <a:r>
+              <a:rPr lang="en-US" dirty="0" smtClean="0"/>
+              <a:t>		{</a:t>
+            </a:r>
+          </a:p>
+          <a:p>
+            <a:r>
+              <a:rPr lang="en-US" dirty="0" smtClean="0"/>
+              <a:t>			int count=0;</a:t>
+            </a:r>
+          </a:p>
+          <a:p>
+            <a:r>
+              <a:rPr lang="en-US" dirty="0" smtClean="0"/>
+              <a:t>			while(</a:t>
+            </a:r>
+            <a:r>
+              <a:rPr lang="en-US" dirty="0" err="1" smtClean="0"/>
+              <a:t>n%i</a:t>
+            </a:r>
+            <a:r>
+              <a:rPr lang="en-US" dirty="0" smtClean="0"/>
+              <a:t>==0)</a:t>
+            </a:r>
+          </a:p>
+          <a:p>
+            <a:r>
+              <a:rPr lang="en-US" dirty="0" smtClean="0"/>
+              <a:t>			{</a:t>
+            </a:r>
+          </a:p>
+          <a:p>
+            <a:r>
+              <a:rPr lang="en-US" dirty="0" smtClean="0"/>
+              <a:t>				count++;</a:t>
+            </a:r>
+          </a:p>
+          <a:p>
+            <a:r>
+              <a:rPr lang="en-US" dirty="0" smtClean="0"/>
+              <a:t>				n/=</a:t>
+            </a:r>
+            <a:r>
+              <a:rPr lang="en-US" dirty="0" err="1" smtClean="0"/>
+              <a:t>i</a:t>
+            </a:r>
+            <a:r>
+              <a:rPr lang="en-US" dirty="0" smtClean="0"/>
+              <a:t>;</a:t>
+            </a:r>
+          </a:p>
+          <a:p>
+            <a:r>
+              <a:rPr lang="en-US" dirty="0" smtClean="0"/>
+              <a:t>				</a:t>
+            </a:r>
+          </a:p>
+          <a:p>
+            <a:r>
+              <a:rPr lang="en-US" dirty="0" smtClean="0"/>
+              <a:t>			}</a:t>
+            </a:r>
+          </a:p>
+          <a:p>
+            <a:r>
+              <a:rPr lang="en-US" dirty="0" smtClean="0"/>
+              <a:t>			</a:t>
+            </a:r>
+            <a:r>
+              <a:rPr lang="en-US" dirty="0" err="1" smtClean="0"/>
+              <a:t>cout</a:t>
+            </a:r>
+            <a:r>
+              <a:rPr lang="en-US" dirty="0" smtClean="0"/>
+              <a:t>&lt;&lt;</a:t>
+            </a:r>
+            <a:r>
+              <a:rPr lang="en-US" dirty="0" err="1" smtClean="0"/>
+              <a:t>i</a:t>
+            </a:r>
+            <a:r>
+              <a:rPr lang="en-US" dirty="0" smtClean="0"/>
+              <a:t>&lt;&lt;"^"&lt;&lt;count&lt;&lt;</a:t>
+            </a:r>
+            <a:r>
+              <a:rPr lang="en-US" dirty="0" err="1" smtClean="0"/>
+              <a:t>endl</a:t>
+            </a:r>
+            <a:r>
+              <a:rPr lang="en-US" dirty="0" smtClean="0"/>
+              <a:t>;</a:t>
+            </a:r>
+          </a:p>
+          <a:p>
+            <a:r>
+              <a:rPr lang="en-US" dirty="0" smtClean="0"/>
+              <a:t>		}</a:t>
+            </a:r>
+          </a:p>
+          <a:p>
+            <a:r>
+              <a:rPr lang="en-US" dirty="0" smtClean="0"/>
+              <a:t>	}</a:t>
+            </a:r>
+          </a:p>
+          <a:p>
+            <a:r>
+              <a:rPr lang="en-US" dirty="0" smtClean="0"/>
+              <a:t>}</a:t>
+            </a:r>
+          </a:p>
+          <a:p>
+            <a:endParaRPr lang="en-US" dirty="0"/>
+          </a:p>
+        </p:txBody>
+      </p:sp>
+    </p:spTree>
+  </p:cSld>
+  <p:clrMapOvr>
+    <a:masterClrMapping/>
+  </p:clrMapOvr>
+</p:sld>
+</file>
+
+<file path=ppt/slides/slide55.xml><?xml version="1.0" encoding="utf-8"?>
+<p:sld xmlns:a="http://schemas.openxmlformats.org/drawingml/2006/main" xmlns:r="http://schemas.openxmlformats.org/officeDocument/2006/relationships" xmlns:p="http://schemas.openxmlformats.org/presentationml/2006/main">
+  <p:cSld>
+    <p:spTree>
+      <p:nvGrpSpPr>
+        <p:cNvPr id="1" name=""/>
+        <p:cNvGrpSpPr/>
+        <p:nvPr/>
+      </p:nvGrpSpPr>
+      <p:grpSpPr>
+        <a:xfrm>
+          <a:off x="0" y="0"/>
+          <a:ext cx="0" cy="0"/>
+          <a:chOff x="0" y="0"/>
+          <a:chExt cx="0" cy="0"/>
+        </a:xfrm>
+      </p:grpSpPr>
+      <p:sp>
+        <p:nvSpPr>
+          <p:cNvPr id="2" name="Title 1"/>
+          <p:cNvSpPr>
+            <a:spLocks noGrp="1"/>
+          </p:cNvSpPr>
+          <p:nvPr>
+            <p:ph type="title"/>
+          </p:nvPr>
+        </p:nvSpPr>
+        <p:spPr/>
+        <p:txBody>
+          <a:bodyPr/>
+          <a:lstStyle/>
+          <a:p>
+            <a:r>
+              <a:rPr lang="en-US" dirty="0" smtClean="0"/>
+              <a:t>Optimized approach</a:t>
+            </a:r>
+            <a:endParaRPr lang="en-US" dirty="0"/>
+          </a:p>
+        </p:txBody>
+      </p:sp>
+      <p:sp>
+        <p:nvSpPr>
+          <p:cNvPr id="3" name="Content Placeholder 2"/>
+          <p:cNvSpPr>
+            <a:spLocks noGrp="1"/>
+          </p:cNvSpPr>
+          <p:nvPr>
+            <p:ph sz="quarter" idx="1"/>
+          </p:nvPr>
+        </p:nvSpPr>
+        <p:spPr/>
+        <p:txBody>
+          <a:bodyPr/>
+          <a:lstStyle/>
+          <a:p>
+            <a:endParaRPr lang="en-US"/>
+          </a:p>
+        </p:txBody>
+      </p:sp>
+    </p:spTree>
+  </p:cSld>
+  <p:clrMapOvr>
+    <a:masterClrMapping/>
+  </p:clrMapOvr>
+</p:sld>
+</file>
+
+<file path=ppt/slides/slide56.xml><?xml version="1.0" encoding="utf-8"?>
+<p:sld xmlns:a="http://schemas.openxmlformats.org/drawingml/2006/main" xmlns:r="http://schemas.openxmlformats.org/officeDocument/2006/relationships" xmlns:p="http://schemas.openxmlformats.org/presentationml/2006/main">
+  <p:cSld>
+    <p:spTree>
+      <p:nvGrpSpPr>
+        <p:cNvPr id="1" name=""/>
+        <p:cNvGrpSpPr/>
+        <p:nvPr/>
+      </p:nvGrpSpPr>
+      <p:grpSpPr>
+        <a:xfrm>
+          <a:off x="0" y="0"/>
+          <a:ext cx="0" cy="0"/>
+          <a:chOff x="0" y="0"/>
+          <a:chExt cx="0" cy="0"/>
+        </a:xfrm>
+      </p:grpSpPr>
+      <p:sp>
+        <p:nvSpPr>
+          <p:cNvPr id="2" name="Title 1"/>
+          <p:cNvSpPr>
+            <a:spLocks noGrp="1"/>
+          </p:cNvSpPr>
+          <p:nvPr>
+            <p:ph type="title"/>
+          </p:nvPr>
+        </p:nvSpPr>
+        <p:spPr/>
+        <p:txBody>
+          <a:bodyPr/>
+          <a:lstStyle/>
+          <a:p>
+            <a:r>
+              <a:rPr lang="en-US" dirty="0" smtClean="0"/>
+              <a:t>Matrix </a:t>
+            </a:r>
+            <a:r>
+              <a:rPr lang="en-US" dirty="0" err="1" smtClean="0"/>
+              <a:t>exponention</a:t>
+            </a:r>
+            <a:endParaRPr lang="en-US" dirty="0"/>
+          </a:p>
+        </p:txBody>
+      </p:sp>
+      <p:sp>
+        <p:nvSpPr>
+          <p:cNvPr id="3" name="Content Placeholder 2"/>
+          <p:cNvSpPr>
+            <a:spLocks noGrp="1"/>
+          </p:cNvSpPr>
+          <p:nvPr>
+            <p:ph sz="quarter" idx="1"/>
+          </p:nvPr>
+        </p:nvSpPr>
+        <p:spPr/>
+        <p:txBody>
+          <a:bodyPr/>
+          <a:lstStyle/>
+          <a:p>
+            <a:r>
+              <a:rPr lang="en-US" dirty="0" smtClean="0"/>
+              <a:t>Given matrix a and an integer n calculate </a:t>
+            </a:r>
+            <a:r>
+              <a:rPr lang="en-US" dirty="0" err="1" smtClean="0"/>
+              <a:t>a^n</a:t>
+            </a:r>
+            <a:endParaRPr lang="en-US" dirty="0" smtClean="0"/>
+          </a:p>
+          <a:p>
+            <a:endParaRPr lang="en-US" dirty="0" smtClean="0"/>
+          </a:p>
+          <a:p>
+            <a:r>
+              <a:rPr lang="en-US" dirty="0" smtClean="0"/>
+              <a:t>Time complexity = O(m^3*n)</a:t>
+            </a:r>
+          </a:p>
+          <a:p>
+            <a:r>
+              <a:rPr lang="en-US" dirty="0" smtClean="0"/>
+              <a:t>After modification </a:t>
+            </a:r>
+          </a:p>
+          <a:p>
+            <a:r>
+              <a:rPr lang="en-US" dirty="0" smtClean="0"/>
+              <a:t>Time complexity = O(m^3 * </a:t>
+            </a:r>
+            <a:r>
+              <a:rPr lang="en-US" dirty="0" err="1" smtClean="0"/>
+              <a:t>logn</a:t>
+            </a:r>
+            <a:r>
+              <a:rPr lang="en-US" dirty="0" smtClean="0"/>
+              <a:t>)</a:t>
+            </a:r>
+          </a:p>
+          <a:p>
+            <a:endParaRPr lang="en-US" dirty="0" smtClean="0"/>
+          </a:p>
+        </p:txBody>
+      </p:sp>
+    </p:spTree>
+  </p:cSld>
+  <p:clrMapOvr>
+    <a:masterClrMapping/>
+  </p:clrMapOvr>
+</p:sld>
+</file>
+
+<file path=ppt/slides/slide57.xml><?xml version="1.0" encoding="utf-8"?>
 <p:sld xmlns:a="http://schemas.openxmlformats.org/drawingml/2006/main" xmlns:r="http://schemas.openxmlformats.org/officeDocument/2006/relationships" xmlns:p="http://schemas.openxmlformats.org/presentationml/2006/main">
   <p:cSld>
     <p:spTree>
@@ -4620,7 +8673,7 @@
 </p:sld>
 </file>
 
-<file path=ppt/slides/slide17.xml><?xml version="1.0" encoding="utf-8"?>
+<file path=ppt/slides/slide58.xml><?xml version="1.0" encoding="utf-8"?>
 <p:sld xmlns:a="http://schemas.openxmlformats.org/drawingml/2006/main" xmlns:r="http://schemas.openxmlformats.org/officeDocument/2006/relationships" xmlns:p="http://schemas.openxmlformats.org/presentationml/2006/main">
   <p:cSld>
     <p:spTree>
@@ -4674,488 +8727,6 @@
         <p:txBody>
           <a:bodyPr/>
           <a:lstStyle/>
-          <a:p>
-            <a:endParaRPr lang="en-US"/>
-          </a:p>
-        </p:txBody>
-      </p:sp>
-    </p:spTree>
-  </p:cSld>
-  <p:clrMapOvr>
-    <a:masterClrMapping/>
-  </p:clrMapOvr>
-</p:sld>
-</file>
-
-<file path=ppt/slides/slide2.xml><?xml version="1.0" encoding="utf-8"?>
-<p:sld xmlns:a="http://schemas.openxmlformats.org/drawingml/2006/main" xmlns:r="http://schemas.openxmlformats.org/officeDocument/2006/relationships" xmlns:p="http://schemas.openxmlformats.org/presentationml/2006/main">
-  <p:cSld>
-    <p:spTree>
-      <p:nvGrpSpPr>
-        <p:cNvPr id="1" name=""/>
-        <p:cNvGrpSpPr/>
-        <p:nvPr/>
-      </p:nvGrpSpPr>
-      <p:grpSpPr>
-        <a:xfrm>
-          <a:off x="0" y="0"/>
-          <a:ext cx="0" cy="0"/>
-          <a:chOff x="0" y="0"/>
-          <a:chExt cx="0" cy="0"/>
-        </a:xfrm>
-      </p:grpSpPr>
-      <p:sp>
-        <p:nvSpPr>
-          <p:cNvPr id="2" name="Title 1"/>
-          <p:cNvSpPr>
-            <a:spLocks noGrp="1"/>
-          </p:cNvSpPr>
-          <p:nvPr>
-            <p:ph type="title"/>
-          </p:nvPr>
-        </p:nvSpPr>
-        <p:spPr/>
-        <p:txBody>
-          <a:bodyPr/>
-          <a:lstStyle/>
-          <a:p>
-            <a:r>
-              <a:rPr lang="en-US" dirty="0" smtClean="0"/>
-              <a:t>Prime numbers</a:t>
-            </a:r>
-            <a:endParaRPr lang="en-US" dirty="0"/>
-          </a:p>
-        </p:txBody>
-      </p:sp>
-      <p:sp>
-        <p:nvSpPr>
-          <p:cNvPr id="3" name="Content Placeholder 2"/>
-          <p:cNvSpPr>
-            <a:spLocks noGrp="1"/>
-          </p:cNvSpPr>
-          <p:nvPr>
-            <p:ph sz="quarter" idx="1"/>
-          </p:nvPr>
-        </p:nvSpPr>
-        <p:spPr/>
-        <p:txBody>
-          <a:bodyPr/>
-          <a:lstStyle/>
-          <a:p>
-            <a:endParaRPr lang="en-US"/>
-          </a:p>
-        </p:txBody>
-      </p:sp>
-    </p:spTree>
-  </p:cSld>
-  <p:clrMapOvr>
-    <a:masterClrMapping/>
-  </p:clrMapOvr>
-</p:sld>
-</file>
-
-<file path=ppt/slides/slide3.xml><?xml version="1.0" encoding="utf-8"?>
-<p:sld xmlns:a="http://schemas.openxmlformats.org/drawingml/2006/main" xmlns:r="http://schemas.openxmlformats.org/officeDocument/2006/relationships" xmlns:p="http://schemas.openxmlformats.org/presentationml/2006/main">
-  <p:cSld>
-    <p:spTree>
-      <p:nvGrpSpPr>
-        <p:cNvPr id="1" name=""/>
-        <p:cNvGrpSpPr/>
-        <p:nvPr/>
-      </p:nvGrpSpPr>
-      <p:grpSpPr>
-        <a:xfrm>
-          <a:off x="0" y="0"/>
-          <a:ext cx="0" cy="0"/>
-          <a:chOff x="0" y="0"/>
-          <a:chExt cx="0" cy="0"/>
-        </a:xfrm>
-      </p:grpSpPr>
-      <p:sp>
-        <p:nvSpPr>
-          <p:cNvPr id="2" name="Title 1"/>
-          <p:cNvSpPr>
-            <a:spLocks noGrp="1"/>
-          </p:cNvSpPr>
-          <p:nvPr>
-            <p:ph type="title"/>
-          </p:nvPr>
-        </p:nvSpPr>
-        <p:spPr/>
-        <p:txBody>
-          <a:bodyPr/>
-          <a:lstStyle/>
-          <a:p>
-            <a:r>
-              <a:rPr lang="en-US" dirty="0" smtClean="0"/>
-              <a:t>Better way</a:t>
-            </a:r>
-            <a:endParaRPr lang="en-US" dirty="0"/>
-          </a:p>
-        </p:txBody>
-      </p:sp>
-      <p:sp>
-        <p:nvSpPr>
-          <p:cNvPr id="3" name="Content Placeholder 2"/>
-          <p:cNvSpPr>
-            <a:spLocks noGrp="1"/>
-          </p:cNvSpPr>
-          <p:nvPr>
-            <p:ph sz="quarter" idx="1"/>
-          </p:nvPr>
-        </p:nvSpPr>
-        <p:spPr/>
-        <p:txBody>
-          <a:bodyPr>
-            <a:normAutofit fontScale="62500" lnSpcReduction="20000"/>
-          </a:bodyPr>
-          <a:lstStyle/>
-          <a:p>
-            <a:r>
-              <a:rPr lang="en-US" dirty="0" smtClean="0"/>
-              <a:t>#include&lt;bits/</a:t>
-            </a:r>
-            <a:r>
-              <a:rPr lang="en-US" dirty="0" err="1" smtClean="0"/>
-              <a:t>stdc</a:t>
-            </a:r>
-            <a:r>
-              <a:rPr lang="en-US" dirty="0" smtClean="0"/>
-              <a:t>++.h&gt;</a:t>
-            </a:r>
-          </a:p>
-          <a:p>
-            <a:r>
-              <a:rPr lang="en-US" dirty="0" smtClean="0"/>
-              <a:t>using namespace std;</a:t>
-            </a:r>
-          </a:p>
-          <a:p>
-            <a:r>
-              <a:rPr lang="en-US" dirty="0" smtClean="0"/>
-              <a:t>int main()</a:t>
-            </a:r>
-          </a:p>
-          <a:p>
-            <a:r>
-              <a:rPr lang="en-US" dirty="0" smtClean="0"/>
-              <a:t>{</a:t>
-            </a:r>
-          </a:p>
-          <a:p>
-            <a:r>
-              <a:rPr lang="en-US" dirty="0" smtClean="0"/>
-              <a:t>	int n,count =0;</a:t>
-            </a:r>
-          </a:p>
-          <a:p>
-            <a:r>
-              <a:rPr lang="en-US" dirty="0" smtClean="0"/>
-              <a:t>	cin&gt;&gt;n;</a:t>
-            </a:r>
-          </a:p>
-          <a:p>
-            <a:r>
-              <a:rPr lang="en-US" dirty="0" smtClean="0"/>
-              <a:t>	for(int  </a:t>
-            </a:r>
-            <a:r>
-              <a:rPr lang="en-US" dirty="0" err="1" smtClean="0"/>
-              <a:t>i</a:t>
-            </a:r>
-            <a:r>
-              <a:rPr lang="en-US" dirty="0" smtClean="0"/>
-              <a:t>=2;i*</a:t>
-            </a:r>
-            <a:r>
-              <a:rPr lang="en-US" dirty="0" err="1" smtClean="0"/>
-              <a:t>i</a:t>
-            </a:r>
-            <a:r>
-              <a:rPr lang="en-US" dirty="0" smtClean="0"/>
-              <a:t>&lt;=</a:t>
-            </a:r>
-            <a:r>
-              <a:rPr lang="en-US" dirty="0" err="1" smtClean="0"/>
-              <a:t>n;i</a:t>
-            </a:r>
-            <a:r>
-              <a:rPr lang="en-US" dirty="0" smtClean="0"/>
-              <a:t>++)</a:t>
-            </a:r>
-          </a:p>
-          <a:p>
-            <a:r>
-              <a:rPr lang="en-US" dirty="0" smtClean="0"/>
-              <a:t>	{</a:t>
-            </a:r>
-          </a:p>
-          <a:p>
-            <a:r>
-              <a:rPr lang="en-US" dirty="0" smtClean="0"/>
-              <a:t>		if(</a:t>
-            </a:r>
-            <a:r>
-              <a:rPr lang="en-US" dirty="0" err="1" smtClean="0"/>
-              <a:t>n%i</a:t>
-            </a:r>
-            <a:r>
-              <a:rPr lang="en-US" dirty="0" smtClean="0"/>
-              <a:t>==0)</a:t>
-            </a:r>
-          </a:p>
-          <a:p>
-            <a:r>
-              <a:rPr lang="en-US" dirty="0" smtClean="0"/>
-              <a:t>		{</a:t>
-            </a:r>
-          </a:p>
-          <a:p>
-            <a:r>
-              <a:rPr lang="en-US" dirty="0" smtClean="0"/>
-              <a:t>			</a:t>
-            </a:r>
-            <a:r>
-              <a:rPr lang="en-US" dirty="0" err="1" smtClean="0"/>
-              <a:t>cout</a:t>
-            </a:r>
-            <a:r>
-              <a:rPr lang="en-US" dirty="0" smtClean="0"/>
-              <a:t>&lt;&lt;"no"&lt;&lt;</a:t>
-            </a:r>
-            <a:r>
-              <a:rPr lang="en-US" dirty="0" err="1" smtClean="0"/>
-              <a:t>endl</a:t>
-            </a:r>
-            <a:r>
-              <a:rPr lang="en-US" dirty="0" smtClean="0"/>
-              <a:t>;</a:t>
-            </a:r>
-          </a:p>
-          <a:p>
-            <a:r>
-              <a:rPr lang="en-US" dirty="0" smtClean="0"/>
-              <a:t>			exit(0);</a:t>
-            </a:r>
-          </a:p>
-          <a:p>
-            <a:r>
-              <a:rPr lang="en-US" dirty="0" smtClean="0"/>
-              <a:t>		}</a:t>
-            </a:r>
-          </a:p>
-          <a:p>
-            <a:r>
-              <a:rPr lang="en-US" dirty="0" smtClean="0"/>
-              <a:t>	}</a:t>
-            </a:r>
-          </a:p>
-          <a:p>
-            <a:r>
-              <a:rPr lang="en-US" dirty="0" smtClean="0"/>
-              <a:t>	</a:t>
-            </a:r>
-            <a:r>
-              <a:rPr lang="en-US" dirty="0" err="1" smtClean="0"/>
-              <a:t>cout</a:t>
-            </a:r>
-            <a:r>
-              <a:rPr lang="en-US" dirty="0" smtClean="0"/>
-              <a:t>&lt;&lt;"true";</a:t>
-            </a:r>
-          </a:p>
-          <a:p>
-            <a:r>
-              <a:rPr lang="en-US" dirty="0" smtClean="0"/>
-              <a:t>}</a:t>
-            </a:r>
-          </a:p>
-          <a:p>
-            <a:endParaRPr lang="en-US" dirty="0"/>
-          </a:p>
-        </p:txBody>
-      </p:sp>
-    </p:spTree>
-  </p:cSld>
-  <p:clrMapOvr>
-    <a:masterClrMapping/>
-  </p:clrMapOvr>
-</p:sld>
-</file>
-
-<file path=ppt/slides/slide4.xml><?xml version="1.0" encoding="utf-8"?>
-<p:sld xmlns:a="http://schemas.openxmlformats.org/drawingml/2006/main" xmlns:r="http://schemas.openxmlformats.org/officeDocument/2006/relationships" xmlns:p="http://schemas.openxmlformats.org/presentationml/2006/main">
-  <p:cSld>
-    <p:spTree>
-      <p:nvGrpSpPr>
-        <p:cNvPr id="1" name=""/>
-        <p:cNvGrpSpPr/>
-        <p:nvPr/>
-      </p:nvGrpSpPr>
-      <p:grpSpPr>
-        <a:xfrm>
-          <a:off x="0" y="0"/>
-          <a:ext cx="0" cy="0"/>
-          <a:chOff x="0" y="0"/>
-          <a:chExt cx="0" cy="0"/>
-        </a:xfrm>
-      </p:grpSpPr>
-      <p:sp>
-        <p:nvSpPr>
-          <p:cNvPr id="2" name="Title 1"/>
-          <p:cNvSpPr>
-            <a:spLocks noGrp="1"/>
-          </p:cNvSpPr>
-          <p:nvPr>
-            <p:ph type="title"/>
-          </p:nvPr>
-        </p:nvSpPr>
-        <p:spPr/>
-        <p:txBody>
-          <a:bodyPr/>
-          <a:lstStyle/>
-          <a:p>
-            <a:r>
-              <a:rPr lang="en-US" dirty="0" smtClean="0"/>
-              <a:t>Naïve approach</a:t>
-            </a:r>
-            <a:endParaRPr lang="en-US" dirty="0"/>
-          </a:p>
-        </p:txBody>
-      </p:sp>
-      <p:sp>
-        <p:nvSpPr>
-          <p:cNvPr id="3" name="Content Placeholder 2"/>
-          <p:cNvSpPr>
-            <a:spLocks noGrp="1"/>
-          </p:cNvSpPr>
-          <p:nvPr>
-            <p:ph sz="quarter" idx="1"/>
-          </p:nvPr>
-        </p:nvSpPr>
-        <p:spPr/>
-        <p:txBody>
-          <a:bodyPr/>
-          <a:lstStyle/>
-          <a:p>
-            <a:endParaRPr lang="en-US"/>
-          </a:p>
-        </p:txBody>
-      </p:sp>
-    </p:spTree>
-  </p:cSld>
-  <p:clrMapOvr>
-    <a:masterClrMapping/>
-  </p:clrMapOvr>
-</p:sld>
-</file>
-
-<file path=ppt/slides/slide5.xml><?xml version="1.0" encoding="utf-8"?>
-<p:sld xmlns:a="http://schemas.openxmlformats.org/drawingml/2006/main" xmlns:r="http://schemas.openxmlformats.org/officeDocument/2006/relationships" xmlns:p="http://schemas.openxmlformats.org/presentationml/2006/main">
-  <p:cSld>
-    <p:spTree>
-      <p:nvGrpSpPr>
-        <p:cNvPr id="1" name=""/>
-        <p:cNvGrpSpPr/>
-        <p:nvPr/>
-      </p:nvGrpSpPr>
-      <p:grpSpPr>
-        <a:xfrm>
-          <a:off x="0" y="0"/>
-          <a:ext cx="0" cy="0"/>
-          <a:chOff x="0" y="0"/>
-          <a:chExt cx="0" cy="0"/>
-        </a:xfrm>
-      </p:grpSpPr>
-      <p:sp>
-        <p:nvSpPr>
-          <p:cNvPr id="2" name="Title 1"/>
-          <p:cNvSpPr>
-            <a:spLocks noGrp="1"/>
-          </p:cNvSpPr>
-          <p:nvPr>
-            <p:ph type="title"/>
-          </p:nvPr>
-        </p:nvSpPr>
-        <p:spPr/>
-        <p:txBody>
-          <a:bodyPr/>
-          <a:lstStyle/>
-          <a:p>
-            <a:r>
-              <a:rPr lang="en-US" dirty="0" smtClean="0"/>
-              <a:t>Why we need sieve?</a:t>
-            </a:r>
-            <a:endParaRPr lang="en-US" dirty="0"/>
-          </a:p>
-        </p:txBody>
-      </p:sp>
-      <p:sp>
-        <p:nvSpPr>
-          <p:cNvPr id="3" name="Content Placeholder 2"/>
-          <p:cNvSpPr>
-            <a:spLocks noGrp="1"/>
-          </p:cNvSpPr>
-          <p:nvPr>
-            <p:ph sz="quarter" idx="1"/>
-          </p:nvPr>
-        </p:nvSpPr>
-        <p:spPr/>
-        <p:txBody>
-          <a:bodyPr/>
-          <a:lstStyle/>
-          <a:p>
-            <a:r>
-              <a:rPr lang="en-US" dirty="0" err="1" smtClean="0"/>
-              <a:t>Preprossing</a:t>
-            </a:r>
-            <a:r>
-              <a:rPr lang="en-US" dirty="0" smtClean="0"/>
-              <a:t> time : O(</a:t>
-            </a:r>
-            <a:r>
-              <a:rPr lang="en-US" dirty="0" err="1" smtClean="0"/>
-              <a:t>Nlog</a:t>
-            </a:r>
-            <a:r>
-              <a:rPr lang="en-US" dirty="0" smtClean="0"/>
-              <a:t>(</a:t>
-            </a:r>
-            <a:r>
-              <a:rPr lang="en-US" dirty="0" err="1" smtClean="0"/>
-              <a:t>lonN</a:t>
-            </a:r>
-            <a:r>
-              <a:rPr lang="en-US" dirty="0" smtClean="0"/>
-              <a:t>))</a:t>
-            </a:r>
-          </a:p>
-          <a:p>
-            <a:r>
-              <a:rPr lang="en-US" dirty="0" smtClean="0"/>
-              <a:t>Answers query: O(1)</a:t>
-            </a:r>
-          </a:p>
-          <a:p>
-            <a:r>
-              <a:rPr lang="en-US" dirty="0" smtClean="0"/>
-              <a:t>Extra space: O(N)</a:t>
-            </a:r>
-          </a:p>
-          <a:p>
-            <a:r>
-              <a:rPr lang="en-US" dirty="0" smtClean="0"/>
-              <a:t>Run a loop till </a:t>
-            </a:r>
-            <a:r>
-              <a:rPr lang="en-US" dirty="0" err="1" smtClean="0"/>
-              <a:t>sqrt</a:t>
-            </a:r>
-            <a:r>
-              <a:rPr lang="en-US" smtClean="0"/>
-              <a:t> of (n)</a:t>
-            </a:r>
-          </a:p>
           <a:p>
             <a:endParaRPr lang="en-US"/>
           </a:p>
@@ -5203,7 +8774,7 @@
           <a:p>
             <a:r>
               <a:rPr lang="en-US" dirty="0" smtClean="0"/>
-              <a:t>sieve</a:t>
+              <a:t>Prime numbers</a:t>
             </a:r>
             <a:endParaRPr lang="en-US" dirty="0"/>
           </a:p>
@@ -5221,300 +8792,10 @@
         </p:nvSpPr>
         <p:spPr/>
         <p:txBody>
-          <a:bodyPr>
-            <a:noAutofit/>
-          </a:bodyPr>
-          <a:lstStyle/>
-          <a:p>
-            <a:r>
-              <a:rPr lang="en-US" sz="2400" dirty="0" smtClean="0"/>
-              <a:t>#include &lt;bits/</a:t>
-            </a:r>
-            <a:r>
-              <a:rPr lang="en-US" sz="2400" dirty="0" err="1" smtClean="0"/>
-              <a:t>stdc</a:t>
-            </a:r>
-            <a:r>
-              <a:rPr lang="en-US" sz="2400" dirty="0" smtClean="0"/>
-              <a:t>++.h&gt; </a:t>
-            </a:r>
-          </a:p>
-          <a:p>
-            <a:r>
-              <a:rPr lang="en-US" sz="2400" dirty="0" smtClean="0"/>
-              <a:t>using namespace std; </a:t>
-            </a:r>
-          </a:p>
-          <a:p>
-            <a:r>
-              <a:rPr lang="en-US" sz="2400" dirty="0" smtClean="0"/>
-              <a:t>  </a:t>
-            </a:r>
-          </a:p>
-          <a:p>
-            <a:r>
-              <a:rPr lang="en-US" sz="2400" dirty="0" smtClean="0"/>
-              <a:t>void </a:t>
-            </a:r>
-            <a:r>
-              <a:rPr lang="en-US" sz="2400" dirty="0" err="1" smtClean="0"/>
-              <a:t>SieveOfEratosthenes</a:t>
-            </a:r>
-            <a:r>
-              <a:rPr lang="en-US" sz="2400" dirty="0" smtClean="0"/>
-              <a:t>(int n) </a:t>
-            </a:r>
-          </a:p>
-          <a:p>
-            <a:r>
-              <a:rPr lang="en-US" sz="2400" dirty="0" smtClean="0"/>
-              <a:t>{ </a:t>
-            </a:r>
-          </a:p>
-          <a:p>
-            <a:r>
-              <a:rPr lang="en-US" sz="2400" dirty="0" smtClean="0"/>
-              <a:t>    </a:t>
-            </a:r>
-            <a:r>
-              <a:rPr lang="en-US" sz="2400" dirty="0" err="1" smtClean="0"/>
-              <a:t>bool</a:t>
-            </a:r>
-            <a:r>
-              <a:rPr lang="en-US" sz="2400" dirty="0" smtClean="0"/>
-              <a:t> prime[n+1]; </a:t>
-            </a:r>
-          </a:p>
-          <a:p>
-            <a:r>
-              <a:rPr lang="en-US" sz="2400" dirty="0" smtClean="0"/>
-              <a:t>    </a:t>
-            </a:r>
-            <a:r>
-              <a:rPr lang="en-US" sz="2400" dirty="0" err="1" smtClean="0"/>
-              <a:t>memset</a:t>
-            </a:r>
-            <a:r>
-              <a:rPr lang="en-US" sz="2400" dirty="0" smtClean="0"/>
-              <a:t>(prime, true, </a:t>
-            </a:r>
-            <a:r>
-              <a:rPr lang="en-US" sz="2400" dirty="0" err="1" smtClean="0"/>
-              <a:t>sizeof</a:t>
-            </a:r>
-            <a:r>
-              <a:rPr lang="en-US" sz="2400" dirty="0" smtClean="0"/>
-              <a:t>(prime)); </a:t>
-            </a:r>
-          </a:p>
-          <a:p>
-            <a:r>
-              <a:rPr lang="en-US" sz="2400" dirty="0" smtClean="0"/>
-              <a:t>  </a:t>
-            </a:r>
-          </a:p>
-          <a:p>
-            <a:r>
-              <a:rPr lang="en-US" sz="2400" dirty="0" smtClean="0"/>
-              <a:t>    for (int p=2; p*p&lt;=n; p++) </a:t>
-            </a:r>
-          </a:p>
-          <a:p>
-            <a:r>
-              <a:rPr lang="en-US" sz="2400" dirty="0" smtClean="0"/>
-              <a:t>    { </a:t>
-            </a:r>
-          </a:p>
-          <a:p>
-            <a:r>
-              <a:rPr lang="en-US" sz="2400" dirty="0" smtClean="0"/>
-              <a:t>        if (prime[p] == true) </a:t>
-            </a:r>
-          </a:p>
-          <a:p>
-            <a:r>
-              <a:rPr lang="en-US" sz="2400" dirty="0" smtClean="0"/>
-              <a:t>        { </a:t>
-            </a:r>
-          </a:p>
-          <a:p>
-            <a:r>
-              <a:rPr lang="en-US" sz="2400" dirty="0" smtClean="0"/>
-              <a:t>            for (int </a:t>
-            </a:r>
-            <a:r>
-              <a:rPr lang="en-US" sz="2400" dirty="0" err="1" smtClean="0"/>
-              <a:t>i</a:t>
-            </a:r>
-            <a:r>
-              <a:rPr lang="en-US" sz="2400" dirty="0" smtClean="0"/>
-              <a:t>=p*2; </a:t>
-            </a:r>
-            <a:r>
-              <a:rPr lang="en-US" sz="2400" dirty="0" err="1" smtClean="0"/>
-              <a:t>i</a:t>
-            </a:r>
-            <a:r>
-              <a:rPr lang="en-US" sz="2400" dirty="0" smtClean="0"/>
-              <a:t>&lt;=n; </a:t>
-            </a:r>
-            <a:r>
-              <a:rPr lang="en-US" sz="2400" dirty="0" err="1" smtClean="0"/>
-              <a:t>i</a:t>
-            </a:r>
-            <a:r>
-              <a:rPr lang="en-US" sz="2400" dirty="0" smtClean="0"/>
-              <a:t> += p) </a:t>
-            </a:r>
-          </a:p>
-          <a:p>
-            <a:r>
-              <a:rPr lang="en-US" sz="2400" dirty="0" smtClean="0"/>
-              <a:t>                prime[</a:t>
-            </a:r>
-            <a:r>
-              <a:rPr lang="en-US" sz="2400" dirty="0" err="1" smtClean="0"/>
-              <a:t>i</a:t>
-            </a:r>
-            <a:r>
-              <a:rPr lang="en-US" sz="2400" dirty="0" smtClean="0"/>
-              <a:t>] = false; </a:t>
-            </a:r>
-          </a:p>
-          <a:p>
-            <a:r>
-              <a:rPr lang="en-US" sz="2400" dirty="0" smtClean="0"/>
-              <a:t>        } </a:t>
-            </a:r>
-          </a:p>
-          <a:p>
-            <a:r>
-              <a:rPr lang="en-US" sz="2400" dirty="0" smtClean="0"/>
-              <a:t>    } </a:t>
-            </a:r>
-          </a:p>
-          <a:p>
-            <a:r>
-              <a:rPr lang="en-US" sz="2400" dirty="0" smtClean="0"/>
-              <a:t>  </a:t>
-            </a:r>
-          </a:p>
-          <a:p>
-            <a:r>
-              <a:rPr lang="en-US" sz="2400" dirty="0" smtClean="0"/>
-              <a:t>    for (int p=2; p&lt;=n; p++) </a:t>
-            </a:r>
-          </a:p>
-          <a:p>
-            <a:r>
-              <a:rPr lang="en-US" sz="2400" dirty="0" smtClean="0"/>
-              <a:t>       if (prime[p]) </a:t>
-            </a:r>
-          </a:p>
-          <a:p>
-            <a:r>
-              <a:rPr lang="en-US" sz="2400" dirty="0" smtClean="0"/>
-              <a:t>          </a:t>
-            </a:r>
-            <a:r>
-              <a:rPr lang="en-US" sz="2400" dirty="0" err="1" smtClean="0"/>
-              <a:t>cout</a:t>
-            </a:r>
-            <a:r>
-              <a:rPr lang="en-US" sz="2400" dirty="0" smtClean="0"/>
-              <a:t> &lt;&lt; p &lt;&lt; " "; </a:t>
-            </a:r>
-          </a:p>
-          <a:p>
-            <a:r>
-              <a:rPr lang="en-US" sz="2400" dirty="0" smtClean="0"/>
-              <a:t>} </a:t>
-            </a:r>
-          </a:p>
-          <a:p>
-            <a:r>
-              <a:rPr lang="en-US" sz="2400" dirty="0" smtClean="0"/>
-              <a:t>  </a:t>
-            </a:r>
-          </a:p>
-          <a:p>
-            <a:r>
-              <a:rPr lang="en-US" sz="2400" dirty="0" smtClean="0"/>
-              <a:t>int main() </a:t>
-            </a:r>
-          </a:p>
-          <a:p>
-            <a:r>
-              <a:rPr lang="en-US" sz="2400" dirty="0" smtClean="0"/>
-              <a:t>{ </a:t>
-            </a:r>
-          </a:p>
-          <a:p>
-            <a:r>
-              <a:rPr lang="en-US" sz="2400" dirty="0" smtClean="0"/>
-              <a:t>    int n; </a:t>
-            </a:r>
-          </a:p>
-          <a:p>
-            <a:r>
-              <a:rPr lang="en-US" sz="2400" dirty="0" smtClean="0"/>
-              <a:t>    cin&gt;&gt;n;</a:t>
-            </a:r>
-          </a:p>
-          <a:p>
-            <a:r>
-              <a:rPr lang="en-US" sz="2400" dirty="0" smtClean="0"/>
-              <a:t>    </a:t>
-            </a:r>
-            <a:r>
-              <a:rPr lang="en-US" sz="2400" dirty="0" err="1" smtClean="0"/>
-              <a:t>cout</a:t>
-            </a:r>
-            <a:r>
-              <a:rPr lang="en-US" sz="2400" dirty="0" smtClean="0"/>
-              <a:t> &lt;&lt; "Following are the prime numbers smaller "</a:t>
-            </a:r>
-          </a:p>
-          <a:p>
-            <a:r>
-              <a:rPr lang="en-US" sz="2400" dirty="0" smtClean="0"/>
-              <a:t>         &lt;&lt; " than or equal to " &lt;&lt; n &lt;&lt; </a:t>
-            </a:r>
-            <a:r>
-              <a:rPr lang="en-US" sz="2400" dirty="0" err="1" smtClean="0"/>
-              <a:t>endl</a:t>
-            </a:r>
-            <a:r>
-              <a:rPr lang="en-US" sz="2400" dirty="0" smtClean="0"/>
-              <a:t>; </a:t>
-            </a:r>
-          </a:p>
-          <a:p>
-            <a:r>
-              <a:rPr lang="en-US" sz="2400" dirty="0" smtClean="0"/>
-              <a:t>    </a:t>
-            </a:r>
-            <a:r>
-              <a:rPr lang="en-US" sz="2400" dirty="0" err="1" smtClean="0"/>
-              <a:t>SieveOfEratosthenes</a:t>
-            </a:r>
-            <a:r>
-              <a:rPr lang="en-US" sz="2400" dirty="0" smtClean="0"/>
-              <a:t>(n); </a:t>
-            </a:r>
-          </a:p>
-          <a:p>
-            <a:r>
-              <a:rPr lang="en-US" sz="2400" dirty="0" smtClean="0"/>
-              <a:t>    return 0; </a:t>
-            </a:r>
-          </a:p>
-          <a:p>
-            <a:r>
-              <a:rPr lang="en-US" sz="2400" dirty="0" smtClean="0"/>
-              <a:t>} </a:t>
-            </a:r>
-            <a:endParaRPr lang="en-US" sz="2400" dirty="0"/>
+          <a:bodyPr/>
+          <a:lstStyle/>
+          <a:p>
+            <a:endParaRPr lang="en-US"/>
           </a:p>
         </p:txBody>
       </p:sp>
@@ -5560,7 +8841,7 @@
           <a:p>
             <a:r>
               <a:rPr lang="en-US" dirty="0" smtClean="0"/>
-              <a:t>Nth prime number</a:t>
+              <a:t>Prime numbers</a:t>
             </a:r>
             <a:endParaRPr lang="en-US" dirty="0"/>
           </a:p>
@@ -5578,168 +8859,10 @@
         </p:nvSpPr>
         <p:spPr/>
         <p:txBody>
-          <a:bodyPr>
-            <a:normAutofit fontScale="25000" lnSpcReduction="20000"/>
-          </a:bodyPr>
-          <a:lstStyle/>
-          <a:p>
-            <a:r>
-              <a:rPr lang="en-US" sz="11200" dirty="0" smtClean="0"/>
-              <a:t>#include&lt;bits/</a:t>
-            </a:r>
-            <a:r>
-              <a:rPr lang="en-US" sz="11200" dirty="0" err="1" smtClean="0"/>
-              <a:t>stdc</a:t>
-            </a:r>
-            <a:r>
-              <a:rPr lang="en-US" sz="11200" dirty="0" smtClean="0"/>
-              <a:t>++.h&gt;</a:t>
-            </a:r>
-          </a:p>
-          <a:p>
-            <a:r>
-              <a:rPr lang="en-US" sz="11200" dirty="0" smtClean="0"/>
-              <a:t>#define vi vector&lt;int&gt;</a:t>
-            </a:r>
-          </a:p>
-          <a:p>
-            <a:r>
-              <a:rPr lang="en-US" sz="11200" dirty="0" smtClean="0"/>
-              <a:t>using namespace std;</a:t>
-            </a:r>
-          </a:p>
-          <a:p>
-            <a:r>
-              <a:rPr lang="en-US" sz="9600" dirty="0" smtClean="0"/>
-              <a:t>vi primes;</a:t>
-            </a:r>
-          </a:p>
-          <a:p>
-            <a:r>
-              <a:rPr lang="en-US" sz="9600" dirty="0" smtClean="0"/>
-              <a:t>	</a:t>
-            </a:r>
-            <a:r>
-              <a:rPr lang="en-US" sz="9600" dirty="0" err="1" smtClean="0"/>
-              <a:t>bool</a:t>
-            </a:r>
-            <a:r>
-              <a:rPr lang="en-US" sz="9600" dirty="0" smtClean="0"/>
-              <a:t> </a:t>
-            </a:r>
-            <a:r>
-              <a:rPr lang="en-US" sz="9600" dirty="0" err="1" smtClean="0"/>
-              <a:t>ar</a:t>
-            </a:r>
-            <a:r>
-              <a:rPr lang="en-US" sz="9600" dirty="0" smtClean="0"/>
-              <a:t>[90000001];</a:t>
-            </a:r>
-          </a:p>
-          <a:p>
-            <a:r>
-              <a:rPr lang="en-US" sz="9600" dirty="0" smtClean="0"/>
-              <a:t>void sieve()</a:t>
-            </a:r>
-          </a:p>
-          <a:p>
-            <a:r>
-              <a:rPr lang="en-US" sz="9600" dirty="0" smtClean="0"/>
-              <a:t>{</a:t>
-            </a:r>
-          </a:p>
-          <a:p>
-            <a:r>
-              <a:rPr lang="en-US" sz="9600" dirty="0" smtClean="0"/>
-              <a:t>	</a:t>
-            </a:r>
-          </a:p>
-          <a:p>
-            <a:r>
-              <a:rPr lang="en-US" sz="9600" dirty="0" smtClean="0"/>
-              <a:t>	long </a:t>
-            </a:r>
-            <a:r>
-              <a:rPr lang="en-US" sz="9600" dirty="0" err="1" smtClean="0"/>
-              <a:t>long</a:t>
-            </a:r>
-            <a:r>
-              <a:rPr lang="en-US" sz="9600" dirty="0" smtClean="0"/>
-              <a:t> </a:t>
-            </a:r>
-            <a:r>
-              <a:rPr lang="en-US" sz="9600" dirty="0" err="1" smtClean="0"/>
-              <a:t>maxn</a:t>
-            </a:r>
-            <a:r>
-              <a:rPr lang="en-US" sz="9600" dirty="0" smtClean="0"/>
-              <a:t>=9000000;</a:t>
-            </a:r>
-          </a:p>
-          <a:p>
-            <a:r>
-              <a:rPr lang="en-US" sz="9600" dirty="0" smtClean="0"/>
-              <a:t>	</a:t>
-            </a:r>
-            <a:r>
-              <a:rPr lang="en-US" sz="9600" dirty="0" err="1" smtClean="0"/>
-              <a:t>ar</a:t>
-            </a:r>
-            <a:r>
-              <a:rPr lang="en-US" sz="9600" dirty="0" smtClean="0"/>
-              <a:t>[0]=</a:t>
-            </a:r>
-            <a:r>
-              <a:rPr lang="en-US" sz="9600" dirty="0" err="1" smtClean="0"/>
-              <a:t>ar</a:t>
-            </a:r>
-            <a:r>
-              <a:rPr lang="en-US" sz="9600" dirty="0" smtClean="0"/>
-              <a:t>[1]=true;</a:t>
-            </a:r>
-          </a:p>
-          <a:p>
-            <a:r>
-              <a:rPr lang="en-US" sz="9600" dirty="0" smtClean="0"/>
-              <a:t>	for(int </a:t>
-            </a:r>
-            <a:r>
-              <a:rPr lang="en-US" sz="9600" dirty="0" err="1" smtClean="0"/>
-              <a:t>i</a:t>
-            </a:r>
-            <a:r>
-              <a:rPr lang="en-US" sz="9600" dirty="0" smtClean="0"/>
-              <a:t>=1;i*</a:t>
-            </a:r>
-            <a:r>
-              <a:rPr lang="en-US" sz="9600" dirty="0" err="1" smtClean="0"/>
-              <a:t>i</a:t>
-            </a:r>
-            <a:r>
-              <a:rPr lang="en-US" sz="9600" dirty="0" smtClean="0"/>
-              <a:t>&lt;=</a:t>
-            </a:r>
-            <a:r>
-              <a:rPr lang="en-US" sz="9600" dirty="0" err="1" smtClean="0"/>
-              <a:t>maxn;i</a:t>
-            </a:r>
-            <a:r>
-              <a:rPr lang="en-US" sz="9600" dirty="0" smtClean="0"/>
-              <a:t>++)</a:t>
-            </a:r>
-          </a:p>
-          <a:p>
-            <a:r>
-              <a:rPr lang="en-US" sz="9600" dirty="0" smtClean="0"/>
-              <a:t>	{</a:t>
-            </a:r>
-          </a:p>
-          <a:p>
-            <a:r>
-              <a:rPr lang="en-US" dirty="0" smtClean="0"/>
-              <a:t>		</a:t>
-            </a:r>
-            <a:endParaRPr lang="en-US" dirty="0"/>
+          <a:bodyPr/>
+          <a:lstStyle/>
+          <a:p>
+            <a:endParaRPr lang="en-US"/>
           </a:p>
         </p:txBody>
       </p:sp>
@@ -5783,6 +8906,10 @@
           <a:bodyPr/>
           <a:lstStyle/>
           <a:p>
+            <a:r>
+              <a:rPr lang="en-US" dirty="0" smtClean="0"/>
+              <a:t>Prime numbers</a:t>
+            </a:r>
             <a:endParaRPr lang="en-US" dirty="0"/>
           </a:p>
         </p:txBody>
@@ -5797,204 +8924,12 @@
             <p:ph sz="quarter" idx="1"/>
           </p:nvPr>
         </p:nvSpPr>
-        <p:spPr>
-          <a:xfrm>
-            <a:off x="914400" y="1447800"/>
-            <a:ext cx="7772400" cy="5105400"/>
-          </a:xfrm>
-        </p:spPr>
-        <p:txBody>
-          <a:bodyPr>
-            <a:normAutofit fontScale="25000" lnSpcReduction="20000"/>
-          </a:bodyPr>
-          <a:lstStyle/>
-          <a:p>
-            <a:r>
-              <a:rPr lang="en-US" sz="9600" dirty="0" smtClean="0"/>
-              <a:t>if(</a:t>
-            </a:r>
-            <a:r>
-              <a:rPr lang="en-US" sz="9600" dirty="0" err="1" smtClean="0"/>
-              <a:t>ar</a:t>
-            </a:r>
-            <a:r>
-              <a:rPr lang="en-US" sz="9600" dirty="0" smtClean="0"/>
-              <a:t>[</a:t>
-            </a:r>
-            <a:r>
-              <a:rPr lang="en-US" sz="9600" dirty="0" err="1" smtClean="0"/>
-              <a:t>i</a:t>
-            </a:r>
-            <a:r>
-              <a:rPr lang="en-US" sz="9600" dirty="0" smtClean="0"/>
-              <a:t>]==false)</a:t>
-            </a:r>
-          </a:p>
-          <a:p>
-            <a:r>
-              <a:rPr lang="en-US" sz="9600" dirty="0" smtClean="0"/>
-              <a:t>		{</a:t>
-            </a:r>
-          </a:p>
-          <a:p>
-            <a:r>
-              <a:rPr lang="en-US" sz="9600" dirty="0" smtClean="0"/>
-              <a:t>			for(int j=</a:t>
-            </a:r>
-            <a:r>
-              <a:rPr lang="en-US" sz="9600" dirty="0" err="1" smtClean="0"/>
-              <a:t>i</a:t>
-            </a:r>
-            <a:r>
-              <a:rPr lang="en-US" sz="9600" dirty="0" smtClean="0"/>
-              <a:t>*</a:t>
-            </a:r>
-            <a:r>
-              <a:rPr lang="en-US" sz="9600" dirty="0" err="1" smtClean="0"/>
-              <a:t>i;j</a:t>
-            </a:r>
-            <a:r>
-              <a:rPr lang="en-US" sz="9600" dirty="0" smtClean="0"/>
-              <a:t>&lt;=</a:t>
-            </a:r>
-            <a:r>
-              <a:rPr lang="en-US" sz="9600" dirty="0" err="1" smtClean="0"/>
-              <a:t>maxn;j</a:t>
-            </a:r>
-            <a:r>
-              <a:rPr lang="en-US" sz="9600" dirty="0" smtClean="0"/>
-              <a:t>+=</a:t>
-            </a:r>
-            <a:r>
-              <a:rPr lang="en-US" sz="9600" dirty="0" err="1" smtClean="0"/>
-              <a:t>i</a:t>
-            </a:r>
-            <a:r>
-              <a:rPr lang="en-US" sz="9600" dirty="0" smtClean="0"/>
-              <a:t>)</a:t>
-            </a:r>
-          </a:p>
-          <a:p>
-            <a:r>
-              <a:rPr lang="en-US" sz="9600" dirty="0" smtClean="0"/>
-              <a:t>			{</a:t>
-            </a:r>
-          </a:p>
-          <a:p>
-            <a:r>
-              <a:rPr lang="en-US" sz="9600" dirty="0" smtClean="0"/>
-              <a:t>				</a:t>
-            </a:r>
-            <a:r>
-              <a:rPr lang="en-US" sz="9600" dirty="0" err="1" smtClean="0"/>
-              <a:t>ar</a:t>
-            </a:r>
-            <a:r>
-              <a:rPr lang="en-US" sz="9600" dirty="0" smtClean="0"/>
-              <a:t>[j]=true;</a:t>
-            </a:r>
-          </a:p>
-          <a:p>
-            <a:r>
-              <a:rPr lang="en-US" sz="9600" dirty="0" smtClean="0"/>
-              <a:t>			}</a:t>
-            </a:r>
-          </a:p>
-          <a:p>
-            <a:r>
-              <a:rPr lang="en-US" sz="9600" dirty="0" smtClean="0"/>
-              <a:t>		}</a:t>
-            </a:r>
-          </a:p>
-          <a:p>
-            <a:r>
-              <a:rPr lang="en-US" sz="9600" dirty="0" smtClean="0"/>
-              <a:t>	}</a:t>
-            </a:r>
-          </a:p>
-          <a:p>
-            <a:r>
-              <a:rPr lang="en-US" sz="9600" dirty="0" smtClean="0"/>
-              <a:t>	for(int </a:t>
-            </a:r>
-            <a:r>
-              <a:rPr lang="en-US" sz="9600" dirty="0" err="1" smtClean="0"/>
-              <a:t>i</a:t>
-            </a:r>
-            <a:r>
-              <a:rPr lang="en-US" sz="9600" dirty="0" smtClean="0"/>
-              <a:t>=2;i&lt;=</a:t>
-            </a:r>
-            <a:r>
-              <a:rPr lang="en-US" sz="9600" dirty="0" err="1" smtClean="0"/>
-              <a:t>maxn;i</a:t>
-            </a:r>
-            <a:r>
-              <a:rPr lang="en-US" sz="9600" dirty="0" smtClean="0"/>
-              <a:t>++)</a:t>
-            </a:r>
-          </a:p>
-          <a:p>
-            <a:r>
-              <a:rPr lang="en-US" sz="9600" dirty="0" smtClean="0"/>
-              <a:t>	{</a:t>
-            </a:r>
-          </a:p>
-          <a:p>
-            <a:r>
-              <a:rPr lang="en-US" sz="9600" dirty="0" smtClean="0"/>
-              <a:t>		if(</a:t>
-            </a:r>
-            <a:r>
-              <a:rPr lang="en-US" sz="9600" dirty="0" err="1" smtClean="0"/>
-              <a:t>ar</a:t>
-            </a:r>
-            <a:r>
-              <a:rPr lang="en-US" sz="9600" dirty="0" smtClean="0"/>
-              <a:t>[</a:t>
-            </a:r>
-            <a:r>
-              <a:rPr lang="en-US" sz="9600" dirty="0" err="1" smtClean="0"/>
-              <a:t>i</a:t>
-            </a:r>
-            <a:r>
-              <a:rPr lang="en-US" sz="9600" dirty="0" smtClean="0"/>
-              <a:t>]==false)</a:t>
-            </a:r>
-          </a:p>
-          <a:p>
-            <a:r>
-              <a:rPr lang="en-US" sz="9600" dirty="0" smtClean="0"/>
-              <a:t>		</a:t>
-            </a:r>
-            <a:r>
-              <a:rPr lang="en-US" sz="9600" dirty="0" err="1" smtClean="0"/>
-              <a:t>primes.push_back</a:t>
-            </a:r>
-            <a:r>
-              <a:rPr lang="en-US" sz="9600" dirty="0" smtClean="0"/>
-              <a:t>(</a:t>
-            </a:r>
-            <a:r>
-              <a:rPr lang="en-US" sz="9600" dirty="0" err="1" smtClean="0"/>
-              <a:t>i</a:t>
-            </a:r>
-            <a:r>
-              <a:rPr lang="en-US" sz="9600" dirty="0" smtClean="0"/>
-              <a:t>);</a:t>
-            </a:r>
-          </a:p>
-          <a:p>
-            <a:r>
-              <a:rPr lang="en-US" sz="9600" dirty="0" smtClean="0"/>
-              <a:t>	}</a:t>
-            </a:r>
-          </a:p>
-          <a:p>
-            <a:r>
-              <a:rPr lang="en-US" dirty="0" smtClean="0"/>
-              <a:t>	</a:t>
-            </a:r>
+        <p:spPr/>
+        <p:txBody>
+          <a:bodyPr/>
+          <a:lstStyle/>
+          <a:p>
+            <a:endParaRPr lang="en-US"/>
           </a:p>
         </p:txBody>
       </p:sp>
@@ -6038,139 +8973,30 @@
           <a:bodyPr/>
           <a:lstStyle/>
           <a:p>
+            <a:r>
+              <a:rPr lang="en-US" dirty="0" smtClean="0"/>
+              <a:t>Prime numbers</a:t>
+            </a:r>
+            <a:endParaRPr lang="en-US" dirty="0"/>
+          </a:p>
+        </p:txBody>
+      </p:sp>
+      <p:sp>
+        <p:nvSpPr>
+          <p:cNvPr id="3" name="Content Placeholder 2"/>
+          <p:cNvSpPr>
+            <a:spLocks noGrp="1"/>
+          </p:cNvSpPr>
+          <p:nvPr>
+            <p:ph sz="quarter" idx="1"/>
+          </p:nvPr>
+        </p:nvSpPr>
+        <p:spPr/>
+        <p:txBody>
+          <a:bodyPr/>
+          <a:lstStyle/>
+          <a:p>
             <a:endParaRPr lang="en-US"/>
-          </a:p>
-        </p:txBody>
-      </p:sp>
-      <p:sp>
-        <p:nvSpPr>
-          <p:cNvPr id="3" name="Content Placeholder 2"/>
-          <p:cNvSpPr>
-            <a:spLocks noGrp="1"/>
-          </p:cNvSpPr>
-          <p:nvPr>
-            <p:ph sz="quarter" idx="1"/>
-          </p:nvPr>
-        </p:nvSpPr>
-        <p:spPr/>
-        <p:txBody>
-          <a:bodyPr>
-            <a:normAutofit fontScale="77500" lnSpcReduction="20000"/>
-          </a:bodyPr>
-          <a:lstStyle/>
-          <a:p>
-            <a:r>
-              <a:rPr lang="en-US" dirty="0" smtClean="0"/>
-              <a:t>}</a:t>
-            </a:r>
-          </a:p>
-          <a:p>
-            <a:r>
-              <a:rPr lang="en-US" dirty="0" smtClean="0"/>
-              <a:t>int main()</a:t>
-            </a:r>
-          </a:p>
-          <a:p>
-            <a:r>
-              <a:rPr lang="en-US" dirty="0" smtClean="0"/>
-              <a:t>{</a:t>
-            </a:r>
-          </a:p>
-          <a:p>
-            <a:r>
-              <a:rPr lang="en-US" dirty="0" smtClean="0"/>
-              <a:t>	int q;</a:t>
-            </a:r>
-          </a:p>
-          <a:p>
-            <a:r>
-              <a:rPr lang="en-US" dirty="0" smtClean="0"/>
-              <a:t>	long </a:t>
-            </a:r>
-            <a:r>
-              <a:rPr lang="en-US" dirty="0" err="1" smtClean="0"/>
-              <a:t>long</a:t>
-            </a:r>
-            <a:r>
-              <a:rPr lang="en-US" dirty="0" smtClean="0"/>
-              <a:t> n;</a:t>
-            </a:r>
-          </a:p>
-          <a:p>
-            <a:r>
-              <a:rPr lang="en-US" dirty="0" smtClean="0"/>
-              <a:t>	cin&gt;&gt;q;</a:t>
-            </a:r>
-          </a:p>
-          <a:p>
-            <a:r>
-              <a:rPr lang="en-US" dirty="0" smtClean="0"/>
-              <a:t>	sieve();</a:t>
-            </a:r>
-          </a:p>
-          <a:p>
-            <a:r>
-              <a:rPr lang="en-US" dirty="0" smtClean="0"/>
-              <a:t>	while(q--)</a:t>
-            </a:r>
-          </a:p>
-          <a:p>
-            <a:r>
-              <a:rPr lang="en-US" dirty="0" smtClean="0"/>
-              <a:t>	{</a:t>
-            </a:r>
-          </a:p>
-          <a:p>
-            <a:r>
-              <a:rPr lang="en-US" dirty="0" smtClean="0"/>
-              <a:t>		cin&gt;&gt;n;</a:t>
-            </a:r>
-          </a:p>
-          <a:p>
-            <a:r>
-              <a:rPr lang="en-US" dirty="0" smtClean="0"/>
-              <a:t>		</a:t>
-            </a:r>
-            <a:r>
-              <a:rPr lang="en-US" dirty="0" err="1" smtClean="0"/>
-              <a:t>cout</a:t>
-            </a:r>
-            <a:r>
-              <a:rPr lang="en-US" dirty="0" smtClean="0"/>
-              <a:t>&lt;&lt;primes[n-1]&lt;&lt;</a:t>
-            </a:r>
-            <a:r>
-              <a:rPr lang="en-US" dirty="0" err="1" smtClean="0"/>
-              <a:t>endl</a:t>
-            </a:r>
-            <a:r>
-              <a:rPr lang="en-US" dirty="0" smtClean="0"/>
-              <a:t>;</a:t>
-            </a:r>
-          </a:p>
-          <a:p>
-            <a:r>
-              <a:rPr lang="en-US" dirty="0" smtClean="0"/>
-              <a:t>	}</a:t>
-            </a:r>
-          </a:p>
-          <a:p>
-            <a:r>
-              <a:rPr lang="en-US" dirty="0" smtClean="0"/>
-              <a:t>	return 0;</a:t>
-            </a:r>
-          </a:p>
-          <a:p>
-            <a:r>
-              <a:rPr lang="en-US" dirty="0" smtClean="0"/>
-              <a:t>}</a:t>
-            </a:r>
-          </a:p>
-          <a:p>
-            <a:endParaRPr lang="en-US" dirty="0" smtClean="0"/>
-          </a:p>
-          <a:p>
-            <a:endParaRPr lang="en-US" dirty="0"/>
           </a:p>
         </p:txBody>
       </p:sp>
